--- a/Presentations/First Sponsor Demo.pptx
+++ b/Presentations/First Sponsor Demo.pptx
@@ -5,15 +5,20 @@
     <p:sldMasterId id="2147483744" r:id="rId1"/>
   </p:sldMasterIdLst>
   <p:notesMasterIdLst>
-    <p:notesMasterId r:id="rId8"/>
+    <p:notesMasterId r:id="rId13"/>
   </p:notesMasterIdLst>
   <p:sldIdLst>
     <p:sldId id="256" r:id="rId2"/>
-    <p:sldId id="263" r:id="rId3"/>
-    <p:sldId id="258" r:id="rId4"/>
-    <p:sldId id="259" r:id="rId5"/>
-    <p:sldId id="260" r:id="rId6"/>
-    <p:sldId id="264" r:id="rId7"/>
+    <p:sldId id="258" r:id="rId3"/>
+    <p:sldId id="259" r:id="rId4"/>
+    <p:sldId id="260" r:id="rId5"/>
+    <p:sldId id="265" r:id="rId6"/>
+    <p:sldId id="266" r:id="rId7"/>
+    <p:sldId id="267" r:id="rId8"/>
+    <p:sldId id="268" r:id="rId9"/>
+    <p:sldId id="269" r:id="rId10"/>
+    <p:sldId id="270" r:id="rId11"/>
+    <p:sldId id="264" r:id="rId12"/>
   </p:sldIdLst>
   <p:sldSz cx="9144000" cy="6858000" type="screen4x3"/>
   <p:notesSz cx="6858000" cy="9144000"/>
@@ -197,7 +202,7 @@
           <a:p>
             <a:fld id="{CD7109D2-E2A7-4C94-968A-0465299F8B29}" type="datetimeFigureOut">
               <a:rPr lang="hu-HU" smtClean="0"/>
-              <a:t>2017.10.20.</a:t>
+              <a:t>2017.11.17.</a:t>
             </a:fld>
             <a:endParaRPr lang="hu-HU"/>
           </a:p>
@@ -509,464 +514,6 @@
           <a:bodyPr/>
           <a:lstStyle/>
           <a:p>
-            <a:r>
-              <a:rPr lang="hu-HU" dirty="0" err="1" smtClean="0"/>
-              <a:t>In</a:t>
-            </a:r>
-            <a:r>
-              <a:rPr lang="hu-HU" baseline="0" dirty="0" smtClean="0"/>
-              <a:t> 1642 a </a:t>
-            </a:r>
-            <a:r>
-              <a:rPr lang="hu-HU" baseline="0" dirty="0" err="1" smtClean="0"/>
-              <a:t>young</a:t>
-            </a:r>
-            <a:r>
-              <a:rPr lang="hu-HU" baseline="0" dirty="0" smtClean="0"/>
-              <a:t> </a:t>
-            </a:r>
-            <a:r>
-              <a:rPr lang="hu-HU" baseline="0" dirty="0" err="1" smtClean="0"/>
-              <a:t>French</a:t>
-            </a:r>
-            <a:r>
-              <a:rPr lang="hu-HU" baseline="0" dirty="0" smtClean="0"/>
-              <a:t> </a:t>
-            </a:r>
-            <a:r>
-              <a:rPr lang="hu-HU" baseline="0" dirty="0" err="1" smtClean="0"/>
-              <a:t>mathematician</a:t>
-            </a:r>
-            <a:r>
-              <a:rPr lang="hu-HU" baseline="0" dirty="0" smtClean="0"/>
-              <a:t> gentleman, Blaise Pascal has </a:t>
-            </a:r>
-            <a:r>
-              <a:rPr lang="hu-HU" baseline="0" dirty="0" err="1" smtClean="0"/>
-              <a:t>invented</a:t>
-            </a:r>
-            <a:r>
-              <a:rPr lang="hu-HU" baseline="0" dirty="0" smtClean="0"/>
-              <a:t> a </a:t>
-            </a:r>
-            <a:r>
-              <a:rPr lang="hu-HU" baseline="0" dirty="0" err="1" smtClean="0"/>
-              <a:t>mechanical</a:t>
-            </a:r>
-            <a:r>
-              <a:rPr lang="hu-HU" baseline="0" dirty="0" smtClean="0"/>
-              <a:t> </a:t>
-            </a:r>
-            <a:r>
-              <a:rPr lang="hu-HU" baseline="0" dirty="0" err="1" smtClean="0"/>
-              <a:t>machine</a:t>
-            </a:r>
-            <a:r>
-              <a:rPr lang="hu-HU" baseline="0" dirty="0" smtClean="0"/>
-              <a:t> </a:t>
-            </a:r>
-            <a:r>
-              <a:rPr lang="hu-HU" baseline="0" dirty="0" err="1" smtClean="0"/>
-              <a:t>which</a:t>
-            </a:r>
-            <a:r>
-              <a:rPr lang="hu-HU" baseline="0" dirty="0" smtClean="0"/>
-              <a:t> </a:t>
-            </a:r>
-            <a:r>
-              <a:rPr lang="hu-HU" baseline="0" dirty="0" err="1" smtClean="0"/>
-              <a:t>was</a:t>
-            </a:r>
-            <a:r>
-              <a:rPr lang="hu-HU" baseline="0" dirty="0" smtClean="0"/>
-              <a:t> </a:t>
-            </a:r>
-            <a:r>
-              <a:rPr lang="hu-HU" baseline="0" dirty="0" err="1" smtClean="0"/>
-              <a:t>able</a:t>
-            </a:r>
-            <a:r>
-              <a:rPr lang="hu-HU" baseline="0" dirty="0" smtClean="0"/>
-              <a:t> </a:t>
-            </a:r>
-            <a:r>
-              <a:rPr lang="hu-HU" baseline="0" dirty="0" err="1" smtClean="0"/>
-              <a:t>to</a:t>
-            </a:r>
-            <a:r>
-              <a:rPr lang="hu-HU" baseline="0" dirty="0" smtClean="0"/>
-              <a:t> </a:t>
-            </a:r>
-            <a:r>
-              <a:rPr lang="hu-HU" baseline="0" dirty="0" err="1" smtClean="0"/>
-              <a:t>do</a:t>
-            </a:r>
-            <a:r>
-              <a:rPr lang="hu-HU" baseline="0" dirty="0" smtClean="0"/>
-              <a:t> </a:t>
-            </a:r>
-            <a:r>
-              <a:rPr lang="hu-HU" baseline="0" dirty="0" err="1" smtClean="0"/>
-              <a:t>simple</a:t>
-            </a:r>
-            <a:r>
-              <a:rPr lang="hu-HU" baseline="0" dirty="0" smtClean="0"/>
-              <a:t> </a:t>
-            </a:r>
-            <a:r>
-              <a:rPr lang="hu-HU" baseline="0" dirty="0" err="1" smtClean="0"/>
-              <a:t>mathematical</a:t>
-            </a:r>
-            <a:r>
-              <a:rPr lang="hu-HU" baseline="0" dirty="0" smtClean="0"/>
-              <a:t> </a:t>
-            </a:r>
-            <a:r>
-              <a:rPr lang="hu-HU" baseline="0" dirty="0" err="1" smtClean="0"/>
-              <a:t>operations</a:t>
-            </a:r>
-            <a:r>
-              <a:rPr lang="hu-HU" baseline="0" dirty="0" smtClean="0"/>
-              <a:t> </a:t>
-            </a:r>
-            <a:r>
-              <a:rPr lang="hu-HU" baseline="0" dirty="0" err="1" smtClean="0"/>
-              <a:t>such</a:t>
-            </a:r>
-            <a:r>
-              <a:rPr lang="hu-HU" baseline="0" dirty="0" smtClean="0"/>
-              <a:t> </a:t>
-            </a:r>
-            <a:r>
-              <a:rPr lang="hu-HU" baseline="0" dirty="0" err="1" smtClean="0"/>
-              <a:t>as</a:t>
-            </a:r>
-            <a:r>
-              <a:rPr lang="hu-HU" baseline="0" dirty="0" smtClean="0"/>
-              <a:t> </a:t>
-            </a:r>
-            <a:r>
-              <a:rPr lang="hu-HU" baseline="0" dirty="0" err="1" smtClean="0"/>
-              <a:t>addition</a:t>
-            </a:r>
-            <a:r>
-              <a:rPr lang="hu-HU" baseline="0" dirty="0" smtClean="0"/>
-              <a:t> and </a:t>
-            </a:r>
-            <a:r>
-              <a:rPr lang="hu-HU" baseline="0" dirty="0" err="1" smtClean="0"/>
-              <a:t>subtraction</a:t>
-            </a:r>
-            <a:r>
-              <a:rPr lang="hu-HU" baseline="0" dirty="0" smtClean="0"/>
-              <a:t>. </a:t>
-            </a:r>
-            <a:r>
-              <a:rPr lang="hu-HU" baseline="0" dirty="0" err="1" smtClean="0"/>
-              <a:t>It</a:t>
-            </a:r>
-            <a:r>
-              <a:rPr lang="hu-HU" baseline="0" dirty="0" smtClean="0"/>
-              <a:t> </a:t>
-            </a:r>
-            <a:r>
-              <a:rPr lang="hu-HU" baseline="0" dirty="0" err="1" smtClean="0"/>
-              <a:t>was</a:t>
-            </a:r>
-            <a:r>
-              <a:rPr lang="hu-HU" baseline="0" dirty="0" smtClean="0"/>
-              <a:t> </a:t>
-            </a:r>
-            <a:r>
-              <a:rPr lang="hu-HU" baseline="0" dirty="0" err="1" smtClean="0"/>
-              <a:t>such</a:t>
-            </a:r>
-            <a:r>
-              <a:rPr lang="hu-HU" baseline="0" dirty="0" smtClean="0"/>
-              <a:t> a </a:t>
-            </a:r>
-            <a:r>
-              <a:rPr lang="hu-HU" baseline="0" dirty="0" err="1" smtClean="0"/>
-              <a:t>big</a:t>
-            </a:r>
-            <a:r>
-              <a:rPr lang="hu-HU" baseline="0" dirty="0" smtClean="0"/>
-              <a:t> </a:t>
-            </a:r>
-            <a:r>
-              <a:rPr lang="hu-HU" baseline="0" dirty="0" err="1" smtClean="0"/>
-              <a:t>tool</a:t>
-            </a:r>
-            <a:r>
-              <a:rPr lang="hu-HU" baseline="0" dirty="0" smtClean="0"/>
-              <a:t>, </a:t>
-            </a:r>
-            <a:r>
-              <a:rPr lang="hu-HU" baseline="0" dirty="0" err="1" smtClean="0"/>
-              <a:t>though</a:t>
-            </a:r>
-            <a:r>
-              <a:rPr lang="hu-HU" baseline="0" dirty="0" smtClean="0"/>
-              <a:t>. </a:t>
-            </a:r>
-            <a:r>
-              <a:rPr lang="hu-HU" baseline="0" dirty="0" err="1" smtClean="0"/>
-              <a:t>After</a:t>
-            </a:r>
-            <a:r>
-              <a:rPr lang="hu-HU" baseline="0" dirty="0" smtClean="0"/>
-              <a:t> </a:t>
-            </a:r>
-            <a:r>
-              <a:rPr lang="hu-HU" baseline="0" dirty="0" err="1" smtClean="0"/>
-              <a:t>centuries</a:t>
-            </a:r>
-            <a:r>
-              <a:rPr lang="hu-HU" baseline="0" dirty="0" smtClean="0"/>
-              <a:t>, </a:t>
-            </a:r>
-            <a:r>
-              <a:rPr lang="hu-HU" baseline="0" dirty="0" err="1" smtClean="0"/>
-              <a:t>thanks</a:t>
-            </a:r>
-            <a:r>
-              <a:rPr lang="hu-HU" baseline="0" dirty="0" smtClean="0"/>
-              <a:t> </a:t>
-            </a:r>
-            <a:r>
-              <a:rPr lang="hu-HU" baseline="0" dirty="0" err="1" smtClean="0"/>
-              <a:t>to</a:t>
-            </a:r>
-            <a:r>
-              <a:rPr lang="hu-HU" baseline="0" dirty="0" smtClean="0"/>
-              <a:t> </a:t>
-            </a:r>
-            <a:r>
-              <a:rPr lang="hu-HU" baseline="0" dirty="0" err="1" smtClean="0"/>
-              <a:t>the</a:t>
-            </a:r>
-            <a:r>
-              <a:rPr lang="hu-HU" baseline="0" dirty="0" smtClean="0"/>
-              <a:t> </a:t>
-            </a:r>
-            <a:r>
-              <a:rPr lang="hu-HU" baseline="0" dirty="0" err="1" smtClean="0"/>
-              <a:t>developed</a:t>
-            </a:r>
-            <a:r>
-              <a:rPr lang="hu-HU" baseline="0" dirty="0" smtClean="0"/>
-              <a:t> </a:t>
-            </a:r>
-            <a:r>
-              <a:rPr lang="hu-HU" baseline="0" dirty="0" err="1" smtClean="0"/>
-              <a:t>technology</a:t>
-            </a:r>
-            <a:r>
-              <a:rPr lang="hu-HU" baseline="0" dirty="0" smtClean="0"/>
-              <a:t>, </a:t>
-            </a:r>
-            <a:r>
-              <a:rPr lang="hu-HU" baseline="0" dirty="0" err="1" smtClean="0"/>
-              <a:t>in</a:t>
-            </a:r>
-            <a:r>
-              <a:rPr lang="hu-HU" baseline="0" dirty="0" smtClean="0"/>
-              <a:t> </a:t>
-            </a:r>
-            <a:r>
-              <a:rPr lang="hu-HU" baseline="0" dirty="0" err="1" smtClean="0"/>
-              <a:t>the</a:t>
-            </a:r>
-            <a:r>
-              <a:rPr lang="hu-HU" baseline="0" dirty="0" smtClean="0"/>
-              <a:t> 1970’s, an American </a:t>
-            </a:r>
-            <a:r>
-              <a:rPr lang="hu-HU" baseline="0" dirty="0" err="1" smtClean="0"/>
-              <a:t>company</a:t>
-            </a:r>
-            <a:r>
-              <a:rPr lang="hu-HU" baseline="0" dirty="0" smtClean="0"/>
-              <a:t> has </a:t>
-            </a:r>
-            <a:r>
-              <a:rPr lang="hu-HU" baseline="0" dirty="0" err="1" smtClean="0"/>
-              <a:t>invented</a:t>
-            </a:r>
-            <a:r>
-              <a:rPr lang="hu-HU" baseline="0" dirty="0" smtClean="0"/>
-              <a:t> </a:t>
-            </a:r>
-            <a:r>
-              <a:rPr lang="hu-HU" baseline="0" dirty="0" err="1" smtClean="0"/>
-              <a:t>the</a:t>
-            </a:r>
-            <a:r>
-              <a:rPr lang="hu-HU" baseline="0" dirty="0" smtClean="0"/>
-              <a:t> </a:t>
-            </a:r>
-            <a:r>
-              <a:rPr lang="hu-HU" baseline="0" dirty="0" err="1" smtClean="0"/>
-              <a:t>hand-held</a:t>
-            </a:r>
-            <a:r>
-              <a:rPr lang="hu-HU" baseline="0" dirty="0" smtClean="0"/>
-              <a:t> and </a:t>
-            </a:r>
-            <a:r>
-              <a:rPr lang="hu-HU" baseline="0" dirty="0" err="1" smtClean="0"/>
-              <a:t>improved</a:t>
-            </a:r>
-            <a:r>
-              <a:rPr lang="hu-HU" baseline="0" dirty="0" smtClean="0"/>
-              <a:t> version of </a:t>
-            </a:r>
-            <a:r>
-              <a:rPr lang="hu-HU" baseline="0" dirty="0" err="1" smtClean="0"/>
-              <a:t>it</a:t>
-            </a:r>
-            <a:r>
-              <a:rPr lang="hu-HU" baseline="0" dirty="0" smtClean="0"/>
-              <a:t>. </a:t>
-            </a:r>
-            <a:r>
-              <a:rPr lang="hu-HU" baseline="0" dirty="0" err="1" smtClean="0"/>
-              <a:t>This</a:t>
-            </a:r>
-            <a:r>
-              <a:rPr lang="hu-HU" baseline="0" dirty="0" smtClean="0"/>
-              <a:t> is </a:t>
-            </a:r>
-            <a:r>
-              <a:rPr lang="hu-HU" baseline="0" dirty="0" err="1" smtClean="0"/>
-              <a:t>the</a:t>
-            </a:r>
-            <a:r>
-              <a:rPr lang="hu-HU" baseline="0" dirty="0" smtClean="0"/>
-              <a:t> </a:t>
-            </a:r>
-            <a:r>
-              <a:rPr lang="hu-HU" baseline="0" dirty="0" err="1" smtClean="0"/>
-              <a:t>calculator</a:t>
-            </a:r>
-            <a:r>
-              <a:rPr lang="hu-HU" baseline="0" dirty="0" smtClean="0"/>
-              <a:t> </a:t>
-            </a:r>
-            <a:r>
-              <a:rPr lang="hu-HU" baseline="0" dirty="0" err="1" smtClean="0"/>
-              <a:t>we</a:t>
-            </a:r>
-            <a:r>
-              <a:rPr lang="hu-HU" baseline="0" dirty="0" smtClean="0"/>
-              <a:t> </a:t>
-            </a:r>
-            <a:r>
-              <a:rPr lang="hu-HU" baseline="0" dirty="0" err="1" smtClean="0"/>
-              <a:t>know</a:t>
-            </a:r>
-            <a:r>
-              <a:rPr lang="hu-HU" baseline="0" dirty="0" smtClean="0"/>
-              <a:t> </a:t>
-            </a:r>
-            <a:r>
-              <a:rPr lang="hu-HU" baseline="0" dirty="0" err="1" smtClean="0"/>
-              <a:t>today</a:t>
-            </a:r>
-            <a:r>
-              <a:rPr lang="hu-HU" baseline="0" dirty="0" smtClean="0"/>
-              <a:t>. </a:t>
-            </a:r>
-            <a:r>
-              <a:rPr lang="hu-HU" baseline="0" dirty="0" err="1" smtClean="0"/>
-              <a:t>Welcome</a:t>
-            </a:r>
-            <a:r>
-              <a:rPr lang="hu-HU" baseline="0" dirty="0" smtClean="0"/>
-              <a:t> </a:t>
-            </a:r>
-            <a:r>
-              <a:rPr lang="hu-HU" baseline="0" dirty="0" err="1" smtClean="0"/>
-              <a:t>ladies</a:t>
-            </a:r>
-            <a:r>
-              <a:rPr lang="hu-HU" baseline="0" dirty="0" smtClean="0"/>
-              <a:t> and gentleman, </a:t>
-            </a:r>
-            <a:r>
-              <a:rPr lang="hu-HU" baseline="0" dirty="0" err="1" smtClean="0"/>
-              <a:t>my</a:t>
-            </a:r>
-            <a:r>
-              <a:rPr lang="hu-HU" baseline="0" dirty="0" smtClean="0"/>
-              <a:t> </a:t>
-            </a:r>
-            <a:r>
-              <a:rPr lang="hu-HU" baseline="0" dirty="0" err="1" smtClean="0"/>
-              <a:t>name</a:t>
-            </a:r>
-            <a:r>
-              <a:rPr lang="hu-HU" baseline="0" dirty="0" smtClean="0"/>
-              <a:t> is Norbert and </a:t>
-            </a:r>
-            <a:r>
-              <a:rPr lang="hu-HU" baseline="0" dirty="0" err="1" smtClean="0"/>
-              <a:t>today</a:t>
-            </a:r>
-            <a:r>
-              <a:rPr lang="hu-HU" baseline="0" dirty="0" smtClean="0"/>
-              <a:t> I </a:t>
-            </a:r>
-            <a:r>
-              <a:rPr lang="hu-HU" baseline="0" dirty="0" err="1" smtClean="0"/>
-              <a:t>will</a:t>
-            </a:r>
-            <a:r>
-              <a:rPr lang="hu-HU" baseline="0" dirty="0" smtClean="0"/>
-              <a:t> </a:t>
-            </a:r>
-            <a:r>
-              <a:rPr lang="hu-HU" baseline="0" dirty="0" err="1" smtClean="0"/>
-              <a:t>talk</a:t>
-            </a:r>
-            <a:r>
-              <a:rPr lang="hu-HU" baseline="0" dirty="0" smtClean="0"/>
-              <a:t> </a:t>
-            </a:r>
-            <a:r>
-              <a:rPr lang="hu-HU" baseline="0" dirty="0" err="1" smtClean="0"/>
-              <a:t>about</a:t>
-            </a:r>
-            <a:r>
-              <a:rPr lang="hu-HU" baseline="0" dirty="0" smtClean="0"/>
-              <a:t> </a:t>
-            </a:r>
-            <a:r>
-              <a:rPr lang="hu-HU" baseline="0" dirty="0" err="1" smtClean="0"/>
-              <a:t>this</a:t>
-            </a:r>
-            <a:r>
-              <a:rPr lang="hu-HU" baseline="0" dirty="0" smtClean="0"/>
-              <a:t> </a:t>
-            </a:r>
-            <a:r>
-              <a:rPr lang="hu-HU" baseline="0" dirty="0" err="1" smtClean="0"/>
-              <a:t>incredible</a:t>
-            </a:r>
-            <a:r>
-              <a:rPr lang="hu-HU" baseline="0" dirty="0" smtClean="0"/>
-              <a:t> </a:t>
-            </a:r>
-            <a:r>
-              <a:rPr lang="hu-HU" baseline="0" dirty="0" err="1" smtClean="0"/>
-              <a:t>tool</a:t>
-            </a:r>
-            <a:r>
-              <a:rPr lang="hu-HU" baseline="0" dirty="0" smtClean="0"/>
-              <a:t>.</a:t>
-            </a:r>
-          </a:p>
-          <a:p>
             <a:endParaRPr lang="hu-HU" dirty="0"/>
           </a:p>
         </p:txBody>
@@ -998,6 +545,508 @@
     <p:extLst>
       <p:ext uri="{BB962C8B-B14F-4D97-AF65-F5344CB8AC3E}">
         <p14:creationId xmlns:p14="http://schemas.microsoft.com/office/powerpoint/2010/main" val="3746833634"/>
+      </p:ext>
+    </p:extLst>
+  </p:cSld>
+  <p:clrMapOvr>
+    <a:masterClrMapping/>
+  </p:clrMapOvr>
+</p:notes>
+</file>
+
+<file path=ppt/notesSlides/notesSlide10.xml><?xml version="1.0" encoding="utf-8"?>
+<p:notes xmlns:a="http://schemas.openxmlformats.org/drawingml/2006/main" xmlns:r="http://schemas.openxmlformats.org/officeDocument/2006/relationships" xmlns:p="http://schemas.openxmlformats.org/presentationml/2006/main">
+  <p:cSld>
+    <p:spTree>
+      <p:nvGrpSpPr>
+        <p:cNvPr id="1" name=""/>
+        <p:cNvGrpSpPr/>
+        <p:nvPr/>
+      </p:nvGrpSpPr>
+      <p:grpSpPr>
+        <a:xfrm>
+          <a:off x="0" y="0"/>
+          <a:ext cx="0" cy="0"/>
+          <a:chOff x="0" y="0"/>
+          <a:chExt cx="0" cy="0"/>
+        </a:xfrm>
+      </p:grpSpPr>
+      <p:sp>
+        <p:nvSpPr>
+          <p:cNvPr id="2" name="Diakép helye 1"/>
+          <p:cNvSpPr>
+            <a:spLocks noGrp="1" noRot="1" noChangeAspect="1"/>
+          </p:cNvSpPr>
+          <p:nvPr>
+            <p:ph type="sldImg"/>
+          </p:nvPr>
+        </p:nvSpPr>
+        <p:spPr/>
+      </p:sp>
+      <p:sp>
+        <p:nvSpPr>
+          <p:cNvPr id="3" name="Jegyzetek helye 2"/>
+          <p:cNvSpPr>
+            <a:spLocks noGrp="1"/>
+          </p:cNvSpPr>
+          <p:nvPr>
+            <p:ph type="body" idx="1"/>
+          </p:nvPr>
+        </p:nvSpPr>
+        <p:spPr/>
+        <p:txBody>
+          <a:bodyPr/>
+          <a:lstStyle/>
+          <a:p>
+            <a:r>
+              <a:rPr lang="hu-HU" dirty="0" err="1" smtClean="0"/>
+              <a:t>It</a:t>
+            </a:r>
+            <a:r>
+              <a:rPr lang="hu-HU" dirty="0" smtClean="0"/>
+              <a:t> </a:t>
+            </a:r>
+            <a:r>
+              <a:rPr lang="hu-HU" dirty="0" err="1" smtClean="0"/>
+              <a:t>works</a:t>
+            </a:r>
+            <a:r>
+              <a:rPr lang="hu-HU" dirty="0" smtClean="0"/>
+              <a:t> </a:t>
+            </a:r>
+            <a:r>
+              <a:rPr lang="hu-HU" dirty="0" err="1" smtClean="0"/>
+              <a:t>as</a:t>
+            </a:r>
+            <a:r>
+              <a:rPr lang="hu-HU" dirty="0" smtClean="0"/>
+              <a:t> </a:t>
+            </a:r>
+            <a:r>
+              <a:rPr lang="hu-HU" dirty="0" err="1" smtClean="0"/>
+              <a:t>intended</a:t>
+            </a:r>
+            <a:r>
+              <a:rPr lang="hu-HU" dirty="0" smtClean="0"/>
+              <a:t> and </a:t>
+            </a:r>
+            <a:r>
+              <a:rPr lang="hu-HU" dirty="0" err="1" smtClean="0"/>
+              <a:t>as</a:t>
+            </a:r>
+            <a:r>
+              <a:rPr lang="hu-HU" dirty="0" smtClean="0"/>
+              <a:t> </a:t>
+            </a:r>
+            <a:r>
+              <a:rPr lang="hu-HU" dirty="0" err="1" smtClean="0"/>
+              <a:t>we</a:t>
+            </a:r>
+            <a:r>
+              <a:rPr lang="hu-HU" dirty="0" smtClean="0"/>
+              <a:t> </a:t>
+            </a:r>
+            <a:r>
+              <a:rPr lang="hu-HU" dirty="0" err="1" smtClean="0"/>
+              <a:t>wanted</a:t>
+            </a:r>
+            <a:r>
+              <a:rPr lang="hu-HU" dirty="0" smtClean="0"/>
+              <a:t>. </a:t>
+            </a:r>
+            <a:r>
+              <a:rPr lang="hu-HU" dirty="0" err="1" smtClean="0"/>
+              <a:t>So</a:t>
+            </a:r>
+            <a:r>
+              <a:rPr lang="hu-HU" dirty="0" smtClean="0"/>
+              <a:t>, </a:t>
+            </a:r>
+            <a:r>
+              <a:rPr lang="hu-HU" dirty="0" err="1" smtClean="0"/>
+              <a:t>using</a:t>
+            </a:r>
+            <a:r>
+              <a:rPr lang="hu-HU" dirty="0" smtClean="0"/>
+              <a:t> </a:t>
+            </a:r>
+            <a:r>
+              <a:rPr lang="hu-HU" dirty="0" err="1" smtClean="0"/>
+              <a:t>virtual</a:t>
+            </a:r>
+            <a:r>
+              <a:rPr lang="hu-HU" dirty="0" smtClean="0"/>
+              <a:t> </a:t>
+            </a:r>
+            <a:r>
+              <a:rPr lang="hu-HU" dirty="0" err="1" smtClean="0"/>
+              <a:t>method</a:t>
+            </a:r>
+            <a:r>
+              <a:rPr lang="hu-HU" dirty="0" smtClean="0"/>
+              <a:t> made </a:t>
+            </a:r>
+            <a:r>
+              <a:rPr lang="hu-HU" dirty="0" err="1" smtClean="0"/>
+              <a:t>our</a:t>
+            </a:r>
+            <a:r>
+              <a:rPr lang="hu-HU" dirty="0" smtClean="0"/>
+              <a:t> </a:t>
+            </a:r>
+            <a:r>
+              <a:rPr lang="hu-HU" dirty="0" err="1" smtClean="0"/>
+              <a:t>code</a:t>
+            </a:r>
+            <a:r>
+              <a:rPr lang="hu-HU" dirty="0" smtClean="0"/>
+              <a:t> </a:t>
+            </a:r>
+            <a:r>
+              <a:rPr lang="hu-HU" dirty="0" err="1" smtClean="0"/>
+              <a:t>not</a:t>
+            </a:r>
+            <a:r>
+              <a:rPr lang="hu-HU" dirty="0" smtClean="0"/>
+              <a:t> </a:t>
+            </a:r>
+            <a:r>
+              <a:rPr lang="hu-HU" dirty="0" err="1" smtClean="0"/>
+              <a:t>just</a:t>
+            </a:r>
+            <a:r>
+              <a:rPr lang="hu-HU" dirty="0" smtClean="0"/>
+              <a:t> </a:t>
+            </a:r>
+            <a:r>
+              <a:rPr lang="hu-HU" dirty="0" err="1" smtClean="0"/>
+              <a:t>clearer</a:t>
+            </a:r>
+            <a:r>
+              <a:rPr lang="hu-HU" dirty="0" smtClean="0"/>
+              <a:t> </a:t>
+            </a:r>
+            <a:r>
+              <a:rPr lang="hu-HU" dirty="0" err="1" smtClean="0"/>
+              <a:t>but</a:t>
+            </a:r>
+            <a:r>
+              <a:rPr lang="hu-HU" dirty="0" smtClean="0"/>
+              <a:t> </a:t>
+            </a:r>
+            <a:r>
+              <a:rPr lang="hu-HU" dirty="0" err="1" smtClean="0"/>
+              <a:t>flexible</a:t>
+            </a:r>
+            <a:r>
+              <a:rPr lang="hu-HU" dirty="0" smtClean="0"/>
+              <a:t> and </a:t>
+            </a:r>
+            <a:r>
+              <a:rPr lang="hu-HU" dirty="0" err="1" smtClean="0"/>
+              <a:t>easier</a:t>
+            </a:r>
+            <a:r>
+              <a:rPr lang="hu-HU" dirty="0" smtClean="0"/>
+              <a:t> </a:t>
+            </a:r>
+            <a:r>
+              <a:rPr lang="hu-HU" dirty="0" err="1" smtClean="0"/>
+              <a:t>to</a:t>
+            </a:r>
+            <a:r>
+              <a:rPr lang="hu-HU" dirty="0" smtClean="0"/>
+              <a:t> </a:t>
+            </a:r>
+            <a:r>
+              <a:rPr lang="hu-HU" dirty="0" err="1" smtClean="0"/>
+              <a:t>understand</a:t>
+            </a:r>
+            <a:r>
+              <a:rPr lang="hu-HU" dirty="0" smtClean="0"/>
+              <a:t>. </a:t>
+            </a:r>
+            <a:r>
+              <a:rPr lang="hu-HU" dirty="0" err="1" smtClean="0"/>
+              <a:t>Also</a:t>
+            </a:r>
+            <a:r>
+              <a:rPr lang="hu-HU" dirty="0" smtClean="0"/>
+              <a:t>, </a:t>
+            </a:r>
+            <a:r>
+              <a:rPr lang="hu-HU" dirty="0" err="1" smtClean="0"/>
+              <a:t>it</a:t>
+            </a:r>
+            <a:r>
+              <a:rPr lang="hu-HU" dirty="0" smtClean="0"/>
+              <a:t> </a:t>
+            </a:r>
+            <a:r>
+              <a:rPr lang="hu-HU" dirty="0" err="1" smtClean="0"/>
+              <a:t>will</a:t>
+            </a:r>
+            <a:r>
+              <a:rPr lang="hu-HU" dirty="0" smtClean="0"/>
+              <a:t> be </a:t>
+            </a:r>
+            <a:r>
+              <a:rPr lang="hu-HU" dirty="0" err="1" smtClean="0"/>
+              <a:t>easy</a:t>
+            </a:r>
+            <a:r>
+              <a:rPr lang="hu-HU" dirty="0" smtClean="0"/>
+              <a:t> </a:t>
+            </a:r>
+            <a:r>
+              <a:rPr lang="hu-HU" dirty="0" err="1" smtClean="0"/>
+              <a:t>to</a:t>
+            </a:r>
+            <a:r>
+              <a:rPr lang="hu-HU" dirty="0" smtClean="0"/>
+              <a:t> add </a:t>
+            </a:r>
+            <a:r>
+              <a:rPr lang="hu-HU" dirty="0" err="1" smtClean="0"/>
+              <a:t>another</a:t>
+            </a:r>
+            <a:r>
+              <a:rPr lang="hu-HU" dirty="0" smtClean="0"/>
+              <a:t> </a:t>
+            </a:r>
+            <a:r>
+              <a:rPr lang="hu-HU" dirty="0" err="1" smtClean="0"/>
+              <a:t>weapon</a:t>
+            </a:r>
+            <a:r>
+              <a:rPr lang="hu-HU" dirty="0" smtClean="0"/>
+              <a:t> </a:t>
+            </a:r>
+            <a:r>
+              <a:rPr lang="hu-HU" dirty="0" err="1" smtClean="0"/>
+              <a:t>to</a:t>
+            </a:r>
+            <a:r>
+              <a:rPr lang="hu-HU" baseline="0" dirty="0" smtClean="0"/>
+              <a:t> </a:t>
+            </a:r>
+            <a:r>
+              <a:rPr lang="hu-HU" baseline="0" dirty="0" err="1" smtClean="0"/>
+              <a:t>our</a:t>
+            </a:r>
+            <a:r>
+              <a:rPr lang="hu-HU" baseline="0" dirty="0" smtClean="0"/>
+              <a:t> </a:t>
+            </a:r>
+            <a:r>
+              <a:rPr lang="hu-HU" baseline="0" dirty="0" err="1" smtClean="0"/>
+              <a:t>armory</a:t>
+            </a:r>
+            <a:r>
+              <a:rPr lang="hu-HU" baseline="0" dirty="0" smtClean="0"/>
+              <a:t> </a:t>
+            </a:r>
+            <a:r>
+              <a:rPr lang="hu-HU" baseline="0" dirty="0" err="1" smtClean="0"/>
+              <a:t>for</a:t>
+            </a:r>
+            <a:r>
+              <a:rPr lang="hu-HU" baseline="0" dirty="0" smtClean="0"/>
+              <a:t> </a:t>
+            </a:r>
+            <a:r>
+              <a:rPr lang="hu-HU" baseline="0" dirty="0" err="1" smtClean="0"/>
+              <a:t>example</a:t>
+            </a:r>
+            <a:r>
+              <a:rPr lang="hu-HU" baseline="0" dirty="0" smtClean="0"/>
+              <a:t>.</a:t>
+            </a:r>
+          </a:p>
+          <a:p>
+            <a:r>
+              <a:rPr lang="hu-HU" baseline="0" dirty="0" err="1" smtClean="0"/>
+              <a:t>So</a:t>
+            </a:r>
+            <a:r>
+              <a:rPr lang="hu-HU" baseline="0" dirty="0" smtClean="0"/>
+              <a:t>, </a:t>
+            </a:r>
+            <a:r>
+              <a:rPr lang="hu-HU" baseline="0" dirty="0" err="1" smtClean="0"/>
+              <a:t>as</a:t>
+            </a:r>
+            <a:r>
+              <a:rPr lang="hu-HU" baseline="0" dirty="0" smtClean="0"/>
+              <a:t> a </a:t>
+            </a:r>
+            <a:r>
+              <a:rPr lang="hu-HU" baseline="0" dirty="0" err="1" smtClean="0"/>
+              <a:t>message</a:t>
+            </a:r>
+            <a:r>
+              <a:rPr lang="hu-HU" baseline="0" dirty="0" smtClean="0"/>
+              <a:t>, </a:t>
+            </a:r>
+            <a:r>
+              <a:rPr lang="hu-HU" baseline="0" dirty="0" err="1" smtClean="0"/>
+              <a:t>Keep</a:t>
+            </a:r>
+            <a:r>
+              <a:rPr lang="hu-HU" baseline="0" dirty="0" smtClean="0"/>
+              <a:t> </a:t>
+            </a:r>
+            <a:r>
+              <a:rPr lang="hu-HU" baseline="0" dirty="0" err="1" smtClean="0"/>
+              <a:t>in</a:t>
+            </a:r>
+            <a:r>
+              <a:rPr lang="hu-HU" baseline="0" dirty="0" smtClean="0"/>
+              <a:t> mind </a:t>
+            </a:r>
+            <a:r>
+              <a:rPr lang="hu-HU" baseline="0" dirty="0" err="1" smtClean="0"/>
+              <a:t>how</a:t>
+            </a:r>
+            <a:r>
+              <a:rPr lang="hu-HU" baseline="0" dirty="0" smtClean="0"/>
+              <a:t> </a:t>
+            </a:r>
+            <a:r>
+              <a:rPr lang="hu-HU" baseline="0" dirty="0" err="1" smtClean="0"/>
+              <a:t>useful</a:t>
+            </a:r>
+            <a:r>
+              <a:rPr lang="hu-HU" baseline="0" dirty="0" smtClean="0"/>
+              <a:t> is </a:t>
+            </a:r>
+            <a:r>
+              <a:rPr lang="hu-HU" baseline="0" dirty="0" err="1" smtClean="0"/>
+              <a:t>to</a:t>
+            </a:r>
+            <a:r>
+              <a:rPr lang="hu-HU" baseline="0" dirty="0" smtClean="0"/>
+              <a:t> </a:t>
+            </a:r>
+            <a:r>
+              <a:rPr lang="hu-HU" baseline="0" dirty="0" err="1" smtClean="0"/>
+              <a:t>work</a:t>
+            </a:r>
+            <a:r>
+              <a:rPr lang="hu-HU" baseline="0" dirty="0" smtClean="0"/>
+              <a:t> </a:t>
+            </a:r>
+            <a:r>
+              <a:rPr lang="hu-HU" baseline="0" dirty="0" err="1" smtClean="0"/>
+              <a:t>with</a:t>
+            </a:r>
+            <a:r>
+              <a:rPr lang="hu-HU" baseline="0" dirty="0" smtClean="0"/>
+              <a:t> </a:t>
+            </a:r>
+            <a:r>
+              <a:rPr lang="hu-HU" baseline="0" dirty="0" err="1" smtClean="0"/>
+              <a:t>virtual</a:t>
+            </a:r>
+            <a:r>
+              <a:rPr lang="hu-HU" baseline="0" dirty="0" smtClean="0"/>
+              <a:t> </a:t>
+            </a:r>
+            <a:r>
+              <a:rPr lang="hu-HU" baseline="0" dirty="0" err="1" smtClean="0"/>
+              <a:t>methods</a:t>
+            </a:r>
+            <a:r>
+              <a:rPr lang="hu-HU" baseline="0" dirty="0" smtClean="0"/>
+              <a:t>. </a:t>
+            </a:r>
+            <a:r>
+              <a:rPr lang="hu-HU" baseline="0" dirty="0" err="1" smtClean="0"/>
+              <a:t>It</a:t>
+            </a:r>
+            <a:r>
+              <a:rPr lang="hu-HU" baseline="0" dirty="0" smtClean="0"/>
+              <a:t> </a:t>
+            </a:r>
+            <a:r>
+              <a:rPr lang="hu-HU" baseline="0" dirty="0" err="1" smtClean="0"/>
+              <a:t>can</a:t>
+            </a:r>
+            <a:r>
+              <a:rPr lang="hu-HU" baseline="0" dirty="0" smtClean="0"/>
+              <a:t> </a:t>
+            </a:r>
+            <a:r>
+              <a:rPr lang="hu-HU" baseline="0" dirty="0" err="1" smtClean="0"/>
+              <a:t>make</a:t>
+            </a:r>
+            <a:r>
+              <a:rPr lang="hu-HU" baseline="0" dirty="0" smtClean="0"/>
+              <a:t> </a:t>
+            </a:r>
+            <a:r>
+              <a:rPr lang="hu-HU" baseline="0" dirty="0" err="1" smtClean="0"/>
+              <a:t>your</a:t>
+            </a:r>
+            <a:r>
+              <a:rPr lang="hu-HU" baseline="0" dirty="0" smtClean="0"/>
+              <a:t> life </a:t>
+            </a:r>
+            <a:r>
+              <a:rPr lang="hu-HU" baseline="0" dirty="0" err="1" smtClean="0"/>
+              <a:t>much</a:t>
+            </a:r>
+            <a:r>
+              <a:rPr lang="hu-HU" baseline="0" dirty="0" smtClean="0"/>
+              <a:t> </a:t>
+            </a:r>
+            <a:r>
+              <a:rPr lang="hu-HU" baseline="0" dirty="0" err="1" smtClean="0"/>
+              <a:t>much</a:t>
+            </a:r>
+            <a:r>
+              <a:rPr lang="hu-HU" baseline="0" dirty="0" smtClean="0"/>
+              <a:t> </a:t>
+            </a:r>
+            <a:r>
+              <a:rPr lang="hu-HU" baseline="0" dirty="0" err="1" smtClean="0"/>
+              <a:t>easier</a:t>
+            </a:r>
+            <a:r>
+              <a:rPr lang="hu-HU" baseline="0" dirty="0" smtClean="0"/>
+              <a:t>. </a:t>
+            </a:r>
+            <a:endParaRPr lang="hu-HU" dirty="0"/>
+          </a:p>
+        </p:txBody>
+      </p:sp>
+      <p:sp>
+        <p:nvSpPr>
+          <p:cNvPr id="4" name="Dia számának helye 3"/>
+          <p:cNvSpPr>
+            <a:spLocks noGrp="1"/>
+          </p:cNvSpPr>
+          <p:nvPr>
+            <p:ph type="sldNum" sz="quarter" idx="10"/>
+          </p:nvPr>
+        </p:nvSpPr>
+        <p:spPr/>
+        <p:txBody>
+          <a:bodyPr/>
+          <a:lstStyle/>
+          <a:p>
+            <a:fld id="{4804353B-9DFE-4244-86FF-296D386C93AB}" type="slidenum">
+              <a:rPr lang="hu-HU" smtClean="0"/>
+              <a:t>10</a:t>
+            </a:fld>
+            <a:endParaRPr lang="hu-HU"/>
+          </a:p>
+        </p:txBody>
+      </p:sp>
+    </p:spTree>
+    <p:extLst>
+      <p:ext uri="{BB962C8B-B14F-4D97-AF65-F5344CB8AC3E}">
+        <p14:creationId xmlns:p14="http://schemas.microsoft.com/office/powerpoint/2010/main" val="3157439581"/>
       </p:ext>
     </p:extLst>
   </p:cSld>
@@ -1051,6 +1100,347 @@
           <a:bodyPr/>
           <a:lstStyle/>
           <a:p>
+            <a:r>
+              <a:rPr lang="en-US" sz="1200" b="0" i="0" kern="1200" dirty="0" smtClean="0">
+                <a:solidFill>
+                  <a:schemeClr val="tx1"/>
+                </a:solidFill>
+                <a:effectLst/>
+                <a:latin typeface="+mn-lt"/>
+                <a:ea typeface="+mn-ea"/>
+                <a:cs typeface="+mn-cs"/>
+              </a:rPr>
+              <a:t>A virtual function is a member function that you expect to be redefined in derived classes. When you refer to a derived class object using a pointer or a reference to the base class, you can call a virtual function for that object and execute the derived class's version of the function.</a:t>
+            </a:r>
+            <a:endParaRPr lang="hu-HU" dirty="0"/>
+          </a:p>
+        </p:txBody>
+      </p:sp>
+      <p:sp>
+        <p:nvSpPr>
+          <p:cNvPr id="4" name="Dia számának helye 3"/>
+          <p:cNvSpPr>
+            <a:spLocks noGrp="1"/>
+          </p:cNvSpPr>
+          <p:nvPr>
+            <p:ph type="sldNum" sz="quarter" idx="10"/>
+          </p:nvPr>
+        </p:nvSpPr>
+        <p:spPr/>
+        <p:txBody>
+          <a:bodyPr/>
+          <a:lstStyle/>
+          <a:p>
+            <a:fld id="{4804353B-9DFE-4244-86FF-296D386C93AB}" type="slidenum">
+              <a:rPr lang="hu-HU" smtClean="0"/>
+              <a:t>2</a:t>
+            </a:fld>
+            <a:endParaRPr lang="hu-HU"/>
+          </a:p>
+        </p:txBody>
+      </p:sp>
+    </p:spTree>
+    <p:extLst>
+      <p:ext uri="{BB962C8B-B14F-4D97-AF65-F5344CB8AC3E}">
+        <p14:creationId xmlns:p14="http://schemas.microsoft.com/office/powerpoint/2010/main" val="4290970122"/>
+      </p:ext>
+    </p:extLst>
+  </p:cSld>
+  <p:clrMapOvr>
+    <a:masterClrMapping/>
+  </p:clrMapOvr>
+</p:notes>
+</file>
+
+<file path=ppt/notesSlides/notesSlide3.xml><?xml version="1.0" encoding="utf-8"?>
+<p:notes xmlns:a="http://schemas.openxmlformats.org/drawingml/2006/main" xmlns:r="http://schemas.openxmlformats.org/officeDocument/2006/relationships" xmlns:p="http://schemas.openxmlformats.org/presentationml/2006/main">
+  <p:cSld>
+    <p:spTree>
+      <p:nvGrpSpPr>
+        <p:cNvPr id="1" name=""/>
+        <p:cNvGrpSpPr/>
+        <p:nvPr/>
+      </p:nvGrpSpPr>
+      <p:grpSpPr>
+        <a:xfrm>
+          <a:off x="0" y="0"/>
+          <a:ext cx="0" cy="0"/>
+          <a:chOff x="0" y="0"/>
+          <a:chExt cx="0" cy="0"/>
+        </a:xfrm>
+      </p:grpSpPr>
+      <p:sp>
+        <p:nvSpPr>
+          <p:cNvPr id="2" name="Diakép helye 1"/>
+          <p:cNvSpPr>
+            <a:spLocks noGrp="1" noRot="1" noChangeAspect="1"/>
+          </p:cNvSpPr>
+          <p:nvPr>
+            <p:ph type="sldImg"/>
+          </p:nvPr>
+        </p:nvSpPr>
+        <p:spPr/>
+      </p:sp>
+      <p:sp>
+        <p:nvSpPr>
+          <p:cNvPr id="3" name="Jegyzetek helye 2"/>
+          <p:cNvSpPr>
+            <a:spLocks noGrp="1"/>
+          </p:cNvSpPr>
+          <p:nvPr>
+            <p:ph type="body" idx="1"/>
+          </p:nvPr>
+        </p:nvSpPr>
+        <p:spPr/>
+        <p:txBody>
+          <a:bodyPr/>
+          <a:lstStyle/>
+          <a:p>
+            <a:r>
+              <a:rPr lang="hu-HU" dirty="0" err="1" smtClean="0"/>
+              <a:t>Let</a:t>
+            </a:r>
+            <a:r>
+              <a:rPr lang="hu-HU" dirty="0" smtClean="0"/>
+              <a:t>’s </a:t>
+            </a:r>
+            <a:r>
+              <a:rPr lang="hu-HU" dirty="0" err="1" smtClean="0"/>
+              <a:t>say</a:t>
+            </a:r>
+            <a:r>
+              <a:rPr lang="hu-HU" dirty="0" smtClean="0"/>
+              <a:t> </a:t>
+            </a:r>
+            <a:r>
+              <a:rPr lang="hu-HU" dirty="0" err="1" smtClean="0"/>
+              <a:t>we</a:t>
+            </a:r>
+            <a:r>
+              <a:rPr lang="hu-HU" dirty="0" smtClean="0"/>
+              <a:t> </a:t>
+            </a:r>
+            <a:r>
+              <a:rPr lang="hu-HU" dirty="0" err="1" smtClean="0"/>
+              <a:t>want</a:t>
+            </a:r>
+            <a:r>
+              <a:rPr lang="hu-HU" baseline="0" dirty="0" smtClean="0"/>
+              <a:t> </a:t>
+            </a:r>
+            <a:r>
+              <a:rPr lang="hu-HU" baseline="0" dirty="0" err="1" smtClean="0"/>
+              <a:t>to</a:t>
+            </a:r>
+            <a:r>
+              <a:rPr lang="hu-HU" baseline="0" dirty="0" smtClean="0"/>
+              <a:t> </a:t>
+            </a:r>
+            <a:r>
+              <a:rPr lang="hu-HU" baseline="0" dirty="0" err="1" smtClean="0"/>
+              <a:t>create</a:t>
+            </a:r>
+            <a:r>
+              <a:rPr lang="hu-HU" baseline="0" dirty="0" smtClean="0"/>
+              <a:t> a game </a:t>
+            </a:r>
+            <a:r>
+              <a:rPr lang="hu-HU" baseline="0" dirty="0" err="1" smtClean="0"/>
+              <a:t>where</a:t>
+            </a:r>
+            <a:r>
+              <a:rPr lang="hu-HU" baseline="0" dirty="0" smtClean="0"/>
+              <a:t> </a:t>
+            </a:r>
+            <a:r>
+              <a:rPr lang="hu-HU" baseline="0" dirty="0" err="1" smtClean="0"/>
+              <a:t>we</a:t>
+            </a:r>
+            <a:r>
+              <a:rPr lang="hu-HU" baseline="0" dirty="0" smtClean="0"/>
+              <a:t> </a:t>
+            </a:r>
+            <a:r>
+              <a:rPr lang="hu-HU" baseline="0" dirty="0" err="1" smtClean="0"/>
+              <a:t>will</a:t>
+            </a:r>
+            <a:r>
+              <a:rPr lang="hu-HU" baseline="0" dirty="0" smtClean="0"/>
+              <a:t> </a:t>
+            </a:r>
+            <a:r>
+              <a:rPr lang="hu-HU" baseline="0" dirty="0" err="1" smtClean="0"/>
+              <a:t>use</a:t>
+            </a:r>
+            <a:r>
+              <a:rPr lang="hu-HU" baseline="0" dirty="0" smtClean="0"/>
+              <a:t> </a:t>
+            </a:r>
+            <a:r>
+              <a:rPr lang="hu-HU" baseline="0" dirty="0" err="1" smtClean="0"/>
+              <a:t>weapons</a:t>
+            </a:r>
+            <a:r>
+              <a:rPr lang="hu-HU" baseline="0" dirty="0" smtClean="0"/>
+              <a:t>.</a:t>
+            </a:r>
+          </a:p>
+          <a:p>
+            <a:endParaRPr lang="hu-HU" baseline="0" dirty="0" smtClean="0"/>
+          </a:p>
+          <a:p>
+            <a:r>
+              <a:rPr lang="hu-HU" baseline="0" dirty="0" err="1" smtClean="0"/>
+              <a:t>First</a:t>
+            </a:r>
+            <a:r>
+              <a:rPr lang="hu-HU" baseline="0" dirty="0" smtClean="0"/>
+              <a:t> </a:t>
+            </a:r>
+            <a:r>
+              <a:rPr lang="hu-HU" baseline="0" dirty="0" err="1" smtClean="0"/>
+              <a:t>we</a:t>
+            </a:r>
+            <a:r>
+              <a:rPr lang="hu-HU" baseline="0" dirty="0" smtClean="0"/>
+              <a:t> </a:t>
+            </a:r>
+            <a:r>
+              <a:rPr lang="hu-HU" baseline="0" dirty="0" err="1" smtClean="0"/>
+              <a:t>need</a:t>
+            </a:r>
+            <a:r>
+              <a:rPr lang="hu-HU" baseline="0" dirty="0" smtClean="0"/>
+              <a:t> </a:t>
+            </a:r>
+            <a:r>
+              <a:rPr lang="hu-HU" baseline="0" dirty="0" err="1" smtClean="0"/>
+              <a:t>Weapon</a:t>
+            </a:r>
+            <a:r>
+              <a:rPr lang="hu-HU" baseline="0" dirty="0" smtClean="0"/>
+              <a:t> </a:t>
+            </a:r>
+            <a:r>
+              <a:rPr lang="hu-HU" baseline="0" dirty="0" err="1" smtClean="0"/>
+              <a:t>class</a:t>
+            </a:r>
+            <a:r>
+              <a:rPr lang="hu-HU" baseline="0" dirty="0" smtClean="0"/>
+              <a:t> and </a:t>
+            </a:r>
+            <a:r>
+              <a:rPr lang="hu-HU" baseline="0" dirty="0" err="1" smtClean="0"/>
+              <a:t>derived</a:t>
+            </a:r>
+            <a:r>
+              <a:rPr lang="hu-HU" baseline="0" dirty="0" smtClean="0"/>
+              <a:t> </a:t>
+            </a:r>
+            <a:r>
+              <a:rPr lang="hu-HU" baseline="0" dirty="0" err="1" smtClean="0"/>
+              <a:t>two</a:t>
+            </a:r>
+            <a:r>
+              <a:rPr lang="hu-HU" baseline="0" dirty="0" smtClean="0"/>
+              <a:t> </a:t>
+            </a:r>
+            <a:r>
+              <a:rPr lang="hu-HU" baseline="0" dirty="0" err="1" smtClean="0"/>
+              <a:t>classes</a:t>
+            </a:r>
+            <a:r>
+              <a:rPr lang="hu-HU" baseline="0" dirty="0" smtClean="0"/>
+              <a:t> </a:t>
+            </a:r>
+            <a:r>
+              <a:rPr lang="hu-HU" baseline="0" dirty="0" err="1" smtClean="0"/>
+              <a:t>as</a:t>
+            </a:r>
+            <a:r>
+              <a:rPr lang="hu-HU" baseline="0" dirty="0" smtClean="0"/>
+              <a:t> </a:t>
+            </a:r>
+            <a:r>
+              <a:rPr lang="hu-HU" baseline="0" dirty="0" err="1" smtClean="0"/>
+              <a:t>Sniper</a:t>
+            </a:r>
+            <a:r>
+              <a:rPr lang="hu-HU" baseline="0" dirty="0" smtClean="0"/>
+              <a:t> </a:t>
+            </a:r>
+            <a:r>
+              <a:rPr lang="hu-HU" baseline="0" dirty="0" err="1" smtClean="0"/>
+              <a:t>rifle</a:t>
+            </a:r>
+            <a:r>
+              <a:rPr lang="hu-HU" baseline="0" dirty="0" smtClean="0"/>
+              <a:t> </a:t>
+            </a:r>
+            <a:r>
+              <a:rPr lang="hu-HU" baseline="0" dirty="0" err="1" smtClean="0"/>
+              <a:t>and</a:t>
+            </a:r>
+            <a:r>
+              <a:rPr lang="hu-HU" baseline="0" dirty="0" smtClean="0"/>
+              <a:t> </a:t>
+            </a:r>
+            <a:r>
+              <a:rPr lang="hu-HU" baseline="0" dirty="0" err="1" smtClean="0"/>
+              <a:t>Laser</a:t>
+            </a:r>
+            <a:r>
+              <a:rPr lang="hu-HU" baseline="0" dirty="0" smtClean="0"/>
+              <a:t> </a:t>
+            </a:r>
+            <a:r>
+              <a:rPr lang="hu-HU" baseline="0" dirty="0" err="1" smtClean="0"/>
+              <a:t>gun</a:t>
+            </a:r>
+            <a:r>
+              <a:rPr lang="hu-HU" baseline="0" dirty="0" smtClean="0"/>
+              <a:t> </a:t>
+            </a:r>
+            <a:r>
+              <a:rPr lang="hu-HU" baseline="0" dirty="0" err="1" smtClean="0"/>
+              <a:t>to</a:t>
+            </a:r>
+            <a:r>
+              <a:rPr lang="hu-HU" baseline="0" dirty="0" smtClean="0"/>
+              <a:t> </a:t>
+            </a:r>
+            <a:r>
+              <a:rPr lang="hu-HU" baseline="0" dirty="0" err="1" smtClean="0"/>
+              <a:t>load</a:t>
+            </a:r>
+            <a:r>
+              <a:rPr lang="hu-HU" baseline="0" dirty="0" smtClean="0"/>
+              <a:t> </a:t>
+            </a:r>
+            <a:r>
+              <a:rPr lang="hu-HU" baseline="0" dirty="0" err="1" smtClean="0"/>
+              <a:t>features</a:t>
+            </a:r>
+            <a:r>
+              <a:rPr lang="hu-HU" baseline="0" dirty="0" smtClean="0"/>
+              <a:t> of </a:t>
+            </a:r>
+            <a:r>
+              <a:rPr lang="hu-HU" baseline="0" dirty="0" err="1" smtClean="0"/>
+              <a:t>each</a:t>
+            </a:r>
+            <a:r>
+              <a:rPr lang="hu-HU" baseline="0" dirty="0" smtClean="0"/>
+              <a:t> </a:t>
+            </a:r>
+            <a:r>
+              <a:rPr lang="hu-HU" baseline="0" dirty="0" err="1" smtClean="0"/>
+              <a:t>weapons</a:t>
+            </a:r>
+            <a:r>
+              <a:rPr lang="hu-HU" baseline="0" dirty="0" smtClean="0"/>
+              <a:t>.</a:t>
+            </a:r>
             <a:endParaRPr lang="hu-HU" dirty="0"/>
           </a:p>
         </p:txBody>
@@ -1081,7 +1471,1743 @@
     </p:spTree>
     <p:extLst>
       <p:ext uri="{BB962C8B-B14F-4D97-AF65-F5344CB8AC3E}">
-        <p14:creationId xmlns:p14="http://schemas.microsoft.com/office/powerpoint/2010/main" val="4290970122"/>
+        <p14:creationId xmlns:p14="http://schemas.microsoft.com/office/powerpoint/2010/main" val="2883167356"/>
+      </p:ext>
+    </p:extLst>
+  </p:cSld>
+  <p:clrMapOvr>
+    <a:masterClrMapping/>
+  </p:clrMapOvr>
+</p:notes>
+</file>
+
+<file path=ppt/notesSlides/notesSlide4.xml><?xml version="1.0" encoding="utf-8"?>
+<p:notes xmlns:a="http://schemas.openxmlformats.org/drawingml/2006/main" xmlns:r="http://schemas.openxmlformats.org/officeDocument/2006/relationships" xmlns:p="http://schemas.openxmlformats.org/presentationml/2006/main">
+  <p:cSld>
+    <p:spTree>
+      <p:nvGrpSpPr>
+        <p:cNvPr id="1" name=""/>
+        <p:cNvGrpSpPr/>
+        <p:nvPr/>
+      </p:nvGrpSpPr>
+      <p:grpSpPr>
+        <a:xfrm>
+          <a:off x="0" y="0"/>
+          <a:ext cx="0" cy="0"/>
+          <a:chOff x="0" y="0"/>
+          <a:chExt cx="0" cy="0"/>
+        </a:xfrm>
+      </p:grpSpPr>
+      <p:sp>
+        <p:nvSpPr>
+          <p:cNvPr id="2" name="Diakép helye 1"/>
+          <p:cNvSpPr>
+            <a:spLocks noGrp="1" noRot="1" noChangeAspect="1"/>
+          </p:cNvSpPr>
+          <p:nvPr>
+            <p:ph type="sldImg"/>
+          </p:nvPr>
+        </p:nvSpPr>
+        <p:spPr/>
+      </p:sp>
+      <p:sp>
+        <p:nvSpPr>
+          <p:cNvPr id="3" name="Jegyzetek helye 2"/>
+          <p:cNvSpPr>
+            <a:spLocks noGrp="1"/>
+          </p:cNvSpPr>
+          <p:nvPr>
+            <p:ph type="body" idx="1"/>
+          </p:nvPr>
+        </p:nvSpPr>
+        <p:spPr/>
+        <p:txBody>
+          <a:bodyPr/>
+          <a:lstStyle/>
+          <a:p>
+            <a:r>
+              <a:rPr lang="hu-HU" dirty="0" err="1" smtClean="0"/>
+              <a:t>Then</a:t>
+            </a:r>
+            <a:r>
+              <a:rPr lang="hu-HU" dirty="0" smtClean="0"/>
+              <a:t> </a:t>
+            </a:r>
+            <a:r>
+              <a:rPr lang="hu-HU" dirty="0" err="1" smtClean="0"/>
+              <a:t>in</a:t>
+            </a:r>
+            <a:r>
+              <a:rPr lang="hu-HU" dirty="0" smtClean="0"/>
+              <a:t> </a:t>
+            </a:r>
+            <a:r>
+              <a:rPr lang="hu-HU" dirty="0" err="1" smtClean="0"/>
+              <a:t>the</a:t>
+            </a:r>
+            <a:r>
+              <a:rPr lang="hu-HU" dirty="0" smtClean="0"/>
+              <a:t> main </a:t>
+            </a:r>
+            <a:r>
+              <a:rPr lang="hu-HU" dirty="0" err="1" smtClean="0"/>
+              <a:t>we</a:t>
+            </a:r>
+            <a:r>
+              <a:rPr lang="hu-HU" dirty="0" smtClean="0"/>
+              <a:t> </a:t>
+            </a:r>
+            <a:r>
+              <a:rPr lang="hu-HU" dirty="0" err="1" smtClean="0"/>
+              <a:t>define</a:t>
+            </a:r>
+            <a:r>
+              <a:rPr lang="hu-HU" dirty="0" smtClean="0"/>
+              <a:t> 3 pointer </a:t>
+            </a:r>
+            <a:r>
+              <a:rPr lang="hu-HU" dirty="0" err="1" smtClean="0"/>
+              <a:t>objects</a:t>
+            </a:r>
+            <a:r>
+              <a:rPr lang="hu-HU" dirty="0" smtClean="0"/>
+              <a:t>, „w”, „</a:t>
+            </a:r>
+            <a:r>
+              <a:rPr lang="hu-HU" dirty="0" err="1" smtClean="0"/>
+              <a:t>sr</a:t>
+            </a:r>
+            <a:r>
+              <a:rPr lang="hu-HU" dirty="0" smtClean="0"/>
+              <a:t>” and „lg” of </a:t>
+            </a:r>
+            <a:r>
+              <a:rPr lang="hu-HU" dirty="0" err="1" smtClean="0"/>
+              <a:t>classes</a:t>
+            </a:r>
+            <a:r>
+              <a:rPr lang="hu-HU" dirty="0" smtClean="0"/>
+              <a:t> </a:t>
+            </a:r>
+            <a:r>
+              <a:rPr lang="hu-HU" dirty="0" err="1" smtClean="0"/>
+              <a:t>Weapon</a:t>
+            </a:r>
+            <a:r>
+              <a:rPr lang="hu-HU" dirty="0" smtClean="0"/>
+              <a:t>,</a:t>
+            </a:r>
+            <a:r>
+              <a:rPr lang="hu-HU" baseline="0" dirty="0" smtClean="0"/>
+              <a:t> </a:t>
+            </a:r>
+            <a:r>
+              <a:rPr lang="hu-HU" baseline="0" dirty="0" err="1" smtClean="0"/>
+              <a:t>Bomb</a:t>
+            </a:r>
+            <a:r>
+              <a:rPr lang="hu-HU" baseline="0" dirty="0" smtClean="0"/>
+              <a:t> and </a:t>
+            </a:r>
+            <a:r>
+              <a:rPr lang="hu-HU" baseline="0" dirty="0" err="1" smtClean="0"/>
+              <a:t>Gun</a:t>
+            </a:r>
+            <a:r>
+              <a:rPr lang="hu-HU" baseline="0" dirty="0" smtClean="0"/>
+              <a:t> </a:t>
+            </a:r>
+            <a:r>
+              <a:rPr lang="hu-HU" baseline="0" dirty="0" err="1" smtClean="0"/>
+              <a:t>and</a:t>
+            </a:r>
+            <a:r>
+              <a:rPr lang="hu-HU" baseline="0" dirty="0" smtClean="0"/>
+              <a:t> </a:t>
+            </a:r>
+            <a:r>
+              <a:rPr lang="hu-HU" baseline="0" dirty="0" err="1" smtClean="0"/>
+              <a:t>call</a:t>
+            </a:r>
+            <a:r>
+              <a:rPr lang="hu-HU" baseline="0" dirty="0" smtClean="0"/>
+              <a:t> </a:t>
+            </a:r>
+            <a:r>
+              <a:rPr lang="hu-HU" baseline="0" dirty="0" err="1" smtClean="0"/>
+              <a:t>loadFeatures</a:t>
+            </a:r>
+            <a:r>
+              <a:rPr lang="hu-HU" baseline="0" dirty="0" smtClean="0"/>
+              <a:t> </a:t>
+            </a:r>
+            <a:r>
+              <a:rPr lang="hu-HU" baseline="0" dirty="0" err="1" smtClean="0"/>
+              <a:t>member</a:t>
+            </a:r>
+            <a:r>
+              <a:rPr lang="hu-HU" baseline="0" dirty="0" smtClean="0"/>
+              <a:t> </a:t>
+            </a:r>
+            <a:r>
+              <a:rPr lang="hu-HU" baseline="0" dirty="0" err="1" smtClean="0"/>
+              <a:t>function</a:t>
+            </a:r>
+            <a:r>
+              <a:rPr lang="hu-HU" baseline="0" dirty="0" smtClean="0"/>
+              <a:t> of </a:t>
+            </a:r>
+            <a:r>
+              <a:rPr lang="hu-HU" baseline="0" dirty="0" err="1" smtClean="0"/>
+              <a:t>each</a:t>
+            </a:r>
+            <a:r>
+              <a:rPr lang="hu-HU" baseline="0" dirty="0" smtClean="0"/>
+              <a:t> </a:t>
+            </a:r>
+            <a:r>
+              <a:rPr lang="hu-HU" baseline="0" dirty="0" err="1" smtClean="0"/>
+              <a:t>objects</a:t>
+            </a:r>
+            <a:endParaRPr lang="hu-HU" dirty="0"/>
+          </a:p>
+        </p:txBody>
+      </p:sp>
+      <p:sp>
+        <p:nvSpPr>
+          <p:cNvPr id="4" name="Dia számának helye 3"/>
+          <p:cNvSpPr>
+            <a:spLocks noGrp="1"/>
+          </p:cNvSpPr>
+          <p:nvPr>
+            <p:ph type="sldNum" sz="quarter" idx="10"/>
+          </p:nvPr>
+        </p:nvSpPr>
+        <p:spPr/>
+        <p:txBody>
+          <a:bodyPr/>
+          <a:lstStyle/>
+          <a:p>
+            <a:fld id="{4804353B-9DFE-4244-86FF-296D386C93AB}" type="slidenum">
+              <a:rPr lang="hu-HU" smtClean="0"/>
+              <a:t>4</a:t>
+            </a:fld>
+            <a:endParaRPr lang="hu-HU"/>
+          </a:p>
+        </p:txBody>
+      </p:sp>
+    </p:spTree>
+    <p:extLst>
+      <p:ext uri="{BB962C8B-B14F-4D97-AF65-F5344CB8AC3E}">
+        <p14:creationId xmlns:p14="http://schemas.microsoft.com/office/powerpoint/2010/main" val="3157439581"/>
+      </p:ext>
+    </p:extLst>
+  </p:cSld>
+  <p:clrMapOvr>
+    <a:masterClrMapping/>
+  </p:clrMapOvr>
+</p:notes>
+</file>
+
+<file path=ppt/notesSlides/notesSlide5.xml><?xml version="1.0" encoding="utf-8"?>
+<p:notes xmlns:a="http://schemas.openxmlformats.org/drawingml/2006/main" xmlns:r="http://schemas.openxmlformats.org/officeDocument/2006/relationships" xmlns:p="http://schemas.openxmlformats.org/presentationml/2006/main">
+  <p:cSld>
+    <p:spTree>
+      <p:nvGrpSpPr>
+        <p:cNvPr id="1" name=""/>
+        <p:cNvGrpSpPr/>
+        <p:nvPr/>
+      </p:nvGrpSpPr>
+      <p:grpSpPr>
+        <a:xfrm>
+          <a:off x="0" y="0"/>
+          <a:ext cx="0" cy="0"/>
+          <a:chOff x="0" y="0"/>
+          <a:chExt cx="0" cy="0"/>
+        </a:xfrm>
+      </p:grpSpPr>
+      <p:sp>
+        <p:nvSpPr>
+          <p:cNvPr id="2" name="Diakép helye 1"/>
+          <p:cNvSpPr>
+            <a:spLocks noGrp="1" noRot="1" noChangeAspect="1"/>
+          </p:cNvSpPr>
+          <p:nvPr>
+            <p:ph type="sldImg"/>
+          </p:nvPr>
+        </p:nvSpPr>
+        <p:spPr/>
+      </p:sp>
+      <p:sp>
+        <p:nvSpPr>
+          <p:cNvPr id="3" name="Jegyzetek helye 2"/>
+          <p:cNvSpPr>
+            <a:spLocks noGrp="1"/>
+          </p:cNvSpPr>
+          <p:nvPr>
+            <p:ph type="body" idx="1"/>
+          </p:nvPr>
+        </p:nvSpPr>
+        <p:spPr/>
+        <p:txBody>
+          <a:bodyPr/>
+          <a:lstStyle/>
+          <a:p>
+            <a:r>
+              <a:rPr lang="hu-HU" dirty="0" smtClean="0"/>
+              <a:t>Works </a:t>
+            </a:r>
+            <a:r>
+              <a:rPr lang="hu-HU" dirty="0" err="1" smtClean="0"/>
+              <a:t>as</a:t>
+            </a:r>
+            <a:r>
+              <a:rPr lang="hu-HU" dirty="0" smtClean="0"/>
+              <a:t> </a:t>
+            </a:r>
+            <a:r>
+              <a:rPr lang="hu-HU" dirty="0" err="1" smtClean="0"/>
+              <a:t>we</a:t>
+            </a:r>
+            <a:r>
+              <a:rPr lang="hu-HU" dirty="0" smtClean="0"/>
+              <a:t> </a:t>
+            </a:r>
+            <a:r>
+              <a:rPr lang="hu-HU" dirty="0" err="1" smtClean="0"/>
+              <a:t>expected</a:t>
+            </a:r>
+            <a:r>
+              <a:rPr lang="hu-HU" dirty="0" smtClean="0"/>
+              <a:t>.</a:t>
+            </a:r>
+            <a:r>
+              <a:rPr lang="hu-HU" baseline="0" dirty="0" smtClean="0"/>
+              <a:t> </a:t>
+            </a:r>
+            <a:r>
+              <a:rPr lang="hu-HU" baseline="0" dirty="0" err="1" smtClean="0"/>
+              <a:t>But</a:t>
+            </a:r>
+            <a:r>
+              <a:rPr lang="hu-HU" baseline="0" dirty="0" smtClean="0"/>
+              <a:t> </a:t>
+            </a:r>
+            <a:r>
+              <a:rPr lang="hu-HU" baseline="0" dirty="0" err="1" smtClean="0"/>
+              <a:t>what</a:t>
+            </a:r>
+            <a:r>
+              <a:rPr lang="hu-HU" baseline="0" dirty="0" smtClean="0"/>
+              <a:t> is </a:t>
+            </a:r>
+            <a:r>
+              <a:rPr lang="hu-HU" baseline="0" dirty="0" err="1" smtClean="0"/>
+              <a:t>the</a:t>
+            </a:r>
+            <a:r>
+              <a:rPr lang="hu-HU" baseline="0" dirty="0" smtClean="0"/>
+              <a:t> </a:t>
+            </a:r>
+            <a:r>
+              <a:rPr lang="hu-HU" baseline="0" dirty="0" err="1" smtClean="0"/>
+              <a:t>case</a:t>
+            </a:r>
+            <a:r>
+              <a:rPr lang="hu-HU" baseline="0" dirty="0" smtClean="0"/>
+              <a:t> </a:t>
+            </a:r>
+            <a:r>
+              <a:rPr lang="hu-HU" baseline="0" dirty="0" err="1" smtClean="0"/>
+              <a:t>if</a:t>
+            </a:r>
+            <a:r>
+              <a:rPr lang="hu-HU" baseline="0" dirty="0" smtClean="0"/>
+              <a:t> </a:t>
+            </a:r>
+            <a:r>
+              <a:rPr lang="hu-HU" baseline="0" dirty="0" err="1" smtClean="0"/>
+              <a:t>our</a:t>
+            </a:r>
+            <a:r>
+              <a:rPr lang="hu-HU" baseline="0" dirty="0" smtClean="0"/>
+              <a:t> project is </a:t>
+            </a:r>
+            <a:r>
+              <a:rPr lang="hu-HU" baseline="0" dirty="0" err="1" smtClean="0"/>
+              <a:t>getting</a:t>
+            </a:r>
+            <a:r>
+              <a:rPr lang="hu-HU" baseline="0" dirty="0" smtClean="0"/>
+              <a:t> </a:t>
+            </a:r>
+            <a:r>
+              <a:rPr lang="hu-HU" baseline="0" dirty="0" err="1" smtClean="0"/>
+              <a:t>bigger</a:t>
+            </a:r>
+            <a:r>
+              <a:rPr lang="hu-HU" baseline="0" dirty="0" smtClean="0"/>
+              <a:t> and </a:t>
+            </a:r>
+            <a:r>
+              <a:rPr lang="hu-HU" baseline="0" dirty="0" err="1" smtClean="0"/>
+              <a:t>bigger</a:t>
+            </a:r>
+            <a:r>
+              <a:rPr lang="hu-HU" baseline="0" dirty="0" smtClean="0"/>
+              <a:t> </a:t>
+            </a:r>
+            <a:r>
+              <a:rPr lang="hu-HU" baseline="0" dirty="0" err="1" smtClean="0"/>
+              <a:t>and</a:t>
+            </a:r>
+            <a:r>
+              <a:rPr lang="hu-HU" baseline="0" dirty="0" smtClean="0"/>
+              <a:t> </a:t>
+            </a:r>
+            <a:r>
+              <a:rPr lang="hu-HU" baseline="0" dirty="0" err="1" smtClean="0"/>
+              <a:t>we</a:t>
+            </a:r>
+            <a:r>
+              <a:rPr lang="hu-HU" baseline="0" dirty="0" smtClean="0"/>
+              <a:t> </a:t>
+            </a:r>
+            <a:r>
+              <a:rPr lang="hu-HU" baseline="0" dirty="0" err="1" smtClean="0"/>
+              <a:t>need</a:t>
+            </a:r>
+            <a:r>
+              <a:rPr lang="hu-HU" baseline="0" dirty="0" smtClean="0"/>
+              <a:t> </a:t>
+            </a:r>
+            <a:r>
+              <a:rPr lang="hu-HU" baseline="0" dirty="0" err="1" smtClean="0"/>
+              <a:t>other</a:t>
+            </a:r>
+            <a:r>
+              <a:rPr lang="hu-HU" baseline="0" dirty="0" smtClean="0"/>
+              <a:t> </a:t>
+            </a:r>
+            <a:r>
+              <a:rPr lang="hu-HU" baseline="0" dirty="0" err="1" smtClean="0"/>
+              <a:t>features</a:t>
+            </a:r>
+            <a:r>
+              <a:rPr lang="hu-HU" baseline="0" dirty="0" smtClean="0"/>
+              <a:t>? The </a:t>
+            </a:r>
+            <a:r>
+              <a:rPr lang="hu-HU" baseline="0" dirty="0" err="1" smtClean="0"/>
+              <a:t>easiest</a:t>
+            </a:r>
+            <a:r>
+              <a:rPr lang="hu-HU" baseline="0" dirty="0" smtClean="0"/>
+              <a:t> </a:t>
+            </a:r>
+            <a:r>
+              <a:rPr lang="hu-HU" baseline="0" dirty="0" err="1" smtClean="0"/>
+              <a:t>way</a:t>
+            </a:r>
+            <a:r>
+              <a:rPr lang="hu-HU" baseline="0" dirty="0" smtClean="0"/>
+              <a:t> </a:t>
+            </a:r>
+            <a:r>
+              <a:rPr lang="hu-HU" baseline="0" dirty="0" err="1" smtClean="0"/>
+              <a:t>to</a:t>
+            </a:r>
+            <a:r>
+              <a:rPr lang="hu-HU" baseline="0" dirty="0" smtClean="0"/>
+              <a:t> </a:t>
+            </a:r>
+            <a:r>
+              <a:rPr lang="hu-HU" baseline="0" dirty="0" err="1" smtClean="0"/>
+              <a:t>create</a:t>
+            </a:r>
+            <a:r>
+              <a:rPr lang="hu-HU" baseline="0" dirty="0" smtClean="0"/>
+              <a:t> a </a:t>
+            </a:r>
+            <a:r>
+              <a:rPr lang="hu-HU" baseline="0" dirty="0" err="1" smtClean="0"/>
+              <a:t>separate</a:t>
+            </a:r>
+            <a:r>
+              <a:rPr lang="hu-HU" baseline="0" dirty="0" smtClean="0"/>
+              <a:t> </a:t>
+            </a:r>
+            <a:r>
+              <a:rPr lang="hu-HU" baseline="0" dirty="0" err="1" smtClean="0"/>
+              <a:t>Loader</a:t>
+            </a:r>
+            <a:r>
+              <a:rPr lang="hu-HU" baseline="0" dirty="0" smtClean="0"/>
+              <a:t> </a:t>
+            </a:r>
+            <a:r>
+              <a:rPr lang="hu-HU" baseline="0" dirty="0" err="1" smtClean="0"/>
+              <a:t>class</a:t>
+            </a:r>
+            <a:r>
+              <a:rPr lang="hu-HU" baseline="0" dirty="0" smtClean="0"/>
+              <a:t> </a:t>
+            </a:r>
+            <a:r>
+              <a:rPr lang="hu-HU" baseline="0" dirty="0" err="1" smtClean="0"/>
+              <a:t>to</a:t>
+            </a:r>
+            <a:r>
+              <a:rPr lang="hu-HU" baseline="0" dirty="0" smtClean="0"/>
+              <a:t> </a:t>
+            </a:r>
+            <a:r>
+              <a:rPr lang="hu-HU" baseline="0" dirty="0" err="1" smtClean="0"/>
+              <a:t>load</a:t>
+            </a:r>
+            <a:r>
+              <a:rPr lang="hu-HU" baseline="0" dirty="0" smtClean="0"/>
+              <a:t> </a:t>
+            </a:r>
+            <a:r>
+              <a:rPr lang="hu-HU" baseline="0" dirty="0" err="1" smtClean="0"/>
+              <a:t>these</a:t>
+            </a:r>
+            <a:r>
+              <a:rPr lang="hu-HU" baseline="0" dirty="0" smtClean="0"/>
+              <a:t> </a:t>
+            </a:r>
+            <a:r>
+              <a:rPr lang="hu-HU" baseline="0" dirty="0" err="1" smtClean="0"/>
+              <a:t>features</a:t>
+            </a:r>
+            <a:r>
+              <a:rPr lang="hu-HU" baseline="0" dirty="0" smtClean="0"/>
+              <a:t>.</a:t>
+            </a:r>
+            <a:endParaRPr lang="hu-HU" dirty="0"/>
+          </a:p>
+        </p:txBody>
+      </p:sp>
+      <p:sp>
+        <p:nvSpPr>
+          <p:cNvPr id="4" name="Dia számának helye 3"/>
+          <p:cNvSpPr>
+            <a:spLocks noGrp="1"/>
+          </p:cNvSpPr>
+          <p:nvPr>
+            <p:ph type="sldNum" sz="quarter" idx="10"/>
+          </p:nvPr>
+        </p:nvSpPr>
+        <p:spPr/>
+        <p:txBody>
+          <a:bodyPr/>
+          <a:lstStyle/>
+          <a:p>
+            <a:fld id="{4804353B-9DFE-4244-86FF-296D386C93AB}" type="slidenum">
+              <a:rPr lang="hu-HU" smtClean="0"/>
+              <a:t>5</a:t>
+            </a:fld>
+            <a:endParaRPr lang="hu-HU"/>
+          </a:p>
+        </p:txBody>
+      </p:sp>
+    </p:spTree>
+    <p:extLst>
+      <p:ext uri="{BB962C8B-B14F-4D97-AF65-F5344CB8AC3E}">
+        <p14:creationId xmlns:p14="http://schemas.microsoft.com/office/powerpoint/2010/main" val="3157439581"/>
+      </p:ext>
+    </p:extLst>
+  </p:cSld>
+  <p:clrMapOvr>
+    <a:masterClrMapping/>
+  </p:clrMapOvr>
+</p:notes>
+</file>
+
+<file path=ppt/notesSlides/notesSlide6.xml><?xml version="1.0" encoding="utf-8"?>
+<p:notes xmlns:a="http://schemas.openxmlformats.org/drawingml/2006/main" xmlns:r="http://schemas.openxmlformats.org/officeDocument/2006/relationships" xmlns:p="http://schemas.openxmlformats.org/presentationml/2006/main">
+  <p:cSld>
+    <p:spTree>
+      <p:nvGrpSpPr>
+        <p:cNvPr id="1" name=""/>
+        <p:cNvGrpSpPr/>
+        <p:nvPr/>
+      </p:nvGrpSpPr>
+      <p:grpSpPr>
+        <a:xfrm>
+          <a:off x="0" y="0"/>
+          <a:ext cx="0" cy="0"/>
+          <a:chOff x="0" y="0"/>
+          <a:chExt cx="0" cy="0"/>
+        </a:xfrm>
+      </p:grpSpPr>
+      <p:sp>
+        <p:nvSpPr>
+          <p:cNvPr id="2" name="Diakép helye 1"/>
+          <p:cNvSpPr>
+            <a:spLocks noGrp="1" noRot="1" noChangeAspect="1"/>
+          </p:cNvSpPr>
+          <p:nvPr>
+            <p:ph type="sldImg"/>
+          </p:nvPr>
+        </p:nvSpPr>
+        <p:spPr/>
+      </p:sp>
+      <p:sp>
+        <p:nvSpPr>
+          <p:cNvPr id="3" name="Jegyzetek helye 2"/>
+          <p:cNvSpPr>
+            <a:spLocks noGrp="1"/>
+          </p:cNvSpPr>
+          <p:nvPr>
+            <p:ph type="body" idx="1"/>
+          </p:nvPr>
+        </p:nvSpPr>
+        <p:spPr/>
+        <p:txBody>
+          <a:bodyPr/>
+          <a:lstStyle/>
+          <a:p>
+            <a:r>
+              <a:rPr lang="hu-HU" dirty="0" err="1" smtClean="0"/>
+              <a:t>loadFeatures</a:t>
+            </a:r>
+            <a:r>
+              <a:rPr lang="hu-HU" dirty="0" smtClean="0"/>
+              <a:t> </a:t>
+            </a:r>
+            <a:r>
+              <a:rPr lang="hu-HU" dirty="0" err="1" smtClean="0"/>
+              <a:t>method</a:t>
+            </a:r>
+            <a:r>
+              <a:rPr lang="hu-HU" dirty="0" smtClean="0"/>
+              <a:t> </a:t>
+            </a:r>
+            <a:r>
+              <a:rPr lang="hu-HU" dirty="0" err="1" smtClean="0"/>
+              <a:t>loads</a:t>
+            </a:r>
+            <a:r>
+              <a:rPr lang="hu-HU" dirty="0" smtClean="0"/>
+              <a:t> </a:t>
+            </a:r>
+            <a:r>
+              <a:rPr lang="hu-HU" dirty="0" err="1" smtClean="0"/>
+              <a:t>the</a:t>
+            </a:r>
+            <a:r>
+              <a:rPr lang="hu-HU" dirty="0" smtClean="0"/>
+              <a:t> </a:t>
+            </a:r>
+            <a:r>
+              <a:rPr lang="hu-HU" dirty="0" err="1" smtClean="0"/>
+              <a:t>feature</a:t>
+            </a:r>
+            <a:r>
+              <a:rPr lang="hu-HU" dirty="0" smtClean="0"/>
+              <a:t> of a </a:t>
+            </a:r>
+            <a:r>
+              <a:rPr lang="hu-HU" dirty="0" err="1" smtClean="0"/>
+              <a:t>specific</a:t>
+            </a:r>
+            <a:r>
+              <a:rPr lang="hu-HU" dirty="0" smtClean="0"/>
+              <a:t> </a:t>
+            </a:r>
+            <a:r>
+              <a:rPr lang="hu-HU" dirty="0" err="1" smtClean="0"/>
+              <a:t>weapon</a:t>
+            </a:r>
+            <a:r>
+              <a:rPr lang="hu-HU" dirty="0" smtClean="0"/>
+              <a:t>. </a:t>
+            </a:r>
+            <a:r>
+              <a:rPr lang="hu-HU" dirty="0" err="1" smtClean="0"/>
+              <a:t>Let</a:t>
+            </a:r>
+            <a:r>
+              <a:rPr lang="hu-HU" dirty="0" smtClean="0"/>
+              <a:t>’s </a:t>
+            </a:r>
+            <a:r>
+              <a:rPr lang="hu-HU" dirty="0" err="1" smtClean="0"/>
+              <a:t>see</a:t>
+            </a:r>
+            <a:r>
+              <a:rPr lang="hu-HU" dirty="0" smtClean="0"/>
+              <a:t> </a:t>
+            </a:r>
+            <a:r>
+              <a:rPr lang="hu-HU" dirty="0" err="1" smtClean="0"/>
+              <a:t>what</a:t>
+            </a:r>
+            <a:r>
+              <a:rPr lang="hu-HU" dirty="0" smtClean="0"/>
+              <a:t> </a:t>
+            </a:r>
+            <a:r>
+              <a:rPr lang="hu-HU" dirty="0" err="1" smtClean="0"/>
+              <a:t>happens</a:t>
+            </a:r>
+            <a:r>
+              <a:rPr lang="hu-HU" dirty="0" smtClean="0"/>
+              <a:t>.</a:t>
+            </a:r>
+            <a:endParaRPr lang="hu-HU" dirty="0"/>
+          </a:p>
+        </p:txBody>
+      </p:sp>
+      <p:sp>
+        <p:nvSpPr>
+          <p:cNvPr id="4" name="Dia számának helye 3"/>
+          <p:cNvSpPr>
+            <a:spLocks noGrp="1"/>
+          </p:cNvSpPr>
+          <p:nvPr>
+            <p:ph type="sldNum" sz="quarter" idx="10"/>
+          </p:nvPr>
+        </p:nvSpPr>
+        <p:spPr/>
+        <p:txBody>
+          <a:bodyPr/>
+          <a:lstStyle/>
+          <a:p>
+            <a:fld id="{4804353B-9DFE-4244-86FF-296D386C93AB}" type="slidenum">
+              <a:rPr lang="hu-HU" smtClean="0"/>
+              <a:t>6</a:t>
+            </a:fld>
+            <a:endParaRPr lang="hu-HU"/>
+          </a:p>
+        </p:txBody>
+      </p:sp>
+    </p:spTree>
+    <p:extLst>
+      <p:ext uri="{BB962C8B-B14F-4D97-AF65-F5344CB8AC3E}">
+        <p14:creationId xmlns:p14="http://schemas.microsoft.com/office/powerpoint/2010/main" val="3157439581"/>
+      </p:ext>
+    </p:extLst>
+  </p:cSld>
+  <p:clrMapOvr>
+    <a:masterClrMapping/>
+  </p:clrMapOvr>
+</p:notes>
+</file>
+
+<file path=ppt/notesSlides/notesSlide7.xml><?xml version="1.0" encoding="utf-8"?>
+<p:notes xmlns:a="http://schemas.openxmlformats.org/drawingml/2006/main" xmlns:r="http://schemas.openxmlformats.org/officeDocument/2006/relationships" xmlns:p="http://schemas.openxmlformats.org/presentationml/2006/main">
+  <p:cSld>
+    <p:spTree>
+      <p:nvGrpSpPr>
+        <p:cNvPr id="1" name=""/>
+        <p:cNvGrpSpPr/>
+        <p:nvPr/>
+      </p:nvGrpSpPr>
+      <p:grpSpPr>
+        <a:xfrm>
+          <a:off x="0" y="0"/>
+          <a:ext cx="0" cy="0"/>
+          <a:chOff x="0" y="0"/>
+          <a:chExt cx="0" cy="0"/>
+        </a:xfrm>
+      </p:grpSpPr>
+      <p:sp>
+        <p:nvSpPr>
+          <p:cNvPr id="2" name="Diakép helye 1"/>
+          <p:cNvSpPr>
+            <a:spLocks noGrp="1" noRot="1" noChangeAspect="1"/>
+          </p:cNvSpPr>
+          <p:nvPr>
+            <p:ph type="sldImg"/>
+          </p:nvPr>
+        </p:nvSpPr>
+        <p:spPr/>
+      </p:sp>
+      <p:sp>
+        <p:nvSpPr>
+          <p:cNvPr id="3" name="Jegyzetek helye 2"/>
+          <p:cNvSpPr>
+            <a:spLocks noGrp="1"/>
+          </p:cNvSpPr>
+          <p:nvPr>
+            <p:ph type="body" idx="1"/>
+          </p:nvPr>
+        </p:nvSpPr>
+        <p:spPr/>
+        <p:txBody>
+          <a:bodyPr/>
+          <a:lstStyle/>
+          <a:p>
+            <a:r>
+              <a:rPr lang="hu-HU" dirty="0" err="1" smtClean="0"/>
+              <a:t>It</a:t>
+            </a:r>
+            <a:r>
+              <a:rPr lang="hu-HU" dirty="0" smtClean="0"/>
+              <a:t> </a:t>
+            </a:r>
+            <a:r>
+              <a:rPr lang="hu-HU" dirty="0" err="1" smtClean="0"/>
+              <a:t>doesn</a:t>
+            </a:r>
+            <a:r>
+              <a:rPr lang="hu-HU" dirty="0" smtClean="0"/>
+              <a:t>’t </a:t>
+            </a:r>
+            <a:r>
+              <a:rPr lang="hu-HU" dirty="0" err="1" smtClean="0"/>
+              <a:t>really</a:t>
+            </a:r>
+            <a:r>
+              <a:rPr lang="hu-HU" dirty="0" smtClean="0"/>
+              <a:t> </a:t>
+            </a:r>
+            <a:r>
+              <a:rPr lang="hu-HU" dirty="0" err="1" smtClean="0"/>
+              <a:t>look</a:t>
+            </a:r>
+            <a:r>
+              <a:rPr lang="hu-HU" dirty="0" smtClean="0"/>
+              <a:t> </a:t>
+            </a:r>
+            <a:r>
+              <a:rPr lang="hu-HU" dirty="0" err="1" smtClean="0"/>
+              <a:t>good</a:t>
+            </a:r>
+            <a:r>
+              <a:rPr lang="hu-HU" dirty="0" smtClean="0"/>
+              <a:t>, </a:t>
+            </a:r>
+            <a:r>
+              <a:rPr lang="hu-HU" dirty="0" err="1" smtClean="0"/>
+              <a:t>both</a:t>
+            </a:r>
+            <a:r>
+              <a:rPr lang="hu-HU" baseline="0" dirty="0" smtClean="0"/>
+              <a:t> </a:t>
+            </a:r>
+            <a:r>
+              <a:rPr lang="hu-HU" baseline="0" dirty="0" err="1" smtClean="0"/>
+              <a:t>the</a:t>
+            </a:r>
+            <a:r>
+              <a:rPr lang="hu-HU" baseline="0" dirty="0" smtClean="0"/>
+              <a:t> </a:t>
+            </a:r>
+            <a:r>
+              <a:rPr lang="hu-HU" baseline="0" dirty="0" err="1" smtClean="0"/>
+              <a:t>Laser</a:t>
+            </a:r>
+            <a:r>
+              <a:rPr lang="hu-HU" baseline="0" dirty="0" smtClean="0"/>
+              <a:t> </a:t>
+            </a:r>
+            <a:r>
+              <a:rPr lang="hu-HU" baseline="0" dirty="0" err="1" smtClean="0"/>
+              <a:t>gun</a:t>
+            </a:r>
+            <a:r>
+              <a:rPr lang="hu-HU" baseline="0" dirty="0" smtClean="0"/>
+              <a:t> and </a:t>
+            </a:r>
+            <a:r>
+              <a:rPr lang="hu-HU" baseline="0" dirty="0" err="1" smtClean="0"/>
+              <a:t>the</a:t>
+            </a:r>
+            <a:r>
+              <a:rPr lang="hu-HU" baseline="0" dirty="0" smtClean="0"/>
+              <a:t> </a:t>
+            </a:r>
+            <a:r>
+              <a:rPr lang="hu-HU" baseline="0" dirty="0" err="1" smtClean="0"/>
+              <a:t>Sniper</a:t>
+            </a:r>
+            <a:r>
+              <a:rPr lang="hu-HU" baseline="0" dirty="0" smtClean="0"/>
+              <a:t> </a:t>
+            </a:r>
+            <a:r>
+              <a:rPr lang="hu-HU" baseline="0" dirty="0" err="1" smtClean="0"/>
+              <a:t>rifled</a:t>
+            </a:r>
+            <a:r>
+              <a:rPr lang="hu-HU" baseline="0" dirty="0" smtClean="0"/>
+              <a:t> </a:t>
+            </a:r>
+            <a:r>
+              <a:rPr lang="hu-HU" baseline="0" dirty="0" err="1" smtClean="0"/>
+              <a:t>inherited</a:t>
+            </a:r>
+            <a:r>
+              <a:rPr lang="hu-HU" baseline="0" dirty="0" smtClean="0"/>
+              <a:t> </a:t>
+            </a:r>
+            <a:r>
+              <a:rPr lang="hu-HU" baseline="0" dirty="0" err="1" smtClean="0"/>
+              <a:t>the</a:t>
+            </a:r>
+            <a:r>
+              <a:rPr lang="hu-HU" baseline="0" dirty="0" smtClean="0"/>
+              <a:t> </a:t>
+            </a:r>
+            <a:r>
+              <a:rPr lang="hu-HU" baseline="0" dirty="0" err="1" smtClean="0"/>
+              <a:t>feature</a:t>
+            </a:r>
+            <a:r>
+              <a:rPr lang="hu-HU" baseline="0" dirty="0" smtClean="0"/>
+              <a:t> of </a:t>
+            </a:r>
+            <a:r>
+              <a:rPr lang="hu-HU" baseline="0" dirty="0" err="1" smtClean="0"/>
+              <a:t>weapon</a:t>
+            </a:r>
+            <a:r>
+              <a:rPr lang="hu-HU" baseline="0" dirty="0" smtClean="0"/>
+              <a:t>. </a:t>
+            </a:r>
+          </a:p>
+          <a:p>
+            <a:r>
+              <a:rPr lang="hu-HU" baseline="0" dirty="0" err="1" smtClean="0"/>
+              <a:t>What</a:t>
+            </a:r>
+            <a:r>
+              <a:rPr lang="hu-HU" baseline="0" dirty="0" smtClean="0"/>
+              <a:t>’s </a:t>
+            </a:r>
+            <a:r>
+              <a:rPr lang="hu-HU" baseline="0" dirty="0" err="1" smtClean="0"/>
+              <a:t>wrong</a:t>
+            </a:r>
+            <a:r>
+              <a:rPr lang="hu-HU" baseline="0" dirty="0" smtClean="0"/>
+              <a:t>?</a:t>
+            </a:r>
+          </a:p>
+          <a:p>
+            <a:r>
+              <a:rPr lang="hu-HU" baseline="0" dirty="0" smtClean="0"/>
+              <a:t>The </a:t>
+            </a:r>
+            <a:r>
+              <a:rPr lang="hu-HU" baseline="0" dirty="0" err="1" smtClean="0"/>
+              <a:t>reason</a:t>
+            </a:r>
+            <a:r>
+              <a:rPr lang="hu-HU" baseline="0" dirty="0" smtClean="0"/>
+              <a:t> is </a:t>
+            </a:r>
+            <a:r>
+              <a:rPr lang="hu-HU" baseline="0" dirty="0" err="1" smtClean="0"/>
+              <a:t>that</a:t>
+            </a:r>
+            <a:r>
+              <a:rPr lang="hu-HU" baseline="0" dirty="0" smtClean="0"/>
+              <a:t> </a:t>
+            </a:r>
+            <a:r>
+              <a:rPr lang="hu-HU" baseline="0" dirty="0" err="1" smtClean="0"/>
+              <a:t>the</a:t>
+            </a:r>
+            <a:r>
+              <a:rPr lang="hu-HU" baseline="0" dirty="0" smtClean="0"/>
+              <a:t> </a:t>
+            </a:r>
+            <a:r>
+              <a:rPr lang="hu-HU" baseline="0" dirty="0" err="1" smtClean="0"/>
+              <a:t>loadFeatures</a:t>
+            </a:r>
+            <a:r>
+              <a:rPr lang="hu-HU" baseline="0" dirty="0" smtClean="0"/>
+              <a:t> </a:t>
+            </a:r>
+            <a:r>
+              <a:rPr lang="hu-HU" baseline="0" dirty="0" err="1" smtClean="0"/>
+              <a:t>method</a:t>
+            </a:r>
+            <a:r>
+              <a:rPr lang="hu-HU" baseline="0" dirty="0" smtClean="0"/>
+              <a:t> of </a:t>
+            </a:r>
+            <a:r>
+              <a:rPr lang="hu-HU" baseline="0" dirty="0" err="1" smtClean="0"/>
+              <a:t>the</a:t>
+            </a:r>
+            <a:r>
+              <a:rPr lang="hu-HU" baseline="0" dirty="0" smtClean="0"/>
+              <a:t> </a:t>
+            </a:r>
+            <a:r>
+              <a:rPr lang="hu-HU" baseline="0" dirty="0" err="1" smtClean="0"/>
+              <a:t>Loader</a:t>
+            </a:r>
+            <a:r>
+              <a:rPr lang="hu-HU" baseline="0" dirty="0" smtClean="0"/>
+              <a:t> </a:t>
+            </a:r>
+            <a:r>
+              <a:rPr lang="hu-HU" baseline="0" dirty="0" err="1" smtClean="0"/>
+              <a:t>class</a:t>
+            </a:r>
+            <a:r>
+              <a:rPr lang="hu-HU" baseline="0" dirty="0" smtClean="0"/>
+              <a:t> </a:t>
+            </a:r>
+            <a:r>
+              <a:rPr lang="hu-HU" baseline="0" dirty="0" err="1" smtClean="0"/>
+              <a:t>takes</a:t>
+            </a:r>
+            <a:r>
+              <a:rPr lang="hu-HU" baseline="0" dirty="0" smtClean="0"/>
+              <a:t> pointer </a:t>
+            </a:r>
+            <a:r>
+              <a:rPr lang="hu-HU" baseline="0" dirty="0" err="1" smtClean="0"/>
+              <a:t>to</a:t>
+            </a:r>
+            <a:r>
+              <a:rPr lang="hu-HU" baseline="0" dirty="0" smtClean="0"/>
+              <a:t> </a:t>
+            </a:r>
+            <a:r>
+              <a:rPr lang="hu-HU" baseline="0" dirty="0" err="1" smtClean="0"/>
+              <a:t>object</a:t>
+            </a:r>
+            <a:r>
+              <a:rPr lang="hu-HU" baseline="0" dirty="0" smtClean="0"/>
+              <a:t> of a </a:t>
+            </a:r>
+            <a:r>
+              <a:rPr lang="hu-HU" baseline="0" dirty="0" err="1" smtClean="0"/>
+              <a:t>Weapon</a:t>
+            </a:r>
+            <a:r>
+              <a:rPr lang="hu-HU" baseline="0" dirty="0" smtClean="0"/>
+              <a:t> </a:t>
+            </a:r>
+            <a:r>
+              <a:rPr lang="hu-HU" baseline="0" dirty="0" err="1" smtClean="0"/>
+              <a:t>class</a:t>
+            </a:r>
+            <a:r>
+              <a:rPr lang="hu-HU" baseline="0" dirty="0" smtClean="0"/>
+              <a:t> </a:t>
+            </a:r>
+            <a:r>
+              <a:rPr lang="hu-HU" baseline="0" dirty="0" err="1" smtClean="0"/>
+              <a:t>as</a:t>
+            </a:r>
+            <a:r>
+              <a:rPr lang="hu-HU" baseline="0" dirty="0" smtClean="0"/>
+              <a:t> an </a:t>
+            </a:r>
+            <a:r>
+              <a:rPr lang="hu-HU" baseline="0" dirty="0" err="1" smtClean="0"/>
+              <a:t>argument</a:t>
+            </a:r>
+            <a:r>
+              <a:rPr lang="hu-HU" baseline="0" dirty="0" smtClean="0"/>
+              <a:t>.</a:t>
+            </a:r>
+          </a:p>
+          <a:p>
+            <a:r>
+              <a:rPr lang="hu-HU" baseline="0" dirty="0" err="1" smtClean="0"/>
+              <a:t>To</a:t>
+            </a:r>
+            <a:r>
+              <a:rPr lang="hu-HU" baseline="0" dirty="0" smtClean="0"/>
+              <a:t> </a:t>
+            </a:r>
+            <a:r>
+              <a:rPr lang="hu-HU" baseline="0" dirty="0" err="1" smtClean="0"/>
+              <a:t>solve</a:t>
+            </a:r>
+            <a:r>
+              <a:rPr lang="hu-HU" baseline="0" dirty="0" smtClean="0"/>
+              <a:t> </a:t>
+            </a:r>
+            <a:r>
+              <a:rPr lang="hu-HU" baseline="0" dirty="0" err="1" smtClean="0"/>
+              <a:t>this</a:t>
+            </a:r>
+            <a:r>
+              <a:rPr lang="hu-HU" baseline="0" dirty="0" smtClean="0"/>
+              <a:t>, </a:t>
+            </a:r>
+            <a:r>
+              <a:rPr lang="hu-HU" baseline="0" dirty="0" err="1" smtClean="0"/>
+              <a:t>we</a:t>
+            </a:r>
+            <a:r>
+              <a:rPr lang="hu-HU" baseline="0" dirty="0" smtClean="0"/>
+              <a:t> </a:t>
+            </a:r>
+            <a:r>
+              <a:rPr lang="hu-HU" baseline="0" dirty="0" err="1" smtClean="0"/>
+              <a:t>need</a:t>
+            </a:r>
+            <a:r>
+              <a:rPr lang="hu-HU" baseline="0" dirty="0" smtClean="0"/>
+              <a:t> </a:t>
+            </a:r>
+            <a:r>
+              <a:rPr lang="hu-HU" baseline="0" dirty="0" err="1" smtClean="0"/>
+              <a:t>to</a:t>
+            </a:r>
+            <a:r>
+              <a:rPr lang="hu-HU" baseline="0" dirty="0" smtClean="0"/>
+              <a:t> </a:t>
+            </a:r>
+            <a:r>
+              <a:rPr lang="hu-HU" baseline="0" dirty="0" err="1" smtClean="0"/>
+              <a:t>make</a:t>
+            </a:r>
+            <a:r>
+              <a:rPr lang="hu-HU" baseline="0" dirty="0" smtClean="0"/>
+              <a:t> </a:t>
+            </a:r>
+            <a:r>
+              <a:rPr lang="hu-HU" baseline="0" dirty="0" err="1" smtClean="0"/>
+              <a:t>the</a:t>
+            </a:r>
+            <a:r>
+              <a:rPr lang="hu-HU" baseline="0" dirty="0" smtClean="0"/>
+              <a:t> </a:t>
+            </a:r>
+            <a:r>
+              <a:rPr lang="hu-HU" baseline="0" dirty="0" err="1" smtClean="0"/>
+              <a:t>base</a:t>
+            </a:r>
+            <a:r>
+              <a:rPr lang="hu-HU" baseline="0" dirty="0" smtClean="0"/>
+              <a:t> </a:t>
+            </a:r>
+            <a:r>
+              <a:rPr lang="hu-HU" baseline="0" dirty="0" err="1" smtClean="0"/>
+              <a:t>class</a:t>
+            </a:r>
+            <a:r>
+              <a:rPr lang="hu-HU" baseline="0" dirty="0" smtClean="0"/>
+              <a:t> </a:t>
+            </a:r>
+            <a:r>
+              <a:rPr lang="hu-HU" baseline="0" dirty="0" err="1" smtClean="0"/>
+              <a:t>function</a:t>
+            </a:r>
+            <a:r>
+              <a:rPr lang="hu-HU" baseline="0" dirty="0" smtClean="0"/>
+              <a:t>, </a:t>
+            </a:r>
+            <a:r>
+              <a:rPr lang="hu-HU" baseline="0" dirty="0" err="1" smtClean="0"/>
+              <a:t>Weapon</a:t>
+            </a:r>
+            <a:r>
+              <a:rPr lang="hu-HU" baseline="0" dirty="0" smtClean="0"/>
+              <a:t> </a:t>
+            </a:r>
+            <a:r>
+              <a:rPr lang="hu-HU" baseline="0" dirty="0" err="1" smtClean="0"/>
+              <a:t>class</a:t>
+            </a:r>
+            <a:r>
+              <a:rPr lang="hu-HU" baseline="0" dirty="0" smtClean="0"/>
+              <a:t> </a:t>
+            </a:r>
+            <a:r>
+              <a:rPr lang="hu-HU" baseline="0" dirty="0" err="1" smtClean="0"/>
+              <a:t>virtual</a:t>
+            </a:r>
+            <a:r>
+              <a:rPr lang="hu-HU" baseline="0" dirty="0" smtClean="0"/>
+              <a:t>.</a:t>
+            </a:r>
+            <a:endParaRPr lang="hu-HU" dirty="0"/>
+          </a:p>
+        </p:txBody>
+      </p:sp>
+      <p:sp>
+        <p:nvSpPr>
+          <p:cNvPr id="4" name="Dia számának helye 3"/>
+          <p:cNvSpPr>
+            <a:spLocks noGrp="1"/>
+          </p:cNvSpPr>
+          <p:nvPr>
+            <p:ph type="sldNum" sz="quarter" idx="10"/>
+          </p:nvPr>
+        </p:nvSpPr>
+        <p:spPr/>
+        <p:txBody>
+          <a:bodyPr/>
+          <a:lstStyle/>
+          <a:p>
+            <a:fld id="{4804353B-9DFE-4244-86FF-296D386C93AB}" type="slidenum">
+              <a:rPr lang="hu-HU" smtClean="0"/>
+              <a:t>7</a:t>
+            </a:fld>
+            <a:endParaRPr lang="hu-HU"/>
+          </a:p>
+        </p:txBody>
+      </p:sp>
+    </p:spTree>
+    <p:extLst>
+      <p:ext uri="{BB962C8B-B14F-4D97-AF65-F5344CB8AC3E}">
+        <p14:creationId xmlns:p14="http://schemas.microsoft.com/office/powerpoint/2010/main" val="3157439581"/>
+      </p:ext>
+    </p:extLst>
+  </p:cSld>
+  <p:clrMapOvr>
+    <a:masterClrMapping/>
+  </p:clrMapOvr>
+</p:notes>
+</file>
+
+<file path=ppt/notesSlides/notesSlide8.xml><?xml version="1.0" encoding="utf-8"?>
+<p:notes xmlns:a="http://schemas.openxmlformats.org/drawingml/2006/main" xmlns:r="http://schemas.openxmlformats.org/officeDocument/2006/relationships" xmlns:p="http://schemas.openxmlformats.org/presentationml/2006/main">
+  <p:cSld>
+    <p:spTree>
+      <p:nvGrpSpPr>
+        <p:cNvPr id="1" name=""/>
+        <p:cNvGrpSpPr/>
+        <p:nvPr/>
+      </p:nvGrpSpPr>
+      <p:grpSpPr>
+        <a:xfrm>
+          <a:off x="0" y="0"/>
+          <a:ext cx="0" cy="0"/>
+          <a:chOff x="0" y="0"/>
+          <a:chExt cx="0" cy="0"/>
+        </a:xfrm>
+      </p:grpSpPr>
+      <p:sp>
+        <p:nvSpPr>
+          <p:cNvPr id="2" name="Diakép helye 1"/>
+          <p:cNvSpPr>
+            <a:spLocks noGrp="1" noRot="1" noChangeAspect="1"/>
+          </p:cNvSpPr>
+          <p:nvPr>
+            <p:ph type="sldImg"/>
+          </p:nvPr>
+        </p:nvSpPr>
+        <p:spPr/>
+      </p:sp>
+      <p:sp>
+        <p:nvSpPr>
+          <p:cNvPr id="3" name="Jegyzetek helye 2"/>
+          <p:cNvSpPr>
+            <a:spLocks noGrp="1"/>
+          </p:cNvSpPr>
+          <p:nvPr>
+            <p:ph type="body" idx="1"/>
+          </p:nvPr>
+        </p:nvSpPr>
+        <p:spPr/>
+        <p:txBody>
+          <a:bodyPr/>
+          <a:lstStyle/>
+          <a:p>
+            <a:r>
+              <a:rPr lang="hu-HU" baseline="0" dirty="0" err="1" smtClean="0"/>
+              <a:t>To</a:t>
+            </a:r>
+            <a:r>
+              <a:rPr lang="hu-HU" baseline="0" dirty="0" smtClean="0"/>
+              <a:t> </a:t>
+            </a:r>
+            <a:r>
+              <a:rPr lang="hu-HU" baseline="0" dirty="0" err="1" smtClean="0"/>
+              <a:t>solve</a:t>
+            </a:r>
+            <a:r>
+              <a:rPr lang="hu-HU" baseline="0" dirty="0" smtClean="0"/>
+              <a:t> </a:t>
+            </a:r>
+            <a:r>
+              <a:rPr lang="hu-HU" baseline="0" dirty="0" err="1" smtClean="0"/>
+              <a:t>this</a:t>
+            </a:r>
+            <a:r>
+              <a:rPr lang="hu-HU" baseline="0" dirty="0" smtClean="0"/>
+              <a:t>, </a:t>
+            </a:r>
+            <a:r>
+              <a:rPr lang="hu-HU" baseline="0" dirty="0" err="1" smtClean="0"/>
+              <a:t>we</a:t>
+            </a:r>
+            <a:r>
+              <a:rPr lang="hu-HU" baseline="0" dirty="0" smtClean="0"/>
+              <a:t> </a:t>
+            </a:r>
+            <a:r>
+              <a:rPr lang="hu-HU" baseline="0" dirty="0" err="1" smtClean="0"/>
+              <a:t>need</a:t>
+            </a:r>
+            <a:r>
+              <a:rPr lang="hu-HU" baseline="0" dirty="0" smtClean="0"/>
+              <a:t> </a:t>
+            </a:r>
+            <a:r>
+              <a:rPr lang="hu-HU" baseline="0" dirty="0" err="1" smtClean="0"/>
+              <a:t>to</a:t>
+            </a:r>
+            <a:r>
+              <a:rPr lang="hu-HU" baseline="0" dirty="0" smtClean="0"/>
+              <a:t> </a:t>
+            </a:r>
+            <a:r>
+              <a:rPr lang="hu-HU" baseline="0" dirty="0" err="1" smtClean="0"/>
+              <a:t>make</a:t>
+            </a:r>
+            <a:r>
+              <a:rPr lang="hu-HU" baseline="0" dirty="0" smtClean="0"/>
+              <a:t> </a:t>
+            </a:r>
+            <a:r>
+              <a:rPr lang="hu-HU" baseline="0" dirty="0" err="1" smtClean="0"/>
+              <a:t>the</a:t>
+            </a:r>
+            <a:r>
+              <a:rPr lang="hu-HU" baseline="0" dirty="0" smtClean="0"/>
+              <a:t> </a:t>
+            </a:r>
+            <a:r>
+              <a:rPr lang="hu-HU" baseline="0" dirty="0" err="1" smtClean="0"/>
+              <a:t>base</a:t>
+            </a:r>
+            <a:r>
+              <a:rPr lang="hu-HU" baseline="0" dirty="0" smtClean="0"/>
+              <a:t> </a:t>
+            </a:r>
+            <a:r>
+              <a:rPr lang="hu-HU" baseline="0" dirty="0" err="1" smtClean="0"/>
+              <a:t>class</a:t>
+            </a:r>
+            <a:r>
+              <a:rPr lang="hu-HU" baseline="0" dirty="0" smtClean="0"/>
+              <a:t> </a:t>
+            </a:r>
+            <a:r>
+              <a:rPr lang="hu-HU" baseline="0" dirty="0" err="1" smtClean="0"/>
+              <a:t>function</a:t>
+            </a:r>
+            <a:r>
+              <a:rPr lang="hu-HU" baseline="0" dirty="0" smtClean="0"/>
+              <a:t>, </a:t>
+            </a:r>
+            <a:r>
+              <a:rPr lang="hu-HU" baseline="0" dirty="0" err="1" smtClean="0"/>
+              <a:t>Weapon</a:t>
+            </a:r>
+            <a:r>
+              <a:rPr lang="hu-HU" baseline="0" dirty="0" smtClean="0"/>
+              <a:t> </a:t>
+            </a:r>
+            <a:r>
+              <a:rPr lang="hu-HU" baseline="0" dirty="0" err="1" smtClean="0"/>
+              <a:t>class</a:t>
+            </a:r>
+            <a:r>
+              <a:rPr lang="hu-HU" baseline="0" dirty="0" smtClean="0"/>
+              <a:t> </a:t>
+            </a:r>
+            <a:r>
+              <a:rPr lang="hu-HU" baseline="0" dirty="0" err="1" smtClean="0"/>
+              <a:t>virtual</a:t>
+            </a:r>
+            <a:r>
+              <a:rPr lang="hu-HU" baseline="0" dirty="0" smtClean="0"/>
+              <a:t> </a:t>
+            </a:r>
+            <a:r>
+              <a:rPr lang="hu-HU" baseline="0" dirty="0" err="1" smtClean="0"/>
+              <a:t>by</a:t>
+            </a:r>
+            <a:r>
+              <a:rPr lang="hu-HU" baseline="0" dirty="0" smtClean="0"/>
+              <a:t> </a:t>
+            </a:r>
+            <a:r>
+              <a:rPr lang="hu-HU" baseline="0" dirty="0" err="1" smtClean="0"/>
+              <a:t>putting</a:t>
+            </a:r>
+            <a:r>
+              <a:rPr lang="hu-HU" baseline="0" dirty="0" smtClean="0"/>
+              <a:t> </a:t>
+            </a:r>
+            <a:r>
+              <a:rPr lang="hu-HU" baseline="0" dirty="0" err="1" smtClean="0"/>
+              <a:t>virtual</a:t>
+            </a:r>
+            <a:r>
+              <a:rPr lang="hu-HU" baseline="0" dirty="0" smtClean="0"/>
+              <a:t> </a:t>
+            </a:r>
+            <a:r>
+              <a:rPr lang="hu-HU" baseline="0" dirty="0" err="1" smtClean="0"/>
+              <a:t>keyword</a:t>
+            </a:r>
+            <a:r>
+              <a:rPr lang="hu-HU" baseline="0" dirty="0" smtClean="0"/>
+              <a:t> </a:t>
+            </a:r>
+            <a:r>
+              <a:rPr lang="hu-HU" baseline="0" dirty="0" err="1" smtClean="0"/>
+              <a:t>before</a:t>
+            </a:r>
+            <a:r>
+              <a:rPr lang="hu-HU" baseline="0" dirty="0" smtClean="0"/>
+              <a:t> </a:t>
+            </a:r>
+            <a:r>
+              <a:rPr lang="hu-HU" baseline="0" dirty="0" err="1" smtClean="0"/>
+              <a:t>the</a:t>
+            </a:r>
+            <a:r>
+              <a:rPr lang="hu-HU" baseline="0" dirty="0" smtClean="0"/>
+              <a:t> </a:t>
+            </a:r>
+            <a:r>
+              <a:rPr lang="hu-HU" baseline="0" dirty="0" err="1" smtClean="0"/>
+              <a:t>features</a:t>
+            </a:r>
+            <a:r>
+              <a:rPr lang="hu-HU" baseline="0" dirty="0" smtClean="0"/>
+              <a:t> </a:t>
+            </a:r>
+            <a:r>
+              <a:rPr lang="hu-HU" baseline="0" dirty="0" err="1" smtClean="0"/>
+              <a:t>method</a:t>
+            </a:r>
+            <a:r>
+              <a:rPr lang="hu-HU" baseline="0" dirty="0" smtClean="0"/>
+              <a:t>.</a:t>
+            </a:r>
+            <a:endParaRPr lang="hu-HU" dirty="0"/>
+          </a:p>
+        </p:txBody>
+      </p:sp>
+      <p:sp>
+        <p:nvSpPr>
+          <p:cNvPr id="4" name="Dia számának helye 3"/>
+          <p:cNvSpPr>
+            <a:spLocks noGrp="1"/>
+          </p:cNvSpPr>
+          <p:nvPr>
+            <p:ph type="sldNum" sz="quarter" idx="10"/>
+          </p:nvPr>
+        </p:nvSpPr>
+        <p:spPr/>
+        <p:txBody>
+          <a:bodyPr/>
+          <a:lstStyle/>
+          <a:p>
+            <a:fld id="{4804353B-9DFE-4244-86FF-296D386C93AB}" type="slidenum">
+              <a:rPr lang="hu-HU" smtClean="0"/>
+              <a:t>8</a:t>
+            </a:fld>
+            <a:endParaRPr lang="hu-HU"/>
+          </a:p>
+        </p:txBody>
+      </p:sp>
+    </p:spTree>
+    <p:extLst>
+      <p:ext uri="{BB962C8B-B14F-4D97-AF65-F5344CB8AC3E}">
+        <p14:creationId xmlns:p14="http://schemas.microsoft.com/office/powerpoint/2010/main" val="3157439581"/>
+      </p:ext>
+    </p:extLst>
+  </p:cSld>
+  <p:clrMapOvr>
+    <a:masterClrMapping/>
+  </p:clrMapOvr>
+</p:notes>
+</file>
+
+<file path=ppt/notesSlides/notesSlide9.xml><?xml version="1.0" encoding="utf-8"?>
+<p:notes xmlns:a="http://schemas.openxmlformats.org/drawingml/2006/main" xmlns:r="http://schemas.openxmlformats.org/officeDocument/2006/relationships" xmlns:p="http://schemas.openxmlformats.org/presentationml/2006/main">
+  <p:cSld>
+    <p:spTree>
+      <p:nvGrpSpPr>
+        <p:cNvPr id="1" name=""/>
+        <p:cNvGrpSpPr/>
+        <p:nvPr/>
+      </p:nvGrpSpPr>
+      <p:grpSpPr>
+        <a:xfrm>
+          <a:off x="0" y="0"/>
+          <a:ext cx="0" cy="0"/>
+          <a:chOff x="0" y="0"/>
+          <a:chExt cx="0" cy="0"/>
+        </a:xfrm>
+      </p:grpSpPr>
+      <p:sp>
+        <p:nvSpPr>
+          <p:cNvPr id="2" name="Diakép helye 1"/>
+          <p:cNvSpPr>
+            <a:spLocks noGrp="1" noRot="1" noChangeAspect="1"/>
+          </p:cNvSpPr>
+          <p:nvPr>
+            <p:ph type="sldImg"/>
+          </p:nvPr>
+        </p:nvSpPr>
+        <p:spPr/>
+      </p:sp>
+      <p:sp>
+        <p:nvSpPr>
+          <p:cNvPr id="3" name="Jegyzetek helye 2"/>
+          <p:cNvSpPr>
+            <a:spLocks noGrp="1"/>
+          </p:cNvSpPr>
+          <p:nvPr>
+            <p:ph type="body" idx="1"/>
+          </p:nvPr>
+        </p:nvSpPr>
+        <p:spPr/>
+        <p:txBody>
+          <a:bodyPr/>
+          <a:lstStyle/>
+          <a:p>
+            <a:r>
+              <a:rPr lang="hu-HU" dirty="0" err="1" smtClean="0"/>
+              <a:t>Also</a:t>
+            </a:r>
+            <a:r>
+              <a:rPr lang="hu-HU" dirty="0" smtClean="0"/>
+              <a:t>, </a:t>
+            </a:r>
+            <a:r>
+              <a:rPr lang="hu-HU" dirty="0" err="1" smtClean="0"/>
+              <a:t>we</a:t>
+            </a:r>
+            <a:r>
+              <a:rPr lang="hu-HU" dirty="0" smtClean="0"/>
+              <a:t> </a:t>
+            </a:r>
+            <a:r>
+              <a:rPr lang="hu-HU" dirty="0" err="1" smtClean="0"/>
+              <a:t>need</a:t>
+            </a:r>
+            <a:r>
+              <a:rPr lang="hu-HU" dirty="0" smtClean="0"/>
+              <a:t> </a:t>
+            </a:r>
+            <a:r>
+              <a:rPr lang="hu-HU" dirty="0" err="1" smtClean="0"/>
+              <a:t>to</a:t>
+            </a:r>
+            <a:r>
+              <a:rPr lang="hu-HU" dirty="0" smtClean="0"/>
+              <a:t> </a:t>
+            </a:r>
+            <a:r>
+              <a:rPr lang="hu-HU" dirty="0" err="1" smtClean="0"/>
+              <a:t>make</a:t>
+            </a:r>
+            <a:r>
+              <a:rPr lang="hu-HU" dirty="0" smtClean="0"/>
+              <a:t> </a:t>
+            </a:r>
+            <a:r>
+              <a:rPr lang="hu-HU" dirty="0" err="1" smtClean="0"/>
+              <a:t>some</a:t>
+            </a:r>
+            <a:r>
+              <a:rPr lang="hu-HU" dirty="0" smtClean="0"/>
+              <a:t> </a:t>
+            </a:r>
+            <a:r>
+              <a:rPr lang="hu-HU" dirty="0" err="1" smtClean="0"/>
+              <a:t>adjustment</a:t>
+            </a:r>
+            <a:r>
+              <a:rPr lang="hu-HU" baseline="0" dirty="0" smtClean="0"/>
+              <a:t> </a:t>
+            </a:r>
+            <a:r>
+              <a:rPr lang="hu-HU" baseline="0" dirty="0" err="1" smtClean="0"/>
+              <a:t>in</a:t>
+            </a:r>
+            <a:r>
+              <a:rPr lang="hu-HU" baseline="0" dirty="0" smtClean="0"/>
+              <a:t> </a:t>
+            </a:r>
+            <a:r>
+              <a:rPr lang="hu-HU" baseline="0" dirty="0" err="1" smtClean="0"/>
+              <a:t>the</a:t>
+            </a:r>
+            <a:r>
+              <a:rPr lang="hu-HU" baseline="0" dirty="0" smtClean="0"/>
+              <a:t> main </a:t>
+            </a:r>
+            <a:r>
+              <a:rPr lang="hu-HU" baseline="0" dirty="0" err="1" smtClean="0"/>
+              <a:t>function</a:t>
+            </a:r>
+            <a:r>
+              <a:rPr lang="hu-HU" baseline="0" dirty="0" smtClean="0"/>
+              <a:t> </a:t>
+            </a:r>
+            <a:r>
+              <a:rPr lang="hu-HU" baseline="0" dirty="0" err="1" smtClean="0"/>
+              <a:t>aswell</a:t>
+            </a:r>
+            <a:r>
+              <a:rPr lang="hu-HU" baseline="0" dirty="0" smtClean="0"/>
+              <a:t>.</a:t>
+            </a:r>
+          </a:p>
+          <a:p>
+            <a:r>
+              <a:rPr lang="hu-HU" baseline="0" dirty="0" smtClean="0"/>
+              <a:t>„L”-&gt;</a:t>
+            </a:r>
+            <a:r>
+              <a:rPr lang="hu-HU" baseline="0" dirty="0" err="1" smtClean="0"/>
+              <a:t>loadFeatures</a:t>
+            </a:r>
+            <a:r>
+              <a:rPr lang="hu-HU" baseline="0" dirty="0" smtClean="0"/>
+              <a:t> </a:t>
+            </a:r>
+            <a:r>
+              <a:rPr lang="hu-HU" baseline="0" dirty="0" err="1" smtClean="0"/>
+              <a:t>function</a:t>
+            </a:r>
+            <a:r>
+              <a:rPr lang="hu-HU" baseline="0" dirty="0" smtClean="0"/>
+              <a:t> </a:t>
+            </a:r>
+            <a:r>
+              <a:rPr lang="hu-HU" baseline="0" dirty="0" err="1" smtClean="0"/>
+              <a:t>calls</a:t>
+            </a:r>
+            <a:r>
+              <a:rPr lang="hu-HU" baseline="0" dirty="0" smtClean="0"/>
+              <a:t> </a:t>
+            </a:r>
+            <a:r>
+              <a:rPr lang="hu-HU" baseline="0" dirty="0" err="1" smtClean="0"/>
+              <a:t>the</a:t>
+            </a:r>
+            <a:r>
+              <a:rPr lang="hu-HU" baseline="0" dirty="0" smtClean="0"/>
+              <a:t> </a:t>
+            </a:r>
+            <a:r>
+              <a:rPr lang="hu-HU" baseline="0" dirty="0" err="1" smtClean="0"/>
+              <a:t>function</a:t>
+            </a:r>
+            <a:r>
+              <a:rPr lang="hu-HU" baseline="0" dirty="0" smtClean="0"/>
+              <a:t> of </a:t>
+            </a:r>
+            <a:r>
+              <a:rPr lang="hu-HU" baseline="0" dirty="0" err="1" smtClean="0"/>
+              <a:t>the</a:t>
+            </a:r>
+            <a:r>
+              <a:rPr lang="hu-HU" baseline="0" dirty="0" smtClean="0"/>
+              <a:t> </a:t>
+            </a:r>
+            <a:r>
+              <a:rPr lang="hu-HU" baseline="0" dirty="0" err="1" smtClean="0"/>
+              <a:t>different</a:t>
+            </a:r>
+            <a:r>
+              <a:rPr lang="hu-HU" baseline="0" dirty="0" smtClean="0"/>
+              <a:t> </a:t>
+            </a:r>
+            <a:r>
+              <a:rPr lang="hu-HU" baseline="0" dirty="0" err="1" smtClean="0"/>
+              <a:t>classes</a:t>
+            </a:r>
+            <a:r>
+              <a:rPr lang="hu-HU" baseline="0" dirty="0" smtClean="0"/>
+              <a:t> </a:t>
+            </a:r>
+            <a:r>
+              <a:rPr lang="hu-HU" baseline="0" dirty="0" err="1" smtClean="0"/>
+              <a:t>which</a:t>
+            </a:r>
+            <a:r>
+              <a:rPr lang="hu-HU" baseline="0" dirty="0" smtClean="0"/>
+              <a:t> </a:t>
+            </a:r>
+            <a:r>
+              <a:rPr lang="hu-HU" baseline="0" dirty="0" err="1" smtClean="0"/>
+              <a:t>depends</a:t>
+            </a:r>
+            <a:r>
+              <a:rPr lang="hu-HU" baseline="0" dirty="0" smtClean="0"/>
+              <a:t> </a:t>
+            </a:r>
+            <a:r>
+              <a:rPr lang="hu-HU" baseline="0" dirty="0" err="1" smtClean="0"/>
+              <a:t>on</a:t>
+            </a:r>
+            <a:r>
+              <a:rPr lang="hu-HU" baseline="0" dirty="0" smtClean="0"/>
+              <a:t> </a:t>
+            </a:r>
+            <a:r>
+              <a:rPr lang="hu-HU" baseline="0" dirty="0" err="1" smtClean="0"/>
+              <a:t>where</a:t>
+            </a:r>
+            <a:r>
+              <a:rPr lang="hu-HU" baseline="0" dirty="0" smtClean="0"/>
+              <a:t> „L” </a:t>
+            </a:r>
+            <a:r>
+              <a:rPr lang="hu-HU" baseline="0" dirty="0" err="1" smtClean="0"/>
+              <a:t>object</a:t>
+            </a:r>
+            <a:r>
+              <a:rPr lang="hu-HU" baseline="0" dirty="0" smtClean="0"/>
+              <a:t> is </a:t>
+            </a:r>
+            <a:r>
+              <a:rPr lang="hu-HU" baseline="0" dirty="0" err="1" smtClean="0"/>
+              <a:t>pointing</a:t>
+            </a:r>
+            <a:r>
+              <a:rPr lang="hu-HU" baseline="0" dirty="0" smtClean="0"/>
+              <a:t>.</a:t>
+            </a:r>
+            <a:endParaRPr lang="hu-HU" dirty="0"/>
+          </a:p>
+        </p:txBody>
+      </p:sp>
+      <p:sp>
+        <p:nvSpPr>
+          <p:cNvPr id="4" name="Dia számának helye 3"/>
+          <p:cNvSpPr>
+            <a:spLocks noGrp="1"/>
+          </p:cNvSpPr>
+          <p:nvPr>
+            <p:ph type="sldNum" sz="quarter" idx="10"/>
+          </p:nvPr>
+        </p:nvSpPr>
+        <p:spPr/>
+        <p:txBody>
+          <a:bodyPr/>
+          <a:lstStyle/>
+          <a:p>
+            <a:fld id="{4804353B-9DFE-4244-86FF-296D386C93AB}" type="slidenum">
+              <a:rPr lang="hu-HU" smtClean="0"/>
+              <a:t>9</a:t>
+            </a:fld>
+            <a:endParaRPr lang="hu-HU"/>
+          </a:p>
+        </p:txBody>
+      </p:sp>
+    </p:spTree>
+    <p:extLst>
+      <p:ext uri="{BB962C8B-B14F-4D97-AF65-F5344CB8AC3E}">
+        <p14:creationId xmlns:p14="http://schemas.microsoft.com/office/powerpoint/2010/main" val="3157439581"/>
       </p:ext>
     </p:extLst>
   </p:cSld>
@@ -2904,7 +5030,7 @@
             <a:fld id="{E30E2307-1E40-4E12-8716-25BFDA8E7013}" type="datetime1">
               <a:rPr lang="en-US" smtClean="0"/>
               <a:pPr/>
-              <a:t>10/20/2017</a:t>
+              <a:t>11/17/2017</a:t>
             </a:fld>
             <a:endParaRPr lang="en-US"/>
           </a:p>
@@ -3087,7 +5213,7 @@
             <a:fld id="{E5CFCF5A-EA79-452C-A52C-1A2668C2E7DF}" type="datetime1">
               <a:rPr lang="en-US" smtClean="0"/>
               <a:pPr/>
-              <a:t>10/20/2017</a:t>
+              <a:t>11/17/2017</a:t>
             </a:fld>
             <a:endParaRPr lang="en-US"/>
           </a:p>
@@ -3240,7 +5366,7 @@
             <a:fld id="{2E5C4C28-BD4B-4892-9A2D-6E19BD753A9A}" type="datetime1">
               <a:rPr lang="en-US" smtClean="0"/>
               <a:pPr/>
-              <a:t>10/20/2017</a:t>
+              <a:t>11/17/2017</a:t>
             </a:fld>
             <a:endParaRPr lang="en-US"/>
           </a:p>
@@ -5068,7 +7194,7 @@
             <a:fld id="{61FD9D02-426E-46C9-9EE9-0DE1EF8B2838}" type="datetime1">
               <a:rPr lang="en-US" smtClean="0"/>
               <a:pPr/>
-              <a:t>10/20/2017</a:t>
+              <a:t>11/17/2017</a:t>
             </a:fld>
             <a:endParaRPr lang="en-US"/>
           </a:p>
@@ -6940,7 +9066,7 @@
             <a:fld id="{7B8AEBBE-F8B2-42CF-9895-E86A608384EB}" type="datetime1">
               <a:rPr lang="en-US" smtClean="0"/>
               <a:pPr/>
-              <a:t>10/20/2017</a:t>
+              <a:t>11/17/2017</a:t>
             </a:fld>
             <a:endParaRPr lang="en-US"/>
           </a:p>
@@ -7055,7 +9181,7 @@
             <a:fld id="{E1FAA6B6-10E5-4810-BC9F-DA72D8452E73}" type="datetime1">
               <a:rPr lang="en-US" smtClean="0"/>
               <a:pPr/>
-              <a:t>10/20/2017</a:t>
+              <a:t>11/17/2017</a:t>
             </a:fld>
             <a:endParaRPr lang="en-US"/>
           </a:p>
@@ -7598,7 +9724,7 @@
             <a:fld id="{6D18D072-EF12-4AA2-BD71-ABC68B06D0E2}" type="datetime1">
               <a:rPr lang="en-US" smtClean="0"/>
               <a:pPr/>
-              <a:t>10/20/2017</a:t>
+              <a:t>11/17/2017</a:t>
             </a:fld>
             <a:endParaRPr lang="en-US"/>
           </a:p>
@@ -7713,7 +9839,7 @@
             <a:fld id="{B8CDBF60-6CC3-4B74-A60D-3486985E4346}" type="datetime1">
               <a:rPr lang="en-US" smtClean="0"/>
               <a:pPr/>
-              <a:t>10/20/2017</a:t>
+              <a:t>11/17/2017</a:t>
             </a:fld>
             <a:endParaRPr lang="en-US"/>
           </a:p>
@@ -9426,7 +11552,7 @@
             <a:fld id="{22714818-984F-4759-BF72-A33BDC1963BD}" type="datetime1">
               <a:rPr lang="en-US" smtClean="0"/>
               <a:pPr/>
-              <a:t>10/20/2017</a:t>
+              <a:t>11/17/2017</a:t>
             </a:fld>
             <a:endParaRPr lang="en-US"/>
           </a:p>
@@ -9579,7 +11705,7 @@
             <a:fld id="{9EA7E191-5F94-4FC1-B823-BD7CABF7FA06}" type="datetime1">
               <a:rPr lang="en-US" smtClean="0"/>
               <a:pPr/>
-              <a:t>10/20/2017</a:t>
+              <a:t>11/17/2017</a:t>
             </a:fld>
             <a:endParaRPr lang="en-US"/>
           </a:p>
@@ -13196,7 +15322,7 @@
             <a:fld id="{88856D55-EFBE-4F9B-8A5F-09D42CA22A9B}" type="datetime1">
               <a:rPr lang="en-US" smtClean="0"/>
               <a:pPr/>
-              <a:t>10/20/2017</a:t>
+              <a:t>11/17/2017</a:t>
             </a:fld>
             <a:endParaRPr lang="en-US"/>
           </a:p>
@@ -15057,7 +17183,7 @@
             <a:fld id="{9D1D110F-3F4E-48D9-B8AA-5D0E825AFDBA}" type="datetime1">
               <a:rPr lang="en-US" smtClean="0"/>
               <a:pPr/>
-              <a:t>10/20/2017</a:t>
+              <a:t>11/17/2017</a:t>
             </a:fld>
             <a:endParaRPr lang="en-US"/>
           </a:p>
@@ -15726,6 +17852,440 @@
 </p:sld>
 </file>
 
+<file path=ppt/slides/slide10.xml><?xml version="1.0" encoding="utf-8"?>
+<p:sld xmlns:a="http://schemas.openxmlformats.org/drawingml/2006/main" xmlns:r="http://schemas.openxmlformats.org/officeDocument/2006/relationships" xmlns:p="http://schemas.openxmlformats.org/presentationml/2006/main">
+  <p:cSld>
+    <p:spTree>
+      <p:nvGrpSpPr>
+        <p:cNvPr id="1" name=""/>
+        <p:cNvGrpSpPr/>
+        <p:nvPr/>
+      </p:nvGrpSpPr>
+      <p:grpSpPr>
+        <a:xfrm>
+          <a:off x="0" y="0"/>
+          <a:ext cx="0" cy="0"/>
+          <a:chOff x="0" y="0"/>
+          <a:chExt cx="0" cy="0"/>
+        </a:xfrm>
+      </p:grpSpPr>
+      <p:sp>
+        <p:nvSpPr>
+          <p:cNvPr id="7" name="Cím 1"/>
+          <p:cNvSpPr txBox="1">
+            <a:spLocks/>
+          </p:cNvSpPr>
+          <p:nvPr/>
+        </p:nvSpPr>
+        <p:spPr>
+          <a:xfrm>
+            <a:off x="609600" y="490728"/>
+            <a:ext cx="8229600" cy="1252728"/>
+          </a:xfrm>
+          <a:prstGeom prst="rect">
+            <a:avLst/>
+          </a:prstGeom>
+        </p:spPr>
+        <p:txBody>
+          <a:bodyPr vert="horz" lIns="91440" tIns="45720" rIns="91440" bIns="45720" rtlCol="0" anchor="ctr">
+            <a:normAutofit fontScale="90000" lnSpcReduction="10000"/>
+          </a:bodyPr>
+          <a:lstStyle>
+            <a:lvl1pPr algn="ctr" defTabSz="914400" rtl="0" eaLnBrk="1" latinLnBrk="0" hangingPunct="1">
+              <a:spcBef>
+                <a:spcPct val="0"/>
+              </a:spcBef>
+              <a:buNone/>
+              <a:defRPr sz="4400" kern="1200">
+                <a:solidFill>
+                  <a:srgbClr val="FFFFFF"/>
+                </a:solidFill>
+                <a:latin typeface="+mj-lt"/>
+                <a:ea typeface="+mj-ea"/>
+                <a:cs typeface="+mj-cs"/>
+              </a:defRPr>
+            </a:lvl1pPr>
+            <a:lvl2pPr eaLnBrk="1" hangingPunct="1">
+              <a:defRPr>
+                <a:solidFill>
+                  <a:schemeClr val="tx2"/>
+                </a:solidFill>
+              </a:defRPr>
+            </a:lvl2pPr>
+            <a:lvl3pPr eaLnBrk="1" hangingPunct="1">
+              <a:defRPr>
+                <a:solidFill>
+                  <a:schemeClr val="tx2"/>
+                </a:solidFill>
+              </a:defRPr>
+            </a:lvl3pPr>
+            <a:lvl4pPr eaLnBrk="1" hangingPunct="1">
+              <a:defRPr>
+                <a:solidFill>
+                  <a:schemeClr val="tx2"/>
+                </a:solidFill>
+              </a:defRPr>
+            </a:lvl4pPr>
+            <a:lvl5pPr eaLnBrk="1" hangingPunct="1">
+              <a:defRPr>
+                <a:solidFill>
+                  <a:schemeClr val="tx2"/>
+                </a:solidFill>
+              </a:defRPr>
+            </a:lvl5pPr>
+            <a:lvl6pPr eaLnBrk="1" hangingPunct="1">
+              <a:defRPr>
+                <a:solidFill>
+                  <a:schemeClr val="tx2"/>
+                </a:solidFill>
+              </a:defRPr>
+            </a:lvl6pPr>
+            <a:lvl7pPr eaLnBrk="1" hangingPunct="1">
+              <a:defRPr>
+                <a:solidFill>
+                  <a:schemeClr val="tx2"/>
+                </a:solidFill>
+              </a:defRPr>
+            </a:lvl7pPr>
+            <a:lvl8pPr eaLnBrk="1" hangingPunct="1">
+              <a:defRPr>
+                <a:solidFill>
+                  <a:schemeClr val="tx2"/>
+                </a:solidFill>
+              </a:defRPr>
+            </a:lvl8pPr>
+            <a:lvl9pPr eaLnBrk="1" hangingPunct="1">
+              <a:defRPr>
+                <a:solidFill>
+                  <a:schemeClr val="tx2"/>
+                </a:solidFill>
+              </a:defRPr>
+            </a:lvl9pPr>
+          </a:lstStyle>
+          <a:p>
+            <a:r>
+              <a:rPr lang="hu-HU" b="1" dirty="0"/>
+              <a:t>C++ </a:t>
+            </a:r>
+            <a:r>
+              <a:rPr lang="hu-HU" b="1" dirty="0" err="1"/>
+              <a:t>Virtual</a:t>
+            </a:r>
+            <a:r>
+              <a:rPr lang="hu-HU" b="1" dirty="0"/>
+              <a:t> </a:t>
+            </a:r>
+            <a:r>
+              <a:rPr lang="hu-HU" b="1" dirty="0" err="1"/>
+              <a:t>Functions</a:t>
+            </a:r>
+            <a:r>
+              <a:rPr lang="hu-HU" b="1" dirty="0"/>
+              <a:t/>
+            </a:r>
+            <a:br>
+              <a:rPr lang="hu-HU" b="1" dirty="0"/>
+            </a:br>
+            <a:r>
+              <a:rPr lang="hu-HU" i="1" dirty="0"/>
+              <a:t>Program w</a:t>
+            </a:r>
+            <a:r>
+              <a:rPr lang="hu-HU" i="1" dirty="0" smtClean="0"/>
+              <a:t>/ </a:t>
+            </a:r>
+            <a:r>
+              <a:rPr lang="hu-HU" i="1" dirty="0" err="1"/>
+              <a:t>virtual</a:t>
+            </a:r>
+            <a:r>
+              <a:rPr lang="hu-HU" i="1" dirty="0"/>
+              <a:t> </a:t>
+            </a:r>
+            <a:r>
+              <a:rPr lang="hu-HU" i="1" dirty="0" err="1"/>
+              <a:t>function</a:t>
+            </a:r>
+            <a:endParaRPr lang="hu-HU" i="1" dirty="0"/>
+          </a:p>
+        </p:txBody>
+      </p:sp>
+      <p:pic>
+        <p:nvPicPr>
+          <p:cNvPr id="8194" name="Picture 2"/>
+          <p:cNvPicPr>
+            <a:picLocks noChangeAspect="1" noChangeArrowheads="1"/>
+          </p:cNvPicPr>
+          <p:nvPr/>
+        </p:nvPicPr>
+        <p:blipFill>
+          <a:blip r:embed="rId3">
+            <a:extLst>
+              <a:ext uri="{28A0092B-C50C-407E-A947-70E740481C1C}">
+                <a14:useLocalDpi xmlns:a14="http://schemas.microsoft.com/office/drawing/2010/main" val="0"/>
+              </a:ext>
+            </a:extLst>
+          </a:blip>
+          <a:srcRect/>
+          <a:stretch>
+            <a:fillRect/>
+          </a:stretch>
+        </p:blipFill>
+        <p:spPr bwMode="auto">
+          <a:xfrm>
+            <a:off x="395536" y="3429000"/>
+            <a:ext cx="8208912" cy="1514894"/>
+          </a:xfrm>
+          <a:prstGeom prst="rect">
+            <a:avLst/>
+          </a:prstGeom>
+          <a:noFill/>
+          <a:ln>
+            <a:noFill/>
+          </a:ln>
+          <a:extLst>
+            <a:ext uri="{909E8E84-426E-40DD-AFC4-6F175D3DCCD1}">
+              <a14:hiddenFill xmlns:a14="http://schemas.microsoft.com/office/drawing/2010/main">
+                <a:solidFill>
+                  <a:schemeClr val="accent1"/>
+                </a:solidFill>
+              </a14:hiddenFill>
+            </a:ext>
+            <a:ext uri="{91240B29-F687-4F45-9708-019B960494DF}">
+              <a14:hiddenLine xmlns:a14="http://schemas.microsoft.com/office/drawing/2010/main" w="9525">
+                <a:solidFill>
+                  <a:schemeClr val="tx1"/>
+                </a:solidFill>
+                <a:miter lim="800000"/>
+                <a:headEnd/>
+                <a:tailEnd/>
+              </a14:hiddenLine>
+            </a:ext>
+          </a:extLst>
+        </p:spPr>
+      </p:pic>
+    </p:spTree>
+    <p:extLst>
+      <p:ext uri="{BB962C8B-B14F-4D97-AF65-F5344CB8AC3E}">
+        <p14:creationId xmlns:p14="http://schemas.microsoft.com/office/powerpoint/2010/main" val="1200955185"/>
+      </p:ext>
+    </p:extLst>
+  </p:cSld>
+  <p:clrMapOvr>
+    <a:masterClrMapping/>
+  </p:clrMapOvr>
+  <mc:AlternateContent xmlns:mc="http://schemas.openxmlformats.org/markup-compatibility/2006" xmlns:p14="http://schemas.microsoft.com/office/powerpoint/2010/main">
+    <mc:Choice Requires="p14">
+      <p:transition spd="med" p14:dur="700">
+        <p:fade/>
+      </p:transition>
+    </mc:Choice>
+    <mc:Fallback xmlns="">
+      <p:transition spd="med">
+        <p:fade/>
+      </p:transition>
+    </mc:Fallback>
+  </mc:AlternateContent>
+  <p:timing>
+    <p:tnLst>
+      <p:par>
+        <p:cTn id="1" dur="indefinite" restart="never" nodeType="tmRoot">
+          <p:childTnLst>
+            <p:seq concurrent="1" nextAc="seek">
+              <p:cTn id="2" dur="indefinite" nodeType="mainSeq">
+                <p:childTnLst>
+                  <p:par>
+                    <p:cTn id="3" fill="hold">
+                      <p:stCondLst>
+                        <p:cond delay="indefinite"/>
+                      </p:stCondLst>
+                      <p:childTnLst>
+                        <p:par>
+                          <p:cTn id="4" fill="hold">
+                            <p:stCondLst>
+                              <p:cond delay="0"/>
+                            </p:stCondLst>
+                            <p:childTnLst>
+                              <p:par>
+                                <p:cTn id="5" presetID="1" presetClass="entr" presetSubtype="0" fill="hold" nodeType="clickEffect">
+                                  <p:stCondLst>
+                                    <p:cond delay="0"/>
+                                  </p:stCondLst>
+                                  <p:childTnLst>
+                                    <p:set>
+                                      <p:cBhvr>
+                                        <p:cTn id="6" dur="1" fill="hold">
+                                          <p:stCondLst>
+                                            <p:cond delay="0"/>
+                                          </p:stCondLst>
+                                        </p:cTn>
+                                        <p:tgtEl>
+                                          <p:spTgt spid="8194"/>
+                                        </p:tgtEl>
+                                        <p:attrNameLst>
+                                          <p:attrName>style.visibility</p:attrName>
+                                        </p:attrNameLst>
+                                      </p:cBhvr>
+                                      <p:to>
+                                        <p:strVal val="visible"/>
+                                      </p:to>
+                                    </p:set>
+                                  </p:childTnLst>
+                                </p:cTn>
+                              </p:par>
+                            </p:childTnLst>
+                          </p:cTn>
+                        </p:par>
+                      </p:childTnLst>
+                    </p:cTn>
+                  </p:par>
+                </p:childTnLst>
+              </p:cTn>
+              <p:prevCondLst>
+                <p:cond evt="onPrev" delay="0">
+                  <p:tgtEl>
+                    <p:sldTgt/>
+                  </p:tgtEl>
+                </p:cond>
+              </p:prevCondLst>
+              <p:nextCondLst>
+                <p:cond evt="onNext" delay="0">
+                  <p:tgtEl>
+                    <p:sldTgt/>
+                  </p:tgtEl>
+                </p:cond>
+              </p:nextCondLst>
+            </p:seq>
+          </p:childTnLst>
+        </p:cTn>
+      </p:par>
+    </p:tnLst>
+  </p:timing>
+</p:sld>
+</file>
+
+<file path=ppt/slides/slide11.xml><?xml version="1.0" encoding="utf-8"?>
+<p:sld xmlns:a="http://schemas.openxmlformats.org/drawingml/2006/main" xmlns:r="http://schemas.openxmlformats.org/officeDocument/2006/relationships" xmlns:p="http://schemas.openxmlformats.org/presentationml/2006/main">
+  <p:cSld>
+    <p:spTree>
+      <p:nvGrpSpPr>
+        <p:cNvPr id="1" name=""/>
+        <p:cNvGrpSpPr/>
+        <p:nvPr/>
+      </p:nvGrpSpPr>
+      <p:grpSpPr>
+        <a:xfrm>
+          <a:off x="0" y="0"/>
+          <a:ext cx="0" cy="0"/>
+          <a:chOff x="0" y="0"/>
+          <a:chExt cx="0" cy="0"/>
+        </a:xfrm>
+      </p:grpSpPr>
+      <p:sp>
+        <p:nvSpPr>
+          <p:cNvPr id="9" name="Tartalom helye 8"/>
+          <p:cNvSpPr>
+            <a:spLocks noGrp="1"/>
+          </p:cNvSpPr>
+          <p:nvPr>
+            <p:ph sz="quarter" idx="13"/>
+          </p:nvPr>
+        </p:nvSpPr>
+        <p:spPr>
+          <a:xfrm>
+            <a:off x="179512" y="3068960"/>
+            <a:ext cx="8424936" cy="2160240"/>
+          </a:xfrm>
+        </p:spPr>
+        <p:txBody>
+          <a:bodyPr>
+            <a:normAutofit/>
+          </a:bodyPr>
+          <a:lstStyle/>
+          <a:p>
+            <a:pPr marL="0" indent="0">
+              <a:buNone/>
+            </a:pPr>
+            <a:r>
+              <a:rPr lang="hu-HU" sz="5400" dirty="0" smtClean="0"/>
+              <a:t>		</a:t>
+            </a:r>
+            <a:r>
+              <a:rPr lang="hu-HU" sz="5400" dirty="0" err="1" smtClean="0"/>
+              <a:t>Thank</a:t>
+            </a:r>
+            <a:r>
+              <a:rPr lang="hu-HU" sz="5400" dirty="0" smtClean="0"/>
+              <a:t> </a:t>
+            </a:r>
+            <a:r>
+              <a:rPr lang="hu-HU" sz="5400" dirty="0" err="1" smtClean="0"/>
+              <a:t>you</a:t>
+            </a:r>
+            <a:r>
+              <a:rPr lang="hu-HU" sz="5400" dirty="0" smtClean="0"/>
+              <a:t> </a:t>
+            </a:r>
+            <a:r>
+              <a:rPr lang="hu-HU" sz="5400" dirty="0" err="1" smtClean="0"/>
+              <a:t>for</a:t>
+            </a:r>
+            <a:r>
+              <a:rPr lang="hu-HU" sz="5400" dirty="0" smtClean="0"/>
+              <a:t> </a:t>
+            </a:r>
+            <a:r>
+              <a:rPr lang="hu-HU" sz="5400" dirty="0" err="1" smtClean="0"/>
+              <a:t>your</a:t>
+            </a:r>
+            <a:r>
+              <a:rPr lang="hu-HU" sz="5400" dirty="0" smtClean="0"/>
+              <a:t> 				</a:t>
+            </a:r>
+            <a:r>
+              <a:rPr lang="hu-HU" sz="5400" dirty="0" err="1" smtClean="0"/>
+              <a:t>attention</a:t>
+            </a:r>
+            <a:r>
+              <a:rPr lang="hu-HU" sz="5400" dirty="0" smtClean="0"/>
+              <a:t>!</a:t>
+            </a:r>
+            <a:endParaRPr lang="hu-HU" sz="5400" dirty="0"/>
+          </a:p>
+        </p:txBody>
+      </p:sp>
+    </p:spTree>
+    <p:extLst>
+      <p:ext uri="{BB962C8B-B14F-4D97-AF65-F5344CB8AC3E}">
+        <p14:creationId xmlns:p14="http://schemas.microsoft.com/office/powerpoint/2010/main" val="1576712890"/>
+      </p:ext>
+    </p:extLst>
+  </p:cSld>
+  <p:clrMapOvr>
+    <a:masterClrMapping/>
+  </p:clrMapOvr>
+  <mc:AlternateContent xmlns:mc="http://schemas.openxmlformats.org/markup-compatibility/2006" xmlns:p14="http://schemas.microsoft.com/office/powerpoint/2010/main">
+    <mc:Choice Requires="p14">
+      <p:transition spd="med" p14:dur="700">
+        <p:fade/>
+      </p:transition>
+    </mc:Choice>
+    <mc:Fallback xmlns="">
+      <p:transition spd="med">
+        <p:fade/>
+      </p:transition>
+    </mc:Fallback>
+  </mc:AlternateContent>
+  <p:timing>
+    <p:tnLst>
+      <p:par>
+        <p:cTn id="1" dur="indefinite" restart="never" nodeType="tmRoot"/>
+      </p:par>
+    </p:tnLst>
+  </p:timing>
+</p:sld>
+</file>
+
 <file path=ppt/slides/slide2.xml><?xml version="1.0" encoding="utf-8"?>
 <p:sld xmlns:a="http://schemas.openxmlformats.org/drawingml/2006/main" xmlns:r="http://schemas.openxmlformats.org/officeDocument/2006/relationships" xmlns:p="http://schemas.openxmlformats.org/presentationml/2006/main">
   <p:cSld>
@@ -15745,37 +18305,6 @@
       </p:grpSpPr>
       <p:sp>
         <p:nvSpPr>
-          <p:cNvPr id="2" name="Cím 1"/>
-          <p:cNvSpPr>
-            <a:spLocks noGrp="1"/>
-          </p:cNvSpPr>
-          <p:nvPr>
-            <p:ph type="title"/>
-          </p:nvPr>
-        </p:nvSpPr>
-        <p:spPr/>
-        <p:txBody>
-          <a:bodyPr/>
-          <a:lstStyle/>
-          <a:p>
-            <a:r>
-              <a:rPr lang="hu-HU" b="1" dirty="0" err="1" smtClean="0"/>
-              <a:t>Previous</a:t>
-            </a:r>
-            <a:r>
-              <a:rPr lang="hu-HU" b="1" dirty="0" smtClean="0"/>
-              <a:t> </a:t>
-            </a:r>
-            <a:r>
-              <a:rPr lang="hu-HU" b="1" dirty="0" err="1" smtClean="0"/>
-              <a:t>experience</a:t>
-            </a:r>
-            <a:endParaRPr lang="hu-HU" b="1" dirty="0"/>
-          </a:p>
-        </p:txBody>
-      </p:sp>
-      <p:sp>
-        <p:nvSpPr>
           <p:cNvPr id="3" name="Tartalom helye 2"/>
           <p:cNvSpPr>
             <a:spLocks noGrp="1"/>
@@ -15786,8 +18315,8 @@
         </p:nvSpPr>
         <p:spPr>
           <a:xfrm>
-            <a:off x="676655" y="2679192"/>
-            <a:ext cx="3822192" cy="677800"/>
+            <a:off x="1475656" y="2700829"/>
+            <a:ext cx="4294273" cy="893824"/>
           </a:xfrm>
         </p:spPr>
         <p:txBody>
@@ -15800,10 +18329,42 @@
               <a:buNone/>
             </a:pPr>
             <a:r>
-              <a:rPr lang="hu-HU" sz="3000" dirty="0" err="1"/>
-              <a:t>Training</a:t>
-            </a:r>
-            <a:endParaRPr lang="hu-HU" sz="3000" dirty="0"/>
+              <a:rPr lang="hu-HU" dirty="0" err="1" smtClean="0"/>
+              <a:t>Member</a:t>
+            </a:r>
+            <a:r>
+              <a:rPr lang="hu-HU" dirty="0" smtClean="0"/>
+              <a:t> </a:t>
+            </a:r>
+            <a:r>
+              <a:rPr lang="hu-HU" dirty="0" err="1" smtClean="0"/>
+              <a:t>function</a:t>
+            </a:r>
+            <a:r>
+              <a:rPr lang="hu-HU" dirty="0" smtClean="0"/>
+              <a:t> </a:t>
+            </a:r>
+            <a:r>
+              <a:rPr lang="hu-HU" dirty="0" err="1" smtClean="0"/>
+              <a:t>in</a:t>
+            </a:r>
+            <a:r>
+              <a:rPr lang="hu-HU" dirty="0" smtClean="0"/>
+              <a:t> </a:t>
+            </a:r>
+            <a:r>
+              <a:rPr lang="hu-HU" dirty="0" err="1" smtClean="0"/>
+              <a:t>base</a:t>
+            </a:r>
+            <a:r>
+              <a:rPr lang="hu-HU" dirty="0" smtClean="0"/>
+              <a:t> </a:t>
+            </a:r>
+            <a:r>
+              <a:rPr lang="hu-HU" dirty="0" err="1" smtClean="0"/>
+              <a:t>class</a:t>
+            </a:r>
+            <a:endParaRPr lang="hu-HU" dirty="0" smtClean="0"/>
           </a:p>
           <a:p>
             <a:pPr lvl="2"/>
@@ -15824,8 +18385,8 @@
         </p:nvSpPr>
         <p:spPr>
           <a:xfrm>
-            <a:off x="683568" y="4005064"/>
-            <a:ext cx="3822192" cy="722806"/>
+            <a:off x="1475656" y="3996972"/>
+            <a:ext cx="4896544" cy="944195"/>
           </a:xfrm>
           <a:prstGeom prst="rect">
             <a:avLst/>
@@ -16009,12 +18570,25 @@
               <a:buNone/>
             </a:pPr>
             <a:r>
-              <a:rPr lang="hu-HU" sz="3000" dirty="0" err="1" smtClean="0"/>
-              <a:t>Teamwork</a:t>
-            </a:r>
-            <a:endParaRPr lang="hu-HU" dirty="0" smtClean="0"/>
-          </a:p>
-          <a:p>
+              <a:rPr lang="hu-HU" dirty="0" err="1" smtClean="0"/>
+              <a:t>Inheritable</a:t>
+            </a:r>
+            <a:r>
+              <a:rPr lang="hu-HU" dirty="0" smtClean="0"/>
+              <a:t> and </a:t>
+            </a:r>
+            <a:r>
+              <a:rPr lang="hu-HU" dirty="0" err="1" smtClean="0"/>
+              <a:t>overridable</a:t>
+            </a:r>
+            <a:r>
+              <a:rPr lang="hu-HU" dirty="0" smtClean="0"/>
+              <a:t> </a:t>
+            </a:r>
+            <a:r>
+              <a:rPr lang="hu-HU" dirty="0" err="1" smtClean="0"/>
+              <a:t>method</a:t>
+            </a:r>
             <a:endParaRPr lang="hu-HU" dirty="0" smtClean="0"/>
           </a:p>
           <a:p>
@@ -16032,7 +18606,7 @@
         </p:nvSpPr>
         <p:spPr>
           <a:xfrm>
-            <a:off x="683568" y="5301208"/>
+            <a:off x="1475656" y="5293117"/>
             <a:ext cx="3822192" cy="864096"/>
           </a:xfrm>
           <a:prstGeom prst="rect">
@@ -16217,23 +18791,185 @@
               <a:buNone/>
             </a:pPr>
             <a:r>
-              <a:rPr lang="hu-HU" sz="3000" dirty="0" err="1" smtClean="0"/>
-              <a:t>Travelling</a:t>
-            </a:r>
-            <a:endParaRPr lang="hu-HU" sz="3000" dirty="0" smtClean="0"/>
-          </a:p>
-          <a:p>
+              <a:rPr lang="hu-HU" dirty="0" err="1" smtClean="0"/>
+              <a:t>Expected</a:t>
+            </a:r>
+            <a:r>
+              <a:rPr lang="hu-HU" dirty="0" smtClean="0"/>
+              <a:t> </a:t>
+            </a:r>
+            <a:r>
+              <a:rPr lang="hu-HU" dirty="0" err="1" smtClean="0"/>
+              <a:t>to</a:t>
+            </a:r>
+            <a:r>
+              <a:rPr lang="hu-HU" dirty="0" smtClean="0"/>
+              <a:t> </a:t>
+            </a:r>
+            <a:r>
+              <a:rPr lang="hu-HU" dirty="0" err="1" smtClean="0"/>
+              <a:t>redefine</a:t>
+            </a:r>
+            <a:r>
+              <a:rPr lang="hu-HU" dirty="0" smtClean="0"/>
+              <a:t> </a:t>
+            </a:r>
+            <a:r>
+              <a:rPr lang="hu-HU" dirty="0" err="1" smtClean="0"/>
+              <a:t>in</a:t>
+            </a:r>
+            <a:r>
+              <a:rPr lang="hu-HU" dirty="0" smtClean="0"/>
+              <a:t> </a:t>
+            </a:r>
+            <a:r>
+              <a:rPr lang="hu-HU" dirty="0" err="1" smtClean="0"/>
+              <a:t>derived</a:t>
+            </a:r>
+            <a:r>
+              <a:rPr lang="hu-HU" dirty="0" smtClean="0"/>
+              <a:t> </a:t>
+            </a:r>
+            <a:r>
+              <a:rPr lang="hu-HU" dirty="0" err="1" smtClean="0"/>
+              <a:t>classes</a:t>
+            </a:r>
             <a:endParaRPr lang="hu-HU" dirty="0" smtClean="0"/>
           </a:p>
           <a:p>
-            <a:endParaRPr lang="hu-HU" dirty="0"/>
+            <a:endParaRPr lang="hu-HU" sz="2000" dirty="0"/>
+          </a:p>
+        </p:txBody>
+      </p:sp>
+      <p:sp>
+        <p:nvSpPr>
+          <p:cNvPr id="7" name="Cím 1"/>
+          <p:cNvSpPr txBox="1">
+            <a:spLocks/>
+          </p:cNvSpPr>
+          <p:nvPr/>
+        </p:nvSpPr>
+        <p:spPr>
+          <a:xfrm>
+            <a:off x="609600" y="490728"/>
+            <a:ext cx="8229600" cy="1252728"/>
+          </a:xfrm>
+          <a:prstGeom prst="rect">
+            <a:avLst/>
+          </a:prstGeom>
+        </p:spPr>
+        <p:txBody>
+          <a:bodyPr vert="horz" lIns="91440" tIns="45720" rIns="91440" bIns="45720" rtlCol="0" anchor="ctr">
+            <a:normAutofit fontScale="90000" lnSpcReduction="10000"/>
+          </a:bodyPr>
+          <a:lstStyle>
+            <a:lvl1pPr algn="ctr" defTabSz="914400" rtl="0" eaLnBrk="1" latinLnBrk="0" hangingPunct="1">
+              <a:spcBef>
+                <a:spcPct val="0"/>
+              </a:spcBef>
+              <a:buNone/>
+              <a:defRPr sz="4400" kern="1200">
+                <a:solidFill>
+                  <a:srgbClr val="FFFFFF"/>
+                </a:solidFill>
+                <a:latin typeface="+mj-lt"/>
+                <a:ea typeface="+mj-ea"/>
+                <a:cs typeface="+mj-cs"/>
+              </a:defRPr>
+            </a:lvl1pPr>
+            <a:lvl2pPr eaLnBrk="1" hangingPunct="1">
+              <a:defRPr>
+                <a:solidFill>
+                  <a:schemeClr val="tx2"/>
+                </a:solidFill>
+              </a:defRPr>
+            </a:lvl2pPr>
+            <a:lvl3pPr eaLnBrk="1" hangingPunct="1">
+              <a:defRPr>
+                <a:solidFill>
+                  <a:schemeClr val="tx2"/>
+                </a:solidFill>
+              </a:defRPr>
+            </a:lvl3pPr>
+            <a:lvl4pPr eaLnBrk="1" hangingPunct="1">
+              <a:defRPr>
+                <a:solidFill>
+                  <a:schemeClr val="tx2"/>
+                </a:solidFill>
+              </a:defRPr>
+            </a:lvl4pPr>
+            <a:lvl5pPr eaLnBrk="1" hangingPunct="1">
+              <a:defRPr>
+                <a:solidFill>
+                  <a:schemeClr val="tx2"/>
+                </a:solidFill>
+              </a:defRPr>
+            </a:lvl5pPr>
+            <a:lvl6pPr eaLnBrk="1" hangingPunct="1">
+              <a:defRPr>
+                <a:solidFill>
+                  <a:schemeClr val="tx2"/>
+                </a:solidFill>
+              </a:defRPr>
+            </a:lvl6pPr>
+            <a:lvl7pPr eaLnBrk="1" hangingPunct="1">
+              <a:defRPr>
+                <a:solidFill>
+                  <a:schemeClr val="tx2"/>
+                </a:solidFill>
+              </a:defRPr>
+            </a:lvl7pPr>
+            <a:lvl8pPr eaLnBrk="1" hangingPunct="1">
+              <a:defRPr>
+                <a:solidFill>
+                  <a:schemeClr val="tx2"/>
+                </a:solidFill>
+              </a:defRPr>
+            </a:lvl8pPr>
+            <a:lvl9pPr eaLnBrk="1" hangingPunct="1">
+              <a:defRPr>
+                <a:solidFill>
+                  <a:schemeClr val="tx2"/>
+                </a:solidFill>
+              </a:defRPr>
+            </a:lvl9pPr>
+          </a:lstStyle>
+          <a:p>
+            <a:r>
+              <a:rPr lang="hu-HU" b="1" dirty="0" smtClean="0"/>
+              <a:t>C++ </a:t>
+            </a:r>
+            <a:r>
+              <a:rPr lang="hu-HU" b="1" dirty="0" err="1" smtClean="0"/>
+              <a:t>Virtual</a:t>
+            </a:r>
+            <a:r>
+              <a:rPr lang="hu-HU" b="1" dirty="0" smtClean="0"/>
+              <a:t> </a:t>
+            </a:r>
+            <a:r>
+              <a:rPr lang="hu-HU" b="1" dirty="0" err="1" smtClean="0"/>
+              <a:t>Functions</a:t>
+            </a:r>
+            <a:r>
+              <a:rPr lang="hu-HU" b="1" dirty="0" smtClean="0"/>
+              <a:t/>
+            </a:r>
+            <a:br>
+              <a:rPr lang="hu-HU" b="1" dirty="0" smtClean="0"/>
+            </a:br>
+            <a:r>
+              <a:rPr lang="hu-HU" i="1" dirty="0" err="1" smtClean="0"/>
+              <a:t>Basics</a:t>
+            </a:r>
+            <a:endParaRPr lang="hu-HU" i="1" dirty="0"/>
           </a:p>
         </p:txBody>
       </p:sp>
     </p:spTree>
     <p:extLst>
       <p:ext uri="{BB962C8B-B14F-4D97-AF65-F5344CB8AC3E}">
-        <p14:creationId xmlns:p14="http://schemas.microsoft.com/office/powerpoint/2010/main" val="875178430"/>
+        <p14:creationId xmlns:p14="http://schemas.microsoft.com/office/powerpoint/2010/main" val="4283423562"/>
       </p:ext>
     </p:extLst>
   </p:cSld>
@@ -16448,55 +19184,7 @@
       </p:grpSpPr>
       <p:sp>
         <p:nvSpPr>
-          <p:cNvPr id="3" name="Tartalom helye 2"/>
-          <p:cNvSpPr>
-            <a:spLocks noGrp="1"/>
-          </p:cNvSpPr>
-          <p:nvPr>
-            <p:ph sz="quarter" idx="13"/>
-          </p:nvPr>
-        </p:nvSpPr>
-        <p:spPr>
-          <a:xfrm>
-            <a:off x="1475656" y="2700829"/>
-            <a:ext cx="4294273" cy="893824"/>
-          </a:xfrm>
-        </p:spPr>
-        <p:txBody>
-          <a:bodyPr>
-            <a:normAutofit/>
-          </a:bodyPr>
-          <a:lstStyle/>
-          <a:p>
-            <a:pPr marL="0" indent="0">
-              <a:buNone/>
-            </a:pPr>
-            <a:r>
-              <a:rPr lang="hu-HU" sz="2800" dirty="0" err="1" smtClean="0"/>
-              <a:t>User</a:t>
-            </a:r>
-            <a:r>
-              <a:rPr lang="hu-HU" sz="2800" dirty="0" smtClean="0"/>
-              <a:t> </a:t>
-            </a:r>
-            <a:r>
-              <a:rPr lang="hu-HU" sz="2800" dirty="0" err="1" smtClean="0"/>
-              <a:t>interface</a:t>
-            </a:r>
-            <a:endParaRPr lang="hu-HU" sz="2800" dirty="0" smtClean="0"/>
-          </a:p>
-          <a:p>
-            <a:pPr lvl="2"/>
-            <a:endParaRPr lang="hu-HU" dirty="0"/>
-          </a:p>
-          <a:p>
-            <a:endParaRPr lang="hu-HU" dirty="0"/>
-          </a:p>
-        </p:txBody>
-      </p:sp>
-      <p:sp>
-        <p:nvSpPr>
-          <p:cNvPr id="5" name="Tartalom helye 2"/>
+          <p:cNvPr id="10" name="Cím 1"/>
           <p:cNvSpPr txBox="1">
             <a:spLocks/>
           </p:cNvSpPr>
@@ -16504,414 +19192,304 @@
         </p:nvSpPr>
         <p:spPr>
           <a:xfrm>
-            <a:off x="1475656" y="3996973"/>
-            <a:ext cx="4287360" cy="722806"/>
+            <a:off x="609600" y="490728"/>
+            <a:ext cx="8229600" cy="1252728"/>
           </a:xfrm>
           <a:prstGeom prst="rect">
             <a:avLst/>
           </a:prstGeom>
         </p:spPr>
         <p:txBody>
-          <a:bodyPr vert="horz" lIns="91440" tIns="45720" rIns="91440" bIns="45720" rtlCol="0">
-            <a:normAutofit/>
+          <a:bodyPr vert="horz" lIns="91440" tIns="45720" rIns="91440" bIns="45720" rtlCol="0" anchor="ctr">
+            <a:normAutofit fontScale="90000" lnSpcReduction="10000"/>
           </a:bodyPr>
           <a:lstStyle>
-            <a:lvl1pPr marL="274320" indent="-274320" algn="l" defTabSz="914400" rtl="0" eaLnBrk="1" latinLnBrk="0" hangingPunct="1">
+            <a:lvl1pPr algn="ctr" defTabSz="914400" rtl="0" eaLnBrk="1" latinLnBrk="0" hangingPunct="1">
               <a:spcBef>
-                <a:spcPct val="20000"/>
+                <a:spcPct val="0"/>
               </a:spcBef>
-              <a:buClr>
-                <a:schemeClr val="accent1"/>
-              </a:buClr>
-              <a:buSzPct val="100000"/>
-              <a:buFont typeface="Symbol" pitchFamily="18" charset="2"/>
-              <a:buChar char=""/>
-              <a:defRPr sz="2400" kern="1200">
+              <a:buNone/>
+              <a:defRPr sz="4400" kern="1200">
+                <a:solidFill>
+                  <a:srgbClr val="FFFFFF"/>
+                </a:solidFill>
+                <a:latin typeface="+mj-lt"/>
+                <a:ea typeface="+mj-ea"/>
+                <a:cs typeface="+mj-cs"/>
+              </a:defRPr>
+            </a:lvl1pPr>
+            <a:lvl2pPr eaLnBrk="1" hangingPunct="1">
+              <a:defRPr>
                 <a:solidFill>
                   <a:schemeClr val="tx2"/>
                 </a:solidFill>
-                <a:latin typeface="+mn-lt"/>
-                <a:ea typeface="+mn-ea"/>
-                <a:cs typeface="+mn-cs"/>
               </a:defRPr>
-            </a:lvl1pPr>
-            <a:lvl2pPr marL="576263" indent="-274320" algn="l" defTabSz="914400" rtl="0" eaLnBrk="1" latinLnBrk="0" hangingPunct="1">
-              <a:spcBef>
-                <a:spcPct val="20000"/>
-              </a:spcBef>
-              <a:buClr>
-                <a:schemeClr val="accent1"/>
-              </a:buClr>
-              <a:buSzPct val="100000"/>
-              <a:buFont typeface="Symbol" pitchFamily="18" charset="2"/>
-              <a:buChar char=""/>
-              <a:defRPr sz="2200" kern="1200">
+            </a:lvl2pPr>
+            <a:lvl3pPr eaLnBrk="1" hangingPunct="1">
+              <a:defRPr>
                 <a:solidFill>
                   <a:schemeClr val="tx2"/>
                 </a:solidFill>
-                <a:latin typeface="+mn-lt"/>
-                <a:ea typeface="+mn-ea"/>
-                <a:cs typeface="+mn-cs"/>
               </a:defRPr>
-            </a:lvl2pPr>
-            <a:lvl3pPr marL="855663" indent="-228600" algn="l" defTabSz="914400" rtl="0" eaLnBrk="1" latinLnBrk="0" hangingPunct="1">
-              <a:spcBef>
-                <a:spcPct val="20000"/>
-              </a:spcBef>
-              <a:buClr>
-                <a:schemeClr val="accent1"/>
-              </a:buClr>
-              <a:buSzPct val="100000"/>
-              <a:buFont typeface="Symbol" pitchFamily="18" charset="2"/>
-              <a:buChar char=""/>
-              <a:defRPr sz="2000" kern="1200">
+            </a:lvl3pPr>
+            <a:lvl4pPr eaLnBrk="1" hangingPunct="1">
+              <a:defRPr>
                 <a:solidFill>
                   <a:schemeClr val="tx2"/>
                 </a:solidFill>
-                <a:latin typeface="+mn-lt"/>
-                <a:ea typeface="+mn-ea"/>
-                <a:cs typeface="+mn-cs"/>
               </a:defRPr>
-            </a:lvl3pPr>
-            <a:lvl4pPr marL="1143000" indent="-228600" algn="l" defTabSz="914400" rtl="0" eaLnBrk="1" latinLnBrk="0" hangingPunct="1">
-              <a:spcBef>
-                <a:spcPct val="20000"/>
-              </a:spcBef>
-              <a:buClr>
-                <a:schemeClr val="accent1"/>
-              </a:buClr>
-              <a:buSzPct val="100000"/>
-              <a:buFont typeface="Symbol" pitchFamily="18" charset="2"/>
-              <a:buChar char=""/>
-              <a:defRPr sz="1800" kern="1200">
+            </a:lvl4pPr>
+            <a:lvl5pPr eaLnBrk="1" hangingPunct="1">
+              <a:defRPr>
                 <a:solidFill>
                   <a:schemeClr val="tx2"/>
                 </a:solidFill>
-                <a:latin typeface="+mn-lt"/>
-                <a:ea typeface="+mn-ea"/>
-                <a:cs typeface="+mn-cs"/>
               </a:defRPr>
-            </a:lvl4pPr>
-            <a:lvl5pPr marL="1463040" indent="-228600" algn="l" defTabSz="914400" rtl="0" eaLnBrk="1" latinLnBrk="0" hangingPunct="1">
-              <a:spcBef>
-                <a:spcPct val="20000"/>
-              </a:spcBef>
-              <a:buClr>
-                <a:schemeClr val="accent1"/>
-              </a:buClr>
-              <a:buSzPct val="100000"/>
-              <a:buFont typeface="Symbol" pitchFamily="18" charset="2"/>
-              <a:buChar char=""/>
-              <a:defRPr sz="1600" kern="1200">
+            </a:lvl5pPr>
+            <a:lvl6pPr eaLnBrk="1" hangingPunct="1">
+              <a:defRPr>
                 <a:solidFill>
                   <a:schemeClr val="tx2"/>
                 </a:solidFill>
-                <a:latin typeface="+mn-lt"/>
-                <a:ea typeface="+mn-ea"/>
-                <a:cs typeface="+mn-cs"/>
               </a:defRPr>
-            </a:lvl5pPr>
-            <a:lvl6pPr marL="1783080" indent="-228600" algn="l" defTabSz="914400" rtl="0" eaLnBrk="1" latinLnBrk="0" hangingPunct="1">
-              <a:spcBef>
-                <a:spcPts val="384"/>
-              </a:spcBef>
-              <a:buClr>
-                <a:schemeClr val="accent1"/>
-              </a:buClr>
-              <a:buFont typeface="Symbol" pitchFamily="18" charset="2"/>
-              <a:buChar char="*"/>
-              <a:defRPr sz="1400" kern="1200">
+            </a:lvl6pPr>
+            <a:lvl7pPr eaLnBrk="1" hangingPunct="1">
+              <a:defRPr>
                 <a:solidFill>
                   <a:schemeClr val="tx2"/>
                 </a:solidFill>
-                <a:latin typeface="+mn-lt"/>
-                <a:ea typeface="+mn-ea"/>
-                <a:cs typeface="+mn-cs"/>
               </a:defRPr>
-            </a:lvl6pPr>
-            <a:lvl7pPr marL="2103120" indent="-228600" algn="l" defTabSz="914400" rtl="0" eaLnBrk="1" latinLnBrk="0" hangingPunct="1">
-              <a:spcBef>
-                <a:spcPts val="384"/>
-              </a:spcBef>
-              <a:buClr>
-                <a:schemeClr val="accent1"/>
-              </a:buClr>
-              <a:buFont typeface="Symbol" pitchFamily="18" charset="2"/>
-              <a:buChar char="*"/>
-              <a:defRPr sz="1400" kern="1200">
+            </a:lvl7pPr>
+            <a:lvl8pPr eaLnBrk="1" hangingPunct="1">
+              <a:defRPr>
                 <a:solidFill>
                   <a:schemeClr val="tx2"/>
                 </a:solidFill>
-                <a:latin typeface="+mn-lt"/>
-                <a:ea typeface="+mn-ea"/>
-                <a:cs typeface="+mn-cs"/>
               </a:defRPr>
-            </a:lvl7pPr>
-            <a:lvl8pPr marL="2423160" indent="-228600" algn="l" defTabSz="914400" rtl="0" eaLnBrk="1" latinLnBrk="0" hangingPunct="1">
-              <a:spcBef>
-                <a:spcPts val="384"/>
-              </a:spcBef>
-              <a:buClr>
-                <a:schemeClr val="accent1"/>
-              </a:buClr>
-              <a:buFont typeface="Symbol" pitchFamily="18" charset="2"/>
-              <a:buChar char="*"/>
-              <a:defRPr sz="1400" kern="1200">
+            </a:lvl8pPr>
+            <a:lvl9pPr eaLnBrk="1" hangingPunct="1">
+              <a:defRPr>
                 <a:solidFill>
                   <a:schemeClr val="tx2"/>
                 </a:solidFill>
-                <a:latin typeface="+mn-lt"/>
-                <a:ea typeface="+mn-ea"/>
-                <a:cs typeface="+mn-cs"/>
-              </a:defRPr>
-            </a:lvl8pPr>
-            <a:lvl9pPr marL="2743200" indent="-228600" algn="l" defTabSz="914400" rtl="0" eaLnBrk="1" latinLnBrk="0" hangingPunct="1">
-              <a:spcBef>
-                <a:spcPts val="384"/>
-              </a:spcBef>
-              <a:buClr>
-                <a:schemeClr val="accent1"/>
-              </a:buClr>
-              <a:buFont typeface="Symbol" pitchFamily="18" charset="2"/>
-              <a:buChar char="*"/>
-              <a:defRPr sz="1400" kern="1200">
-                <a:solidFill>
-                  <a:schemeClr val="tx2"/>
-                </a:solidFill>
-                <a:latin typeface="+mn-lt"/>
-                <a:ea typeface="+mn-ea"/>
-                <a:cs typeface="+mn-cs"/>
               </a:defRPr>
             </a:lvl9pPr>
           </a:lstStyle>
           <a:p>
-            <a:pPr marL="0" indent="0">
-              <a:buNone/>
-            </a:pPr>
-            <a:r>
-              <a:rPr lang="hu-HU" sz="2800" dirty="0" err="1" smtClean="0"/>
-              <a:t>Commands</a:t>
-            </a:r>
-            <a:endParaRPr lang="hu-HU" sz="2800" dirty="0" smtClean="0"/>
-          </a:p>
-          <a:p>
-            <a:endParaRPr lang="hu-HU" dirty="0"/>
+            <a:r>
+              <a:rPr lang="hu-HU" b="1" dirty="0" smtClean="0"/>
+              <a:t>C++ </a:t>
+            </a:r>
+            <a:r>
+              <a:rPr lang="hu-HU" b="1" dirty="0" err="1" smtClean="0"/>
+              <a:t>Virtual</a:t>
+            </a:r>
+            <a:r>
+              <a:rPr lang="hu-HU" b="1" dirty="0" smtClean="0"/>
+              <a:t> </a:t>
+            </a:r>
+            <a:r>
+              <a:rPr lang="hu-HU" b="1" dirty="0" err="1" smtClean="0"/>
+              <a:t>Functions</a:t>
+            </a:r>
+            <a:r>
+              <a:rPr lang="hu-HU" b="1" dirty="0" smtClean="0"/>
+              <a:t/>
+            </a:r>
+            <a:br>
+              <a:rPr lang="hu-HU" b="1" dirty="0" smtClean="0"/>
+            </a:br>
+            <a:r>
+              <a:rPr lang="hu-HU" i="1" dirty="0" smtClean="0"/>
+              <a:t>Program w/o </a:t>
+            </a:r>
+            <a:r>
+              <a:rPr lang="hu-HU" i="1" dirty="0" err="1" smtClean="0"/>
+              <a:t>virtual</a:t>
+            </a:r>
+            <a:r>
+              <a:rPr lang="hu-HU" i="1" dirty="0" smtClean="0"/>
+              <a:t> </a:t>
+            </a:r>
+            <a:r>
+              <a:rPr lang="hu-HU" i="1" dirty="0" err="1" smtClean="0"/>
+              <a:t>function</a:t>
+            </a:r>
+            <a:endParaRPr lang="hu-HU" i="1" dirty="0"/>
           </a:p>
         </p:txBody>
       </p:sp>
-      <p:sp>
-        <p:nvSpPr>
-          <p:cNvPr id="6" name="Tartalom helye 2"/>
-          <p:cNvSpPr txBox="1">
-            <a:spLocks/>
-          </p:cNvSpPr>
+      <p:pic>
+        <p:nvPicPr>
+          <p:cNvPr id="1026" name="Picture 2"/>
+          <p:cNvPicPr>
+            <a:picLocks noChangeAspect="1" noChangeArrowheads="1"/>
+          </p:cNvPicPr>
           <p:nvPr/>
-        </p:nvSpPr>
-        <p:spPr>
+        </p:nvPicPr>
+        <p:blipFill>
+          <a:blip r:embed="rId3">
+            <a:extLst>
+              <a:ext uri="{28A0092B-C50C-407E-A947-70E740481C1C}">
+                <a14:useLocalDpi xmlns:a14="http://schemas.microsoft.com/office/drawing/2010/main" val="0"/>
+              </a:ext>
+            </a:extLst>
+          </a:blip>
+          <a:srcRect/>
+          <a:stretch>
+            <a:fillRect/>
+          </a:stretch>
+        </p:blipFill>
+        <p:spPr bwMode="auto">
           <a:xfrm>
-            <a:off x="1475656" y="5293117"/>
-            <a:ext cx="3822192" cy="864096"/>
+            <a:off x="-318864" y="0"/>
+            <a:ext cx="9601200" cy="6672264"/>
           </a:xfrm>
           <a:prstGeom prst="rect">
             <a:avLst/>
           </a:prstGeom>
+          <a:noFill/>
+          <a:ln>
+            <a:noFill/>
+          </a:ln>
+          <a:extLst>
+            <a:ext uri="{909E8E84-426E-40DD-AFC4-6F175D3DCCD1}">
+              <a14:hiddenFill xmlns:a14="http://schemas.microsoft.com/office/drawing/2010/main">
+                <a:solidFill>
+                  <a:schemeClr val="accent1"/>
+                </a:solidFill>
+              </a14:hiddenFill>
+            </a:ext>
+            <a:ext uri="{91240B29-F687-4F45-9708-019B960494DF}">
+              <a14:hiddenLine xmlns:a14="http://schemas.microsoft.com/office/drawing/2010/main" w="9525">
+                <a:solidFill>
+                  <a:schemeClr val="tx1"/>
+                </a:solidFill>
+                <a:miter lim="800000"/>
+                <a:headEnd/>
+                <a:tailEnd/>
+              </a14:hiddenLine>
+            </a:ext>
+          </a:extLst>
         </p:spPr>
-        <p:txBody>
-          <a:bodyPr vert="horz" lIns="91440" tIns="45720" rIns="91440" bIns="45720" rtlCol="0">
-            <a:normAutofit/>
-          </a:bodyPr>
-          <a:lstStyle>
-            <a:lvl1pPr marL="274320" indent="-274320" algn="l" defTabSz="914400" rtl="0" eaLnBrk="1" latinLnBrk="0" hangingPunct="1">
-              <a:spcBef>
-                <a:spcPct val="20000"/>
-              </a:spcBef>
-              <a:buClr>
-                <a:schemeClr val="accent1"/>
-              </a:buClr>
-              <a:buSzPct val="100000"/>
-              <a:buFont typeface="Symbol" pitchFamily="18" charset="2"/>
-              <a:buChar char=""/>
-              <a:defRPr sz="2400" kern="1200">
-                <a:solidFill>
-                  <a:schemeClr val="tx2"/>
-                </a:solidFill>
-                <a:latin typeface="+mn-lt"/>
-                <a:ea typeface="+mn-ea"/>
-                <a:cs typeface="+mn-cs"/>
-              </a:defRPr>
-            </a:lvl1pPr>
-            <a:lvl2pPr marL="576263" indent="-274320" algn="l" defTabSz="914400" rtl="0" eaLnBrk="1" latinLnBrk="0" hangingPunct="1">
-              <a:spcBef>
-                <a:spcPct val="20000"/>
-              </a:spcBef>
-              <a:buClr>
-                <a:schemeClr val="accent1"/>
-              </a:buClr>
-              <a:buSzPct val="100000"/>
-              <a:buFont typeface="Symbol" pitchFamily="18" charset="2"/>
-              <a:buChar char=""/>
-              <a:defRPr sz="2200" kern="1200">
-                <a:solidFill>
-                  <a:schemeClr val="tx2"/>
-                </a:solidFill>
-                <a:latin typeface="+mn-lt"/>
-                <a:ea typeface="+mn-ea"/>
-                <a:cs typeface="+mn-cs"/>
-              </a:defRPr>
-            </a:lvl2pPr>
-            <a:lvl3pPr marL="855663" indent="-228600" algn="l" defTabSz="914400" rtl="0" eaLnBrk="1" latinLnBrk="0" hangingPunct="1">
-              <a:spcBef>
-                <a:spcPct val="20000"/>
-              </a:spcBef>
-              <a:buClr>
-                <a:schemeClr val="accent1"/>
-              </a:buClr>
-              <a:buSzPct val="100000"/>
-              <a:buFont typeface="Symbol" pitchFamily="18" charset="2"/>
-              <a:buChar char=""/>
-              <a:defRPr sz="2000" kern="1200">
-                <a:solidFill>
-                  <a:schemeClr val="tx2"/>
-                </a:solidFill>
-                <a:latin typeface="+mn-lt"/>
-                <a:ea typeface="+mn-ea"/>
-                <a:cs typeface="+mn-cs"/>
-              </a:defRPr>
-            </a:lvl3pPr>
-            <a:lvl4pPr marL="1143000" indent="-228600" algn="l" defTabSz="914400" rtl="0" eaLnBrk="1" latinLnBrk="0" hangingPunct="1">
-              <a:spcBef>
-                <a:spcPct val="20000"/>
-              </a:spcBef>
-              <a:buClr>
-                <a:schemeClr val="accent1"/>
-              </a:buClr>
-              <a:buSzPct val="100000"/>
-              <a:buFont typeface="Symbol" pitchFamily="18" charset="2"/>
-              <a:buChar char=""/>
-              <a:defRPr sz="1800" kern="1200">
-                <a:solidFill>
-                  <a:schemeClr val="tx2"/>
-                </a:solidFill>
-                <a:latin typeface="+mn-lt"/>
-                <a:ea typeface="+mn-ea"/>
-                <a:cs typeface="+mn-cs"/>
-              </a:defRPr>
-            </a:lvl4pPr>
-            <a:lvl5pPr marL="1463040" indent="-228600" algn="l" defTabSz="914400" rtl="0" eaLnBrk="1" latinLnBrk="0" hangingPunct="1">
-              <a:spcBef>
-                <a:spcPct val="20000"/>
-              </a:spcBef>
-              <a:buClr>
-                <a:schemeClr val="accent1"/>
-              </a:buClr>
-              <a:buSzPct val="100000"/>
-              <a:buFont typeface="Symbol" pitchFamily="18" charset="2"/>
-              <a:buChar char=""/>
-              <a:defRPr sz="1600" kern="1200">
-                <a:solidFill>
-                  <a:schemeClr val="tx2"/>
-                </a:solidFill>
-                <a:latin typeface="+mn-lt"/>
-                <a:ea typeface="+mn-ea"/>
-                <a:cs typeface="+mn-cs"/>
-              </a:defRPr>
-            </a:lvl5pPr>
-            <a:lvl6pPr marL="1783080" indent="-228600" algn="l" defTabSz="914400" rtl="0" eaLnBrk="1" latinLnBrk="0" hangingPunct="1">
-              <a:spcBef>
-                <a:spcPts val="384"/>
-              </a:spcBef>
-              <a:buClr>
-                <a:schemeClr val="accent1"/>
-              </a:buClr>
-              <a:buFont typeface="Symbol" pitchFamily="18" charset="2"/>
-              <a:buChar char="*"/>
-              <a:defRPr sz="1400" kern="1200">
-                <a:solidFill>
-                  <a:schemeClr val="tx2"/>
-                </a:solidFill>
-                <a:latin typeface="+mn-lt"/>
-                <a:ea typeface="+mn-ea"/>
-                <a:cs typeface="+mn-cs"/>
-              </a:defRPr>
-            </a:lvl6pPr>
-            <a:lvl7pPr marL="2103120" indent="-228600" algn="l" defTabSz="914400" rtl="0" eaLnBrk="1" latinLnBrk="0" hangingPunct="1">
-              <a:spcBef>
-                <a:spcPts val="384"/>
-              </a:spcBef>
-              <a:buClr>
-                <a:schemeClr val="accent1"/>
-              </a:buClr>
-              <a:buFont typeface="Symbol" pitchFamily="18" charset="2"/>
-              <a:buChar char="*"/>
-              <a:defRPr sz="1400" kern="1200">
-                <a:solidFill>
-                  <a:schemeClr val="tx2"/>
-                </a:solidFill>
-                <a:latin typeface="+mn-lt"/>
-                <a:ea typeface="+mn-ea"/>
-                <a:cs typeface="+mn-cs"/>
-              </a:defRPr>
-            </a:lvl7pPr>
-            <a:lvl8pPr marL="2423160" indent="-228600" algn="l" defTabSz="914400" rtl="0" eaLnBrk="1" latinLnBrk="0" hangingPunct="1">
-              <a:spcBef>
-                <a:spcPts val="384"/>
-              </a:spcBef>
-              <a:buClr>
-                <a:schemeClr val="accent1"/>
-              </a:buClr>
-              <a:buFont typeface="Symbol" pitchFamily="18" charset="2"/>
-              <a:buChar char="*"/>
-              <a:defRPr sz="1400" kern="1200">
-                <a:solidFill>
-                  <a:schemeClr val="tx2"/>
-                </a:solidFill>
-                <a:latin typeface="+mn-lt"/>
-                <a:ea typeface="+mn-ea"/>
-                <a:cs typeface="+mn-cs"/>
-              </a:defRPr>
-            </a:lvl8pPr>
-            <a:lvl9pPr marL="2743200" indent="-228600" algn="l" defTabSz="914400" rtl="0" eaLnBrk="1" latinLnBrk="0" hangingPunct="1">
-              <a:spcBef>
-                <a:spcPts val="384"/>
-              </a:spcBef>
-              <a:buClr>
-                <a:schemeClr val="accent1"/>
-              </a:buClr>
-              <a:buFont typeface="Symbol" pitchFamily="18" charset="2"/>
-              <a:buChar char="*"/>
-              <a:defRPr sz="1400" kern="1200">
-                <a:solidFill>
-                  <a:schemeClr val="tx2"/>
-                </a:solidFill>
-                <a:latin typeface="+mn-lt"/>
-                <a:ea typeface="+mn-ea"/>
-                <a:cs typeface="+mn-cs"/>
-              </a:defRPr>
-            </a:lvl9pPr>
-          </a:lstStyle>
-          <a:p>
-            <a:pPr marL="0" indent="0">
-              <a:buNone/>
-            </a:pPr>
-            <a:r>
-              <a:rPr lang="hu-HU" sz="2800" dirty="0" err="1" smtClean="0"/>
-              <a:t>Menu</a:t>
-            </a:r>
-            <a:r>
-              <a:rPr lang="hu-HU" sz="2800" dirty="0" smtClean="0"/>
-              <a:t> </a:t>
-            </a:r>
-            <a:r>
-              <a:rPr lang="hu-HU" sz="2800" dirty="0" err="1" smtClean="0"/>
-              <a:t>points</a:t>
-            </a:r>
-            <a:endParaRPr lang="hu-HU" sz="2800" dirty="0" smtClean="0"/>
-          </a:p>
-          <a:p>
-            <a:endParaRPr lang="hu-HU" dirty="0"/>
-          </a:p>
-        </p:txBody>
-      </p:sp>
+      </p:pic>
+    </p:spTree>
+    <p:extLst>
+      <p:ext uri="{BB962C8B-B14F-4D97-AF65-F5344CB8AC3E}">
+        <p14:creationId xmlns:p14="http://schemas.microsoft.com/office/powerpoint/2010/main" val="1137518282"/>
+      </p:ext>
+    </p:extLst>
+  </p:cSld>
+  <p:clrMapOvr>
+    <a:masterClrMapping/>
+  </p:clrMapOvr>
+  <mc:AlternateContent xmlns:mc="http://schemas.openxmlformats.org/markup-compatibility/2006" xmlns:p14="http://schemas.microsoft.com/office/powerpoint/2010/main">
+    <mc:Choice Requires="p14">
+      <p:transition spd="med" p14:dur="700">
+        <p:fade/>
+      </p:transition>
+    </mc:Choice>
+    <mc:Fallback xmlns="">
+      <p:transition spd="med">
+        <p:fade/>
+      </p:transition>
+    </mc:Fallback>
+  </mc:AlternateContent>
+  <p:timing>
+    <p:tnLst>
+      <p:par>
+        <p:cTn id="1" dur="indefinite" restart="never" nodeType="tmRoot">
+          <p:childTnLst>
+            <p:seq concurrent="1" nextAc="seek">
+              <p:cTn id="2" dur="indefinite" nodeType="mainSeq">
+                <p:childTnLst>
+                  <p:par>
+                    <p:cTn id="3" fill="hold">
+                      <p:stCondLst>
+                        <p:cond delay="indefinite"/>
+                      </p:stCondLst>
+                      <p:childTnLst>
+                        <p:par>
+                          <p:cTn id="4" fill="hold">
+                            <p:stCondLst>
+                              <p:cond delay="0"/>
+                            </p:stCondLst>
+                            <p:childTnLst>
+                              <p:par>
+                                <p:cTn id="5" presetID="1" presetClass="entr" presetSubtype="0" fill="hold" nodeType="clickEffect">
+                                  <p:stCondLst>
+                                    <p:cond delay="0"/>
+                                  </p:stCondLst>
+                                  <p:childTnLst>
+                                    <p:set>
+                                      <p:cBhvr>
+                                        <p:cTn id="6" dur="1" fill="hold">
+                                          <p:stCondLst>
+                                            <p:cond delay="0"/>
+                                          </p:stCondLst>
+                                        </p:cTn>
+                                        <p:tgtEl>
+                                          <p:spTgt spid="1026"/>
+                                        </p:tgtEl>
+                                        <p:attrNameLst>
+                                          <p:attrName>style.visibility</p:attrName>
+                                        </p:attrNameLst>
+                                      </p:cBhvr>
+                                      <p:to>
+                                        <p:strVal val="visible"/>
+                                      </p:to>
+                                    </p:set>
+                                  </p:childTnLst>
+                                </p:cTn>
+                              </p:par>
+                            </p:childTnLst>
+                          </p:cTn>
+                        </p:par>
+                      </p:childTnLst>
+                    </p:cTn>
+                  </p:par>
+                </p:childTnLst>
+              </p:cTn>
+              <p:prevCondLst>
+                <p:cond evt="onPrev" delay="0">
+                  <p:tgtEl>
+                    <p:sldTgt/>
+                  </p:tgtEl>
+                </p:cond>
+              </p:prevCondLst>
+              <p:nextCondLst>
+                <p:cond evt="onNext" delay="0">
+                  <p:tgtEl>
+                    <p:sldTgt/>
+                  </p:tgtEl>
+                </p:cond>
+              </p:nextCondLst>
+            </p:seq>
+          </p:childTnLst>
+        </p:cTn>
+      </p:par>
+    </p:tnLst>
+  </p:timing>
+</p:sld>
+</file>
+
+<file path=ppt/slides/slide4.xml><?xml version="1.0" encoding="utf-8"?>
+<p:sld xmlns:a="http://schemas.openxmlformats.org/drawingml/2006/main" xmlns:r="http://schemas.openxmlformats.org/officeDocument/2006/relationships" xmlns:p="http://schemas.openxmlformats.org/presentationml/2006/main">
+  <p:cSld>
+    <p:spTree>
+      <p:nvGrpSpPr>
+        <p:cNvPr id="1" name=""/>
+        <p:cNvGrpSpPr/>
+        <p:nvPr/>
+      </p:nvGrpSpPr>
+      <p:grpSpPr>
+        <a:xfrm>
+          <a:off x="0" y="0"/>
+          <a:ext cx="0" cy="0"/>
+          <a:chOff x="0" y="0"/>
+          <a:chExt cx="0" cy="0"/>
+        </a:xfrm>
+      </p:grpSpPr>
       <p:sp>
         <p:nvSpPr>
           <p:cNvPr id="7" name="Cím 1"/>
@@ -17007,23 +19585,43 @@
           </a:lstStyle>
           <a:p>
             <a:r>
-              <a:rPr lang="hu-HU" b="1" dirty="0" smtClean="0"/>
-              <a:t>CLI </a:t>
-            </a:r>
-            <a:r>
-              <a:rPr lang="hu-HU" b="1" dirty="0" err="1" smtClean="0"/>
-              <a:t>Calculator</a:t>
-            </a:r>
-            <a:r>
-              <a:rPr lang="hu-HU" b="1" dirty="0" smtClean="0"/>
+              <a:rPr lang="hu-HU" b="1" dirty="0"/>
+              <a:t>C++ </a:t>
+            </a:r>
+            <a:r>
+              <a:rPr lang="hu-HU" b="1" dirty="0" err="1"/>
+              <a:t>Virtual</a:t>
+            </a:r>
+            <a:r>
+              <a:rPr lang="hu-HU" b="1" dirty="0"/>
+              <a:t> </a:t>
+            </a:r>
+            <a:r>
+              <a:rPr lang="hu-HU" b="1" dirty="0" err="1"/>
+              <a:t>Functions</a:t>
+            </a:r>
+            <a:r>
+              <a:rPr lang="hu-HU" b="1" dirty="0"/>
               <a:t/>
             </a:r>
             <a:br>
-              <a:rPr lang="hu-HU" b="1" dirty="0" smtClean="0"/>
+              <a:rPr lang="hu-HU" b="1" dirty="0"/>
             </a:br>
             <a:r>
-              <a:rPr lang="hu-HU" i="1" dirty="0" err="1" smtClean="0"/>
-              <a:t>Basics</a:t>
+              <a:rPr lang="hu-HU" i="1" dirty="0"/>
+              <a:t>Program w/o </a:t>
+            </a:r>
+            <a:r>
+              <a:rPr lang="hu-HU" i="1" dirty="0" err="1"/>
+              <a:t>virtual</a:t>
+            </a:r>
+            <a:r>
+              <a:rPr lang="hu-HU" i="1" dirty="0"/>
+              <a:t> </a:t>
+            </a:r>
+            <a:r>
+              <a:rPr lang="hu-HU" i="1" dirty="0" err="1"/>
+              <a:t>function</a:t>
             </a:r>
             <a:endParaRPr lang="hu-HU" i="1" dirty="0"/>
           </a:p>
@@ -17031,7 +19629,7 @@
       </p:sp>
       <p:pic>
         <p:nvPicPr>
-          <p:cNvPr id="1026" name="Picture 2"/>
+          <p:cNvPr id="2053" name="Picture 5"/>
           <p:cNvPicPr>
             <a:picLocks noChangeAspect="1" noChangeArrowheads="1"/>
           </p:cNvPicPr>
@@ -17052,116 +19650,8 @@
         </p:blipFill>
         <p:spPr bwMode="auto">
           <a:xfrm>
-            <a:off x="2843808" y="2564904"/>
-            <a:ext cx="4143375" cy="3971925"/>
-          </a:xfrm>
-          <a:prstGeom prst="rect">
-            <a:avLst/>
-          </a:prstGeom>
-          <a:noFill/>
-          <a:ln>
-            <a:noFill/>
-          </a:ln>
-          <a:extLst>
-            <a:ext uri="{909E8E84-426E-40DD-AFC4-6F175D3DCCD1}">
-              <a14:hiddenFill xmlns:a14="http://schemas.microsoft.com/office/drawing/2010/main">
-                <a:solidFill>
-                  <a:schemeClr val="accent1"/>
-                </a:solidFill>
-              </a14:hiddenFill>
-            </a:ext>
-            <a:ext uri="{91240B29-F687-4F45-9708-019B960494DF}">
-              <a14:hiddenLine xmlns:a14="http://schemas.microsoft.com/office/drawing/2010/main" w="9525">
-                <a:solidFill>
-                  <a:schemeClr val="tx1"/>
-                </a:solidFill>
-                <a:miter lim="800000"/>
-                <a:headEnd/>
-                <a:tailEnd/>
-              </a14:hiddenLine>
-            </a:ext>
-          </a:extLst>
-        </p:spPr>
-      </p:pic>
-      <p:pic>
-        <p:nvPicPr>
-          <p:cNvPr id="1027" name="Picture 3"/>
-          <p:cNvPicPr>
-            <a:picLocks noChangeAspect="1" noChangeArrowheads="1"/>
-          </p:cNvPicPr>
-          <p:nvPr/>
-        </p:nvPicPr>
-        <p:blipFill>
-          <a:blip r:embed="rId4">
-            <a:extLst>
-              <a:ext uri="{28A0092B-C50C-407E-A947-70E740481C1C}">
-                <a14:useLocalDpi xmlns:a14="http://schemas.microsoft.com/office/drawing/2010/main" val="0"/>
-              </a:ext>
-            </a:extLst>
-          </a:blip>
-          <a:srcRect/>
-          <a:stretch>
-            <a:fillRect/>
-          </a:stretch>
-        </p:blipFill>
-        <p:spPr bwMode="auto">
-          <a:xfrm>
-            <a:off x="1983228" y="2839183"/>
-            <a:ext cx="5864533" cy="3253611"/>
-          </a:xfrm>
-          <a:prstGeom prst="rect">
-            <a:avLst/>
-          </a:prstGeom>
-          <a:noFill/>
-          <a:ln>
-            <a:noFill/>
-          </a:ln>
-          <a:extLst>
-            <a:ext uri="{909E8E84-426E-40DD-AFC4-6F175D3DCCD1}">
-              <a14:hiddenFill xmlns:a14="http://schemas.microsoft.com/office/drawing/2010/main">
-                <a:solidFill>
-                  <a:schemeClr val="accent1"/>
-                </a:solidFill>
-              </a14:hiddenFill>
-            </a:ext>
-            <a:ext uri="{91240B29-F687-4F45-9708-019B960494DF}">
-              <a14:hiddenLine xmlns:a14="http://schemas.microsoft.com/office/drawing/2010/main" w="9525">
-                <a:solidFill>
-                  <a:schemeClr val="tx1"/>
-                </a:solidFill>
-                <a:miter lim="800000"/>
-                <a:headEnd/>
-                <a:tailEnd/>
-              </a14:hiddenLine>
-            </a:ext>
-          </a:extLst>
-        </p:spPr>
-      </p:pic>
-      <p:pic>
-        <p:nvPicPr>
-          <p:cNvPr id="1028" name="Picture 4"/>
-          <p:cNvPicPr>
-            <a:picLocks noChangeAspect="1" noChangeArrowheads="1"/>
-          </p:cNvPicPr>
-          <p:nvPr/>
-        </p:nvPicPr>
-        <p:blipFill>
-          <a:blip r:embed="rId5">
-            <a:extLst>
-              <a:ext uri="{28A0092B-C50C-407E-A947-70E740481C1C}">
-                <a14:useLocalDpi xmlns:a14="http://schemas.microsoft.com/office/drawing/2010/main" val="0"/>
-              </a:ext>
-            </a:extLst>
-          </a:blip>
-          <a:srcRect/>
-          <a:stretch>
-            <a:fillRect/>
-          </a:stretch>
-        </p:blipFill>
-        <p:spPr bwMode="auto">
-          <a:xfrm>
-            <a:off x="797526" y="3280670"/>
-            <a:ext cx="7853747" cy="2540392"/>
+            <a:off x="1231032" y="2564904"/>
+            <a:ext cx="6986736" cy="3530363"/>
           </a:xfrm>
           <a:prstGeom prst="rect">
             <a:avLst/>
@@ -17194,7 +19684,7 @@
     </p:spTree>
     <p:extLst>
       <p:ext uri="{BB962C8B-B14F-4D97-AF65-F5344CB8AC3E}">
-        <p14:creationId xmlns:p14="http://schemas.microsoft.com/office/powerpoint/2010/main" val="4283423562"/>
+        <p14:creationId xmlns:p14="http://schemas.microsoft.com/office/powerpoint/2010/main" val="638025720"/>
       </p:ext>
     </p:extLst>
   </p:cSld>
@@ -17216,1749 +19706,9 @@
   <p:timing>
     <p:tnLst>
       <p:par>
-        <p:cTn id="1" dur="indefinite" restart="never" nodeType="tmRoot">
-          <p:childTnLst>
-            <p:seq concurrent="1" nextAc="seek">
-              <p:cTn id="2" dur="indefinite" nodeType="mainSeq">
-                <p:childTnLst>
-                  <p:par>
-                    <p:cTn id="3" fill="hold">
-                      <p:stCondLst>
-                        <p:cond delay="indefinite"/>
-                      </p:stCondLst>
-                      <p:childTnLst>
-                        <p:par>
-                          <p:cTn id="4" fill="hold">
-                            <p:stCondLst>
-                              <p:cond delay="0"/>
-                            </p:stCondLst>
-                            <p:childTnLst>
-                              <p:par>
-                                <p:cTn id="5" presetID="1" presetClass="entr" presetSubtype="0" fill="hold" grpId="0" nodeType="clickEffect">
-                                  <p:stCondLst>
-                                    <p:cond delay="0"/>
-                                  </p:stCondLst>
-                                  <p:childTnLst>
-                                    <p:set>
-                                      <p:cBhvr>
-                                        <p:cTn id="6" dur="1" fill="hold">
-                                          <p:stCondLst>
-                                            <p:cond delay="0"/>
-                                          </p:stCondLst>
-                                        </p:cTn>
-                                        <p:tgtEl>
-                                          <p:spTgt spid="3">
-                                            <p:txEl>
-                                              <p:pRg st="0" end="0"/>
-                                            </p:txEl>
-                                          </p:spTgt>
-                                        </p:tgtEl>
-                                        <p:attrNameLst>
-                                          <p:attrName>style.visibility</p:attrName>
-                                        </p:attrNameLst>
-                                      </p:cBhvr>
-                                      <p:to>
-                                        <p:strVal val="visible"/>
-                                      </p:to>
-                                    </p:set>
-                                  </p:childTnLst>
-                                </p:cTn>
-                              </p:par>
-                            </p:childTnLst>
-                          </p:cTn>
-                        </p:par>
-                      </p:childTnLst>
-                    </p:cTn>
-                  </p:par>
-                  <p:par>
-                    <p:cTn id="7" fill="hold">
-                      <p:stCondLst>
-                        <p:cond delay="indefinite"/>
-                      </p:stCondLst>
-                      <p:childTnLst>
-                        <p:par>
-                          <p:cTn id="8" fill="hold">
-                            <p:stCondLst>
-                              <p:cond delay="0"/>
-                            </p:stCondLst>
-                            <p:childTnLst>
-                              <p:par>
-                                <p:cTn id="9" presetID="1" presetClass="exit" presetSubtype="0" fill="hold" grpId="1" nodeType="clickEffect">
-                                  <p:stCondLst>
-                                    <p:cond delay="0"/>
-                                  </p:stCondLst>
-                                  <p:childTnLst>
-                                    <p:set>
-                                      <p:cBhvr>
-                                        <p:cTn id="10" dur="1" fill="hold">
-                                          <p:stCondLst>
-                                            <p:cond delay="0"/>
-                                          </p:stCondLst>
-                                        </p:cTn>
-                                        <p:tgtEl>
-                                          <p:spTgt spid="3">
-                                            <p:txEl>
-                                              <p:pRg st="0" end="0"/>
-                                            </p:txEl>
-                                          </p:spTgt>
-                                        </p:tgtEl>
-                                        <p:attrNameLst>
-                                          <p:attrName>style.visibility</p:attrName>
-                                        </p:attrNameLst>
-                                      </p:cBhvr>
-                                      <p:to>
-                                        <p:strVal val="hidden"/>
-                                      </p:to>
-                                    </p:set>
-                                  </p:childTnLst>
-                                </p:cTn>
-                              </p:par>
-                              <p:par>
-                                <p:cTn id="11" presetID="1" presetClass="entr" presetSubtype="0" fill="hold" nodeType="withEffect">
-                                  <p:stCondLst>
-                                    <p:cond delay="0"/>
-                                  </p:stCondLst>
-                                  <p:childTnLst>
-                                    <p:set>
-                                      <p:cBhvr>
-                                        <p:cTn id="12" dur="1" fill="hold">
-                                          <p:stCondLst>
-                                            <p:cond delay="0"/>
-                                          </p:stCondLst>
-                                        </p:cTn>
-                                        <p:tgtEl>
-                                          <p:spTgt spid="1026"/>
-                                        </p:tgtEl>
-                                        <p:attrNameLst>
-                                          <p:attrName>style.visibility</p:attrName>
-                                        </p:attrNameLst>
-                                      </p:cBhvr>
-                                      <p:to>
-                                        <p:strVal val="visible"/>
-                                      </p:to>
-                                    </p:set>
-                                  </p:childTnLst>
-                                </p:cTn>
-                              </p:par>
-                            </p:childTnLst>
-                          </p:cTn>
-                        </p:par>
-                      </p:childTnLst>
-                    </p:cTn>
-                  </p:par>
-                  <p:par>
-                    <p:cTn id="13" fill="hold">
-                      <p:stCondLst>
-                        <p:cond delay="indefinite"/>
-                      </p:stCondLst>
-                      <p:childTnLst>
-                        <p:par>
-                          <p:cTn id="14" fill="hold">
-                            <p:stCondLst>
-                              <p:cond delay="0"/>
-                            </p:stCondLst>
-                            <p:childTnLst>
-                              <p:par>
-                                <p:cTn id="15" presetID="1" presetClass="exit" presetSubtype="0" fill="hold" nodeType="clickEffect">
-                                  <p:stCondLst>
-                                    <p:cond delay="0"/>
-                                  </p:stCondLst>
-                                  <p:childTnLst>
-                                    <p:set>
-                                      <p:cBhvr>
-                                        <p:cTn id="16" dur="1" fill="hold">
-                                          <p:stCondLst>
-                                            <p:cond delay="0"/>
-                                          </p:stCondLst>
-                                        </p:cTn>
-                                        <p:tgtEl>
-                                          <p:spTgt spid="1026"/>
-                                        </p:tgtEl>
-                                        <p:attrNameLst>
-                                          <p:attrName>style.visibility</p:attrName>
-                                        </p:attrNameLst>
-                                      </p:cBhvr>
-                                      <p:to>
-                                        <p:strVal val="hidden"/>
-                                      </p:to>
-                                    </p:set>
-                                  </p:childTnLst>
-                                </p:cTn>
-                              </p:par>
-                              <p:par>
-                                <p:cTn id="17" presetID="1" presetClass="entr" presetSubtype="0" fill="hold" grpId="0" nodeType="withEffect">
-                                  <p:stCondLst>
-                                    <p:cond delay="0"/>
-                                  </p:stCondLst>
-                                  <p:childTnLst>
-                                    <p:set>
-                                      <p:cBhvr>
-                                        <p:cTn id="18" dur="1" fill="hold">
-                                          <p:stCondLst>
-                                            <p:cond delay="0"/>
-                                          </p:stCondLst>
-                                        </p:cTn>
-                                        <p:tgtEl>
-                                          <p:spTgt spid="5"/>
-                                        </p:tgtEl>
-                                        <p:attrNameLst>
-                                          <p:attrName>style.visibility</p:attrName>
-                                        </p:attrNameLst>
-                                      </p:cBhvr>
-                                      <p:to>
-                                        <p:strVal val="visible"/>
-                                      </p:to>
-                                    </p:set>
-                                  </p:childTnLst>
-                                </p:cTn>
-                              </p:par>
-                            </p:childTnLst>
-                          </p:cTn>
-                        </p:par>
-                      </p:childTnLst>
-                    </p:cTn>
-                  </p:par>
-                  <p:par>
-                    <p:cTn id="19" fill="hold">
-                      <p:stCondLst>
-                        <p:cond delay="indefinite"/>
-                      </p:stCondLst>
-                      <p:childTnLst>
-                        <p:par>
-                          <p:cTn id="20" fill="hold">
-                            <p:stCondLst>
-                              <p:cond delay="0"/>
-                            </p:stCondLst>
-                            <p:childTnLst>
-                              <p:par>
-                                <p:cTn id="21" presetID="1" presetClass="exit" presetSubtype="0" fill="hold" grpId="1" nodeType="clickEffect">
-                                  <p:stCondLst>
-                                    <p:cond delay="0"/>
-                                  </p:stCondLst>
-                                  <p:childTnLst>
-                                    <p:set>
-                                      <p:cBhvr>
-                                        <p:cTn id="22" dur="1" fill="hold">
-                                          <p:stCondLst>
-                                            <p:cond delay="0"/>
-                                          </p:stCondLst>
-                                        </p:cTn>
-                                        <p:tgtEl>
-                                          <p:spTgt spid="5"/>
-                                        </p:tgtEl>
-                                        <p:attrNameLst>
-                                          <p:attrName>style.visibility</p:attrName>
-                                        </p:attrNameLst>
-                                      </p:cBhvr>
-                                      <p:to>
-                                        <p:strVal val="hidden"/>
-                                      </p:to>
-                                    </p:set>
-                                  </p:childTnLst>
-                                </p:cTn>
-                              </p:par>
-                              <p:par>
-                                <p:cTn id="23" presetID="1" presetClass="entr" presetSubtype="0" fill="hold" nodeType="withEffect">
-                                  <p:stCondLst>
-                                    <p:cond delay="0"/>
-                                  </p:stCondLst>
-                                  <p:childTnLst>
-                                    <p:set>
-                                      <p:cBhvr>
-                                        <p:cTn id="24" dur="1" fill="hold">
-                                          <p:stCondLst>
-                                            <p:cond delay="0"/>
-                                          </p:stCondLst>
-                                        </p:cTn>
-                                        <p:tgtEl>
-                                          <p:spTgt spid="1027"/>
-                                        </p:tgtEl>
-                                        <p:attrNameLst>
-                                          <p:attrName>style.visibility</p:attrName>
-                                        </p:attrNameLst>
-                                      </p:cBhvr>
-                                      <p:to>
-                                        <p:strVal val="visible"/>
-                                      </p:to>
-                                    </p:set>
-                                  </p:childTnLst>
-                                </p:cTn>
-                              </p:par>
-                            </p:childTnLst>
-                          </p:cTn>
-                        </p:par>
-                      </p:childTnLst>
-                    </p:cTn>
-                  </p:par>
-                  <p:par>
-                    <p:cTn id="25" fill="hold">
-                      <p:stCondLst>
-                        <p:cond delay="indefinite"/>
-                      </p:stCondLst>
-                      <p:childTnLst>
-                        <p:par>
-                          <p:cTn id="26" fill="hold">
-                            <p:stCondLst>
-                              <p:cond delay="0"/>
-                            </p:stCondLst>
-                            <p:childTnLst>
-                              <p:par>
-                                <p:cTn id="27" presetID="1" presetClass="exit" presetSubtype="0" fill="hold" nodeType="clickEffect">
-                                  <p:stCondLst>
-                                    <p:cond delay="0"/>
-                                  </p:stCondLst>
-                                  <p:childTnLst>
-                                    <p:set>
-                                      <p:cBhvr>
-                                        <p:cTn id="28" dur="1" fill="hold">
-                                          <p:stCondLst>
-                                            <p:cond delay="0"/>
-                                          </p:stCondLst>
-                                        </p:cTn>
-                                        <p:tgtEl>
-                                          <p:spTgt spid="1027"/>
-                                        </p:tgtEl>
-                                        <p:attrNameLst>
-                                          <p:attrName>style.visibility</p:attrName>
-                                        </p:attrNameLst>
-                                      </p:cBhvr>
-                                      <p:to>
-                                        <p:strVal val="hidden"/>
-                                      </p:to>
-                                    </p:set>
-                                  </p:childTnLst>
-                                </p:cTn>
-                              </p:par>
-                              <p:par>
-                                <p:cTn id="29" presetID="1" presetClass="entr" presetSubtype="0" fill="hold" grpId="0" nodeType="withEffect">
-                                  <p:stCondLst>
-                                    <p:cond delay="0"/>
-                                  </p:stCondLst>
-                                  <p:childTnLst>
-                                    <p:set>
-                                      <p:cBhvr>
-                                        <p:cTn id="30" dur="1" fill="hold">
-                                          <p:stCondLst>
-                                            <p:cond delay="0"/>
-                                          </p:stCondLst>
-                                        </p:cTn>
-                                        <p:tgtEl>
-                                          <p:spTgt spid="6"/>
-                                        </p:tgtEl>
-                                        <p:attrNameLst>
-                                          <p:attrName>style.visibility</p:attrName>
-                                        </p:attrNameLst>
-                                      </p:cBhvr>
-                                      <p:to>
-                                        <p:strVal val="visible"/>
-                                      </p:to>
-                                    </p:set>
-                                  </p:childTnLst>
-                                </p:cTn>
-                              </p:par>
-                            </p:childTnLst>
-                          </p:cTn>
-                        </p:par>
-                      </p:childTnLst>
-                    </p:cTn>
-                  </p:par>
-                  <p:par>
-                    <p:cTn id="31" fill="hold">
-                      <p:stCondLst>
-                        <p:cond delay="indefinite"/>
-                      </p:stCondLst>
-                      <p:childTnLst>
-                        <p:par>
-                          <p:cTn id="32" fill="hold">
-                            <p:stCondLst>
-                              <p:cond delay="0"/>
-                            </p:stCondLst>
-                            <p:childTnLst>
-                              <p:par>
-                                <p:cTn id="33" presetID="1" presetClass="entr" presetSubtype="0" fill="hold" nodeType="clickEffect">
-                                  <p:stCondLst>
-                                    <p:cond delay="0"/>
-                                  </p:stCondLst>
-                                  <p:childTnLst>
-                                    <p:set>
-                                      <p:cBhvr>
-                                        <p:cTn id="34" dur="1" fill="hold">
-                                          <p:stCondLst>
-                                            <p:cond delay="0"/>
-                                          </p:stCondLst>
-                                        </p:cTn>
-                                        <p:tgtEl>
-                                          <p:spTgt spid="1028"/>
-                                        </p:tgtEl>
-                                        <p:attrNameLst>
-                                          <p:attrName>style.visibility</p:attrName>
-                                        </p:attrNameLst>
-                                      </p:cBhvr>
-                                      <p:to>
-                                        <p:strVal val="visible"/>
-                                      </p:to>
-                                    </p:set>
-                                  </p:childTnLst>
-                                </p:cTn>
-                              </p:par>
-                            </p:childTnLst>
-                          </p:cTn>
-                        </p:par>
-                      </p:childTnLst>
-                    </p:cTn>
-                  </p:par>
-                </p:childTnLst>
-              </p:cTn>
-              <p:prevCondLst>
-                <p:cond evt="onPrev" delay="0">
-                  <p:tgtEl>
-                    <p:sldTgt/>
-                  </p:tgtEl>
-                </p:cond>
-              </p:prevCondLst>
-              <p:nextCondLst>
-                <p:cond evt="onNext" delay="0">
-                  <p:tgtEl>
-                    <p:sldTgt/>
-                  </p:tgtEl>
-                </p:cond>
-              </p:nextCondLst>
-            </p:seq>
-          </p:childTnLst>
-        </p:cTn>
+        <p:cTn id="1" dur="indefinite" restart="never" nodeType="tmRoot"/>
       </p:par>
     </p:tnLst>
-    <p:bldLst>
-      <p:bldP spid="3" grpId="0" build="p"/>
-      <p:bldP spid="3" grpId="1" build="p"/>
-      <p:bldP spid="5" grpId="0"/>
-      <p:bldP spid="5" grpId="1"/>
-      <p:bldP spid="6" grpId="0"/>
-    </p:bldLst>
-  </p:timing>
-</p:sld>
-</file>
-
-<file path=ppt/slides/slide4.xml><?xml version="1.0" encoding="utf-8"?>
-<p:sld xmlns:a="http://schemas.openxmlformats.org/drawingml/2006/main" xmlns:r="http://schemas.openxmlformats.org/officeDocument/2006/relationships" xmlns:p="http://schemas.openxmlformats.org/presentationml/2006/main">
-  <p:cSld>
-    <p:spTree>
-      <p:nvGrpSpPr>
-        <p:cNvPr id="1" name=""/>
-        <p:cNvGrpSpPr/>
-        <p:nvPr/>
-      </p:nvGrpSpPr>
-      <p:grpSpPr>
-        <a:xfrm>
-          <a:off x="0" y="0"/>
-          <a:ext cx="0" cy="0"/>
-          <a:chOff x="0" y="0"/>
-          <a:chExt cx="0" cy="0"/>
-        </a:xfrm>
-      </p:grpSpPr>
-      <p:sp>
-        <p:nvSpPr>
-          <p:cNvPr id="5" name="Cím 1"/>
-          <p:cNvSpPr txBox="1">
-            <a:spLocks/>
-          </p:cNvSpPr>
-          <p:nvPr/>
-        </p:nvSpPr>
-        <p:spPr>
-          <a:xfrm>
-            <a:off x="609600" y="490728"/>
-            <a:ext cx="8229600" cy="1252728"/>
-          </a:xfrm>
-          <a:prstGeom prst="rect">
-            <a:avLst/>
-          </a:prstGeom>
-        </p:spPr>
-        <p:txBody>
-          <a:bodyPr vert="horz" lIns="91440" tIns="45720" rIns="91440" bIns="45720" rtlCol="0" anchor="ctr">
-            <a:normAutofit fontScale="90000" lnSpcReduction="10000"/>
-          </a:bodyPr>
-          <a:lstStyle>
-            <a:lvl1pPr algn="ctr" defTabSz="914400" rtl="0" eaLnBrk="1" latinLnBrk="0" hangingPunct="1">
-              <a:spcBef>
-                <a:spcPct val="0"/>
-              </a:spcBef>
-              <a:buNone/>
-              <a:defRPr sz="4400" kern="1200">
-                <a:solidFill>
-                  <a:srgbClr val="FFFFFF"/>
-                </a:solidFill>
-                <a:latin typeface="+mj-lt"/>
-                <a:ea typeface="+mj-ea"/>
-                <a:cs typeface="+mj-cs"/>
-              </a:defRPr>
-            </a:lvl1pPr>
-            <a:lvl2pPr eaLnBrk="1" hangingPunct="1">
-              <a:defRPr>
-                <a:solidFill>
-                  <a:schemeClr val="tx2"/>
-                </a:solidFill>
-              </a:defRPr>
-            </a:lvl2pPr>
-            <a:lvl3pPr eaLnBrk="1" hangingPunct="1">
-              <a:defRPr>
-                <a:solidFill>
-                  <a:schemeClr val="tx2"/>
-                </a:solidFill>
-              </a:defRPr>
-            </a:lvl3pPr>
-            <a:lvl4pPr eaLnBrk="1" hangingPunct="1">
-              <a:defRPr>
-                <a:solidFill>
-                  <a:schemeClr val="tx2"/>
-                </a:solidFill>
-              </a:defRPr>
-            </a:lvl4pPr>
-            <a:lvl5pPr eaLnBrk="1" hangingPunct="1">
-              <a:defRPr>
-                <a:solidFill>
-                  <a:schemeClr val="tx2"/>
-                </a:solidFill>
-              </a:defRPr>
-            </a:lvl5pPr>
-            <a:lvl6pPr eaLnBrk="1" hangingPunct="1">
-              <a:defRPr>
-                <a:solidFill>
-                  <a:schemeClr val="tx2"/>
-                </a:solidFill>
-              </a:defRPr>
-            </a:lvl6pPr>
-            <a:lvl7pPr eaLnBrk="1" hangingPunct="1">
-              <a:defRPr>
-                <a:solidFill>
-                  <a:schemeClr val="tx2"/>
-                </a:solidFill>
-              </a:defRPr>
-            </a:lvl7pPr>
-            <a:lvl8pPr eaLnBrk="1" hangingPunct="1">
-              <a:defRPr>
-                <a:solidFill>
-                  <a:schemeClr val="tx2"/>
-                </a:solidFill>
-              </a:defRPr>
-            </a:lvl8pPr>
-            <a:lvl9pPr eaLnBrk="1" hangingPunct="1">
-              <a:defRPr>
-                <a:solidFill>
-                  <a:schemeClr val="tx2"/>
-                </a:solidFill>
-              </a:defRPr>
-            </a:lvl9pPr>
-          </a:lstStyle>
-          <a:p>
-            <a:r>
-              <a:rPr lang="hu-HU" b="1" dirty="0" smtClean="0"/>
-              <a:t>CLI </a:t>
-            </a:r>
-            <a:r>
-              <a:rPr lang="hu-HU" b="1" dirty="0" err="1" smtClean="0"/>
-              <a:t>Calculator</a:t>
-            </a:r>
-            <a:r>
-              <a:rPr lang="hu-HU" b="1" dirty="0" smtClean="0"/>
-              <a:t/>
-            </a:r>
-            <a:br>
-              <a:rPr lang="hu-HU" b="1" dirty="0" smtClean="0"/>
-            </a:br>
-            <a:r>
-              <a:rPr lang="hu-HU" i="1" dirty="0" err="1" smtClean="0"/>
-              <a:t>Challenges</a:t>
-            </a:r>
-            <a:endParaRPr lang="hu-HU" i="1" dirty="0"/>
-          </a:p>
-        </p:txBody>
-      </p:sp>
-      <p:sp>
-        <p:nvSpPr>
-          <p:cNvPr id="6" name="Tartalom helye 2"/>
-          <p:cNvSpPr>
-            <a:spLocks noGrp="1"/>
-          </p:cNvSpPr>
-          <p:nvPr>
-            <p:ph sz="quarter" idx="13"/>
-          </p:nvPr>
-        </p:nvSpPr>
-        <p:spPr>
-          <a:xfrm>
-            <a:off x="1475656" y="2700829"/>
-            <a:ext cx="4294273" cy="893824"/>
-          </a:xfrm>
-        </p:spPr>
-        <p:txBody>
-          <a:bodyPr>
-            <a:normAutofit/>
-          </a:bodyPr>
-          <a:lstStyle/>
-          <a:p>
-            <a:pPr marL="0" indent="0">
-              <a:buNone/>
-            </a:pPr>
-            <a:r>
-              <a:rPr lang="hu-HU" sz="2800" dirty="0" err="1" smtClean="0"/>
-              <a:t>Exceptions</a:t>
-            </a:r>
-            <a:endParaRPr lang="hu-HU" sz="2800" dirty="0" smtClean="0"/>
-          </a:p>
-          <a:p>
-            <a:pPr lvl="2"/>
-            <a:endParaRPr lang="hu-HU" dirty="0"/>
-          </a:p>
-          <a:p>
-            <a:endParaRPr lang="hu-HU" dirty="0"/>
-          </a:p>
-        </p:txBody>
-      </p:sp>
-      <p:sp>
-        <p:nvSpPr>
-          <p:cNvPr id="7" name="Tartalom helye 2"/>
-          <p:cNvSpPr txBox="1">
-            <a:spLocks/>
-          </p:cNvSpPr>
-          <p:nvPr/>
-        </p:nvSpPr>
-        <p:spPr>
-          <a:xfrm>
-            <a:off x="1475656" y="3996973"/>
-            <a:ext cx="4287360" cy="722806"/>
-          </a:xfrm>
-          <a:prstGeom prst="rect">
-            <a:avLst/>
-          </a:prstGeom>
-        </p:spPr>
-        <p:txBody>
-          <a:bodyPr vert="horz" lIns="91440" tIns="45720" rIns="91440" bIns="45720" rtlCol="0">
-            <a:normAutofit/>
-          </a:bodyPr>
-          <a:lstStyle>
-            <a:lvl1pPr marL="274320" indent="-274320" algn="l" defTabSz="914400" rtl="0" eaLnBrk="1" latinLnBrk="0" hangingPunct="1">
-              <a:spcBef>
-                <a:spcPct val="20000"/>
-              </a:spcBef>
-              <a:buClr>
-                <a:schemeClr val="accent1"/>
-              </a:buClr>
-              <a:buSzPct val="100000"/>
-              <a:buFont typeface="Symbol" pitchFamily="18" charset="2"/>
-              <a:buChar char=""/>
-              <a:defRPr sz="2400" kern="1200">
-                <a:solidFill>
-                  <a:schemeClr val="tx2"/>
-                </a:solidFill>
-                <a:latin typeface="+mn-lt"/>
-                <a:ea typeface="+mn-ea"/>
-                <a:cs typeface="+mn-cs"/>
-              </a:defRPr>
-            </a:lvl1pPr>
-            <a:lvl2pPr marL="576263" indent="-274320" algn="l" defTabSz="914400" rtl="0" eaLnBrk="1" latinLnBrk="0" hangingPunct="1">
-              <a:spcBef>
-                <a:spcPct val="20000"/>
-              </a:spcBef>
-              <a:buClr>
-                <a:schemeClr val="accent1"/>
-              </a:buClr>
-              <a:buSzPct val="100000"/>
-              <a:buFont typeface="Symbol" pitchFamily="18" charset="2"/>
-              <a:buChar char=""/>
-              <a:defRPr sz="2200" kern="1200">
-                <a:solidFill>
-                  <a:schemeClr val="tx2"/>
-                </a:solidFill>
-                <a:latin typeface="+mn-lt"/>
-                <a:ea typeface="+mn-ea"/>
-                <a:cs typeface="+mn-cs"/>
-              </a:defRPr>
-            </a:lvl2pPr>
-            <a:lvl3pPr marL="855663" indent="-228600" algn="l" defTabSz="914400" rtl="0" eaLnBrk="1" latinLnBrk="0" hangingPunct="1">
-              <a:spcBef>
-                <a:spcPct val="20000"/>
-              </a:spcBef>
-              <a:buClr>
-                <a:schemeClr val="accent1"/>
-              </a:buClr>
-              <a:buSzPct val="100000"/>
-              <a:buFont typeface="Symbol" pitchFamily="18" charset="2"/>
-              <a:buChar char=""/>
-              <a:defRPr sz="2000" kern="1200">
-                <a:solidFill>
-                  <a:schemeClr val="tx2"/>
-                </a:solidFill>
-                <a:latin typeface="+mn-lt"/>
-                <a:ea typeface="+mn-ea"/>
-                <a:cs typeface="+mn-cs"/>
-              </a:defRPr>
-            </a:lvl3pPr>
-            <a:lvl4pPr marL="1143000" indent="-228600" algn="l" defTabSz="914400" rtl="0" eaLnBrk="1" latinLnBrk="0" hangingPunct="1">
-              <a:spcBef>
-                <a:spcPct val="20000"/>
-              </a:spcBef>
-              <a:buClr>
-                <a:schemeClr val="accent1"/>
-              </a:buClr>
-              <a:buSzPct val="100000"/>
-              <a:buFont typeface="Symbol" pitchFamily="18" charset="2"/>
-              <a:buChar char=""/>
-              <a:defRPr sz="1800" kern="1200">
-                <a:solidFill>
-                  <a:schemeClr val="tx2"/>
-                </a:solidFill>
-                <a:latin typeface="+mn-lt"/>
-                <a:ea typeface="+mn-ea"/>
-                <a:cs typeface="+mn-cs"/>
-              </a:defRPr>
-            </a:lvl4pPr>
-            <a:lvl5pPr marL="1463040" indent="-228600" algn="l" defTabSz="914400" rtl="0" eaLnBrk="1" latinLnBrk="0" hangingPunct="1">
-              <a:spcBef>
-                <a:spcPct val="20000"/>
-              </a:spcBef>
-              <a:buClr>
-                <a:schemeClr val="accent1"/>
-              </a:buClr>
-              <a:buSzPct val="100000"/>
-              <a:buFont typeface="Symbol" pitchFamily="18" charset="2"/>
-              <a:buChar char=""/>
-              <a:defRPr sz="1600" kern="1200">
-                <a:solidFill>
-                  <a:schemeClr val="tx2"/>
-                </a:solidFill>
-                <a:latin typeface="+mn-lt"/>
-                <a:ea typeface="+mn-ea"/>
-                <a:cs typeface="+mn-cs"/>
-              </a:defRPr>
-            </a:lvl5pPr>
-            <a:lvl6pPr marL="1783080" indent="-228600" algn="l" defTabSz="914400" rtl="0" eaLnBrk="1" latinLnBrk="0" hangingPunct="1">
-              <a:spcBef>
-                <a:spcPts val="384"/>
-              </a:spcBef>
-              <a:buClr>
-                <a:schemeClr val="accent1"/>
-              </a:buClr>
-              <a:buFont typeface="Symbol" pitchFamily="18" charset="2"/>
-              <a:buChar char="*"/>
-              <a:defRPr sz="1400" kern="1200">
-                <a:solidFill>
-                  <a:schemeClr val="tx2"/>
-                </a:solidFill>
-                <a:latin typeface="+mn-lt"/>
-                <a:ea typeface="+mn-ea"/>
-                <a:cs typeface="+mn-cs"/>
-              </a:defRPr>
-            </a:lvl6pPr>
-            <a:lvl7pPr marL="2103120" indent="-228600" algn="l" defTabSz="914400" rtl="0" eaLnBrk="1" latinLnBrk="0" hangingPunct="1">
-              <a:spcBef>
-                <a:spcPts val="384"/>
-              </a:spcBef>
-              <a:buClr>
-                <a:schemeClr val="accent1"/>
-              </a:buClr>
-              <a:buFont typeface="Symbol" pitchFamily="18" charset="2"/>
-              <a:buChar char="*"/>
-              <a:defRPr sz="1400" kern="1200">
-                <a:solidFill>
-                  <a:schemeClr val="tx2"/>
-                </a:solidFill>
-                <a:latin typeface="+mn-lt"/>
-                <a:ea typeface="+mn-ea"/>
-                <a:cs typeface="+mn-cs"/>
-              </a:defRPr>
-            </a:lvl7pPr>
-            <a:lvl8pPr marL="2423160" indent="-228600" algn="l" defTabSz="914400" rtl="0" eaLnBrk="1" latinLnBrk="0" hangingPunct="1">
-              <a:spcBef>
-                <a:spcPts val="384"/>
-              </a:spcBef>
-              <a:buClr>
-                <a:schemeClr val="accent1"/>
-              </a:buClr>
-              <a:buFont typeface="Symbol" pitchFamily="18" charset="2"/>
-              <a:buChar char="*"/>
-              <a:defRPr sz="1400" kern="1200">
-                <a:solidFill>
-                  <a:schemeClr val="tx2"/>
-                </a:solidFill>
-                <a:latin typeface="+mn-lt"/>
-                <a:ea typeface="+mn-ea"/>
-                <a:cs typeface="+mn-cs"/>
-              </a:defRPr>
-            </a:lvl8pPr>
-            <a:lvl9pPr marL="2743200" indent="-228600" algn="l" defTabSz="914400" rtl="0" eaLnBrk="1" latinLnBrk="0" hangingPunct="1">
-              <a:spcBef>
-                <a:spcPts val="384"/>
-              </a:spcBef>
-              <a:buClr>
-                <a:schemeClr val="accent1"/>
-              </a:buClr>
-              <a:buFont typeface="Symbol" pitchFamily="18" charset="2"/>
-              <a:buChar char="*"/>
-              <a:defRPr sz="1400" kern="1200">
-                <a:solidFill>
-                  <a:schemeClr val="tx2"/>
-                </a:solidFill>
-                <a:latin typeface="+mn-lt"/>
-                <a:ea typeface="+mn-ea"/>
-                <a:cs typeface="+mn-cs"/>
-              </a:defRPr>
-            </a:lvl9pPr>
-          </a:lstStyle>
-          <a:p>
-            <a:pPr marL="0" indent="0">
-              <a:buNone/>
-            </a:pPr>
-            <a:r>
-              <a:rPr lang="hu-HU" sz="2800" dirty="0" err="1" smtClean="0"/>
-              <a:t>Commands</a:t>
-            </a:r>
-            <a:endParaRPr lang="hu-HU" sz="2800" dirty="0" smtClean="0"/>
-          </a:p>
-          <a:p>
-            <a:endParaRPr lang="hu-HU" dirty="0"/>
-          </a:p>
-        </p:txBody>
-      </p:sp>
-      <p:sp>
-        <p:nvSpPr>
-          <p:cNvPr id="8" name="Tartalom helye 2"/>
-          <p:cNvSpPr txBox="1">
-            <a:spLocks/>
-          </p:cNvSpPr>
-          <p:nvPr/>
-        </p:nvSpPr>
-        <p:spPr>
-          <a:xfrm>
-            <a:off x="1475656" y="5293117"/>
-            <a:ext cx="3822192" cy="864096"/>
-          </a:xfrm>
-          <a:prstGeom prst="rect">
-            <a:avLst/>
-          </a:prstGeom>
-        </p:spPr>
-        <p:txBody>
-          <a:bodyPr vert="horz" lIns="91440" tIns="45720" rIns="91440" bIns="45720" rtlCol="0">
-            <a:normAutofit/>
-          </a:bodyPr>
-          <a:lstStyle>
-            <a:lvl1pPr marL="274320" indent="-274320" algn="l" defTabSz="914400" rtl="0" eaLnBrk="1" latinLnBrk="0" hangingPunct="1">
-              <a:spcBef>
-                <a:spcPct val="20000"/>
-              </a:spcBef>
-              <a:buClr>
-                <a:schemeClr val="accent1"/>
-              </a:buClr>
-              <a:buSzPct val="100000"/>
-              <a:buFont typeface="Symbol" pitchFamily="18" charset="2"/>
-              <a:buChar char=""/>
-              <a:defRPr sz="2400" kern="1200">
-                <a:solidFill>
-                  <a:schemeClr val="tx2"/>
-                </a:solidFill>
-                <a:latin typeface="+mn-lt"/>
-                <a:ea typeface="+mn-ea"/>
-                <a:cs typeface="+mn-cs"/>
-              </a:defRPr>
-            </a:lvl1pPr>
-            <a:lvl2pPr marL="576263" indent="-274320" algn="l" defTabSz="914400" rtl="0" eaLnBrk="1" latinLnBrk="0" hangingPunct="1">
-              <a:spcBef>
-                <a:spcPct val="20000"/>
-              </a:spcBef>
-              <a:buClr>
-                <a:schemeClr val="accent1"/>
-              </a:buClr>
-              <a:buSzPct val="100000"/>
-              <a:buFont typeface="Symbol" pitchFamily="18" charset="2"/>
-              <a:buChar char=""/>
-              <a:defRPr sz="2200" kern="1200">
-                <a:solidFill>
-                  <a:schemeClr val="tx2"/>
-                </a:solidFill>
-                <a:latin typeface="+mn-lt"/>
-                <a:ea typeface="+mn-ea"/>
-                <a:cs typeface="+mn-cs"/>
-              </a:defRPr>
-            </a:lvl2pPr>
-            <a:lvl3pPr marL="855663" indent="-228600" algn="l" defTabSz="914400" rtl="0" eaLnBrk="1" latinLnBrk="0" hangingPunct="1">
-              <a:spcBef>
-                <a:spcPct val="20000"/>
-              </a:spcBef>
-              <a:buClr>
-                <a:schemeClr val="accent1"/>
-              </a:buClr>
-              <a:buSzPct val="100000"/>
-              <a:buFont typeface="Symbol" pitchFamily="18" charset="2"/>
-              <a:buChar char=""/>
-              <a:defRPr sz="2000" kern="1200">
-                <a:solidFill>
-                  <a:schemeClr val="tx2"/>
-                </a:solidFill>
-                <a:latin typeface="+mn-lt"/>
-                <a:ea typeface="+mn-ea"/>
-                <a:cs typeface="+mn-cs"/>
-              </a:defRPr>
-            </a:lvl3pPr>
-            <a:lvl4pPr marL="1143000" indent="-228600" algn="l" defTabSz="914400" rtl="0" eaLnBrk="1" latinLnBrk="0" hangingPunct="1">
-              <a:spcBef>
-                <a:spcPct val="20000"/>
-              </a:spcBef>
-              <a:buClr>
-                <a:schemeClr val="accent1"/>
-              </a:buClr>
-              <a:buSzPct val="100000"/>
-              <a:buFont typeface="Symbol" pitchFamily="18" charset="2"/>
-              <a:buChar char=""/>
-              <a:defRPr sz="1800" kern="1200">
-                <a:solidFill>
-                  <a:schemeClr val="tx2"/>
-                </a:solidFill>
-                <a:latin typeface="+mn-lt"/>
-                <a:ea typeface="+mn-ea"/>
-                <a:cs typeface="+mn-cs"/>
-              </a:defRPr>
-            </a:lvl4pPr>
-            <a:lvl5pPr marL="1463040" indent="-228600" algn="l" defTabSz="914400" rtl="0" eaLnBrk="1" latinLnBrk="0" hangingPunct="1">
-              <a:spcBef>
-                <a:spcPct val="20000"/>
-              </a:spcBef>
-              <a:buClr>
-                <a:schemeClr val="accent1"/>
-              </a:buClr>
-              <a:buSzPct val="100000"/>
-              <a:buFont typeface="Symbol" pitchFamily="18" charset="2"/>
-              <a:buChar char=""/>
-              <a:defRPr sz="1600" kern="1200">
-                <a:solidFill>
-                  <a:schemeClr val="tx2"/>
-                </a:solidFill>
-                <a:latin typeface="+mn-lt"/>
-                <a:ea typeface="+mn-ea"/>
-                <a:cs typeface="+mn-cs"/>
-              </a:defRPr>
-            </a:lvl5pPr>
-            <a:lvl6pPr marL="1783080" indent="-228600" algn="l" defTabSz="914400" rtl="0" eaLnBrk="1" latinLnBrk="0" hangingPunct="1">
-              <a:spcBef>
-                <a:spcPts val="384"/>
-              </a:spcBef>
-              <a:buClr>
-                <a:schemeClr val="accent1"/>
-              </a:buClr>
-              <a:buFont typeface="Symbol" pitchFamily="18" charset="2"/>
-              <a:buChar char="*"/>
-              <a:defRPr sz="1400" kern="1200">
-                <a:solidFill>
-                  <a:schemeClr val="tx2"/>
-                </a:solidFill>
-                <a:latin typeface="+mn-lt"/>
-                <a:ea typeface="+mn-ea"/>
-                <a:cs typeface="+mn-cs"/>
-              </a:defRPr>
-            </a:lvl6pPr>
-            <a:lvl7pPr marL="2103120" indent="-228600" algn="l" defTabSz="914400" rtl="0" eaLnBrk="1" latinLnBrk="0" hangingPunct="1">
-              <a:spcBef>
-                <a:spcPts val="384"/>
-              </a:spcBef>
-              <a:buClr>
-                <a:schemeClr val="accent1"/>
-              </a:buClr>
-              <a:buFont typeface="Symbol" pitchFamily="18" charset="2"/>
-              <a:buChar char="*"/>
-              <a:defRPr sz="1400" kern="1200">
-                <a:solidFill>
-                  <a:schemeClr val="tx2"/>
-                </a:solidFill>
-                <a:latin typeface="+mn-lt"/>
-                <a:ea typeface="+mn-ea"/>
-                <a:cs typeface="+mn-cs"/>
-              </a:defRPr>
-            </a:lvl7pPr>
-            <a:lvl8pPr marL="2423160" indent="-228600" algn="l" defTabSz="914400" rtl="0" eaLnBrk="1" latinLnBrk="0" hangingPunct="1">
-              <a:spcBef>
-                <a:spcPts val="384"/>
-              </a:spcBef>
-              <a:buClr>
-                <a:schemeClr val="accent1"/>
-              </a:buClr>
-              <a:buFont typeface="Symbol" pitchFamily="18" charset="2"/>
-              <a:buChar char="*"/>
-              <a:defRPr sz="1400" kern="1200">
-                <a:solidFill>
-                  <a:schemeClr val="tx2"/>
-                </a:solidFill>
-                <a:latin typeface="+mn-lt"/>
-                <a:ea typeface="+mn-ea"/>
-                <a:cs typeface="+mn-cs"/>
-              </a:defRPr>
-            </a:lvl8pPr>
-            <a:lvl9pPr marL="2743200" indent="-228600" algn="l" defTabSz="914400" rtl="0" eaLnBrk="1" latinLnBrk="0" hangingPunct="1">
-              <a:spcBef>
-                <a:spcPts val="384"/>
-              </a:spcBef>
-              <a:buClr>
-                <a:schemeClr val="accent1"/>
-              </a:buClr>
-              <a:buFont typeface="Symbol" pitchFamily="18" charset="2"/>
-              <a:buChar char="*"/>
-              <a:defRPr sz="1400" kern="1200">
-                <a:solidFill>
-                  <a:schemeClr val="tx2"/>
-                </a:solidFill>
-                <a:latin typeface="+mn-lt"/>
-                <a:ea typeface="+mn-ea"/>
-                <a:cs typeface="+mn-cs"/>
-              </a:defRPr>
-            </a:lvl9pPr>
-          </a:lstStyle>
-          <a:p>
-            <a:pPr marL="0" indent="0">
-              <a:buNone/>
-            </a:pPr>
-            <a:r>
-              <a:rPr lang="hu-HU" sz="2800" dirty="0" smtClean="0"/>
-              <a:t>Operator </a:t>
-            </a:r>
-            <a:r>
-              <a:rPr lang="hu-HU" sz="2800" dirty="0" err="1" smtClean="0"/>
-              <a:t>order</a:t>
-            </a:r>
-            <a:endParaRPr lang="hu-HU" sz="2800" dirty="0" smtClean="0"/>
-          </a:p>
-          <a:p>
-            <a:endParaRPr lang="hu-HU" dirty="0"/>
-          </a:p>
-        </p:txBody>
-      </p:sp>
-      <p:pic>
-        <p:nvPicPr>
-          <p:cNvPr id="2052" name="Picture 4"/>
-          <p:cNvPicPr>
-            <a:picLocks noChangeAspect="1" noChangeArrowheads="1"/>
-          </p:cNvPicPr>
-          <p:nvPr/>
-        </p:nvPicPr>
-        <p:blipFill>
-          <a:blip r:embed="rId2">
-            <a:extLst>
-              <a:ext uri="{28A0092B-C50C-407E-A947-70E740481C1C}">
-                <a14:useLocalDpi xmlns:a14="http://schemas.microsoft.com/office/drawing/2010/main" val="0"/>
-              </a:ext>
-            </a:extLst>
-          </a:blip>
-          <a:srcRect/>
-          <a:stretch>
-            <a:fillRect/>
-          </a:stretch>
-        </p:blipFill>
-        <p:spPr bwMode="auto">
-          <a:xfrm>
-            <a:off x="324593" y="3300158"/>
-            <a:ext cx="8525358" cy="2116435"/>
-          </a:xfrm>
-          <a:prstGeom prst="rect">
-            <a:avLst/>
-          </a:prstGeom>
-          <a:noFill/>
-          <a:ln>
-            <a:noFill/>
-          </a:ln>
-          <a:extLst>
-            <a:ext uri="{909E8E84-426E-40DD-AFC4-6F175D3DCCD1}">
-              <a14:hiddenFill xmlns:a14="http://schemas.microsoft.com/office/drawing/2010/main">
-                <a:solidFill>
-                  <a:schemeClr val="accent1"/>
-                </a:solidFill>
-              </a14:hiddenFill>
-            </a:ext>
-            <a:ext uri="{91240B29-F687-4F45-9708-019B960494DF}">
-              <a14:hiddenLine xmlns:a14="http://schemas.microsoft.com/office/drawing/2010/main" w="9525">
-                <a:solidFill>
-                  <a:schemeClr val="tx1"/>
-                </a:solidFill>
-                <a:miter lim="800000"/>
-                <a:headEnd/>
-                <a:tailEnd/>
-              </a14:hiddenLine>
-            </a:ext>
-          </a:extLst>
-        </p:spPr>
-      </p:pic>
-      <p:pic>
-        <p:nvPicPr>
-          <p:cNvPr id="2053" name="Picture 5"/>
-          <p:cNvPicPr>
-            <a:picLocks noChangeAspect="1" noChangeArrowheads="1"/>
-          </p:cNvPicPr>
-          <p:nvPr/>
-        </p:nvPicPr>
-        <p:blipFill>
-          <a:blip r:embed="rId3">
-            <a:extLst>
-              <a:ext uri="{28A0092B-C50C-407E-A947-70E740481C1C}">
-                <a14:useLocalDpi xmlns:a14="http://schemas.microsoft.com/office/drawing/2010/main" val="0"/>
-              </a:ext>
-            </a:extLst>
-          </a:blip>
-          <a:srcRect/>
-          <a:stretch>
-            <a:fillRect/>
-          </a:stretch>
-        </p:blipFill>
-        <p:spPr bwMode="auto">
-          <a:xfrm>
-            <a:off x="251481" y="3670442"/>
-            <a:ext cx="8671581" cy="512147"/>
-          </a:xfrm>
-          <a:prstGeom prst="rect">
-            <a:avLst/>
-          </a:prstGeom>
-          <a:noFill/>
-          <a:ln>
-            <a:noFill/>
-          </a:ln>
-          <a:extLst>
-            <a:ext uri="{909E8E84-426E-40DD-AFC4-6F175D3DCCD1}">
-              <a14:hiddenFill xmlns:a14="http://schemas.microsoft.com/office/drawing/2010/main">
-                <a:solidFill>
-                  <a:schemeClr val="accent1"/>
-                </a:solidFill>
-              </a14:hiddenFill>
-            </a:ext>
-            <a:ext uri="{91240B29-F687-4F45-9708-019B960494DF}">
-              <a14:hiddenLine xmlns:a14="http://schemas.microsoft.com/office/drawing/2010/main" w="9525">
-                <a:solidFill>
-                  <a:schemeClr val="tx1"/>
-                </a:solidFill>
-                <a:miter lim="800000"/>
-                <a:headEnd/>
-                <a:tailEnd/>
-              </a14:hiddenLine>
-            </a:ext>
-          </a:extLst>
-        </p:spPr>
-      </p:pic>
-      <p:pic>
-        <p:nvPicPr>
-          <p:cNvPr id="2055" name="Picture 7"/>
-          <p:cNvPicPr>
-            <a:picLocks noChangeAspect="1" noChangeArrowheads="1"/>
-          </p:cNvPicPr>
-          <p:nvPr/>
-        </p:nvPicPr>
-        <p:blipFill>
-          <a:blip r:embed="rId4">
-            <a:extLst>
-              <a:ext uri="{28A0092B-C50C-407E-A947-70E740481C1C}">
-                <a14:useLocalDpi xmlns:a14="http://schemas.microsoft.com/office/drawing/2010/main" val="0"/>
-              </a:ext>
-            </a:extLst>
-          </a:blip>
-          <a:srcRect/>
-          <a:stretch>
-            <a:fillRect/>
-          </a:stretch>
-        </p:blipFill>
-        <p:spPr bwMode="auto">
-          <a:xfrm>
-            <a:off x="1169772" y="4014888"/>
-            <a:ext cx="7218652" cy="1828941"/>
-          </a:xfrm>
-          <a:prstGeom prst="rect">
-            <a:avLst/>
-          </a:prstGeom>
-          <a:noFill/>
-          <a:ln>
-            <a:noFill/>
-          </a:ln>
-          <a:extLst>
-            <a:ext uri="{909E8E84-426E-40DD-AFC4-6F175D3DCCD1}">
-              <a14:hiddenFill xmlns:a14="http://schemas.microsoft.com/office/drawing/2010/main">
-                <a:solidFill>
-                  <a:schemeClr val="accent1"/>
-                </a:solidFill>
-              </a14:hiddenFill>
-            </a:ext>
-            <a:ext uri="{91240B29-F687-4F45-9708-019B960494DF}">
-              <a14:hiddenLine xmlns:a14="http://schemas.microsoft.com/office/drawing/2010/main" w="9525">
-                <a:solidFill>
-                  <a:schemeClr val="tx1"/>
-                </a:solidFill>
-                <a:miter lim="800000"/>
-                <a:headEnd/>
-                <a:tailEnd/>
-              </a14:hiddenLine>
-            </a:ext>
-          </a:extLst>
-        </p:spPr>
-      </p:pic>
-      <p:pic>
-        <p:nvPicPr>
-          <p:cNvPr id="2057" name="Picture 9"/>
-          <p:cNvPicPr>
-            <a:picLocks noChangeAspect="1" noChangeArrowheads="1"/>
-          </p:cNvPicPr>
-          <p:nvPr/>
-        </p:nvPicPr>
-        <p:blipFill>
-          <a:blip r:embed="rId5">
-            <a:extLst>
-              <a:ext uri="{28A0092B-C50C-407E-A947-70E740481C1C}">
-                <a14:useLocalDpi xmlns:a14="http://schemas.microsoft.com/office/drawing/2010/main" val="0"/>
-              </a:ext>
-            </a:extLst>
-          </a:blip>
-          <a:srcRect/>
-          <a:stretch>
-            <a:fillRect/>
-          </a:stretch>
-        </p:blipFill>
-        <p:spPr bwMode="auto">
-          <a:xfrm>
-            <a:off x="1028700" y="3356992"/>
-            <a:ext cx="7391400" cy="3419475"/>
-          </a:xfrm>
-          <a:prstGeom prst="rect">
-            <a:avLst/>
-          </a:prstGeom>
-          <a:noFill/>
-          <a:ln>
-            <a:noFill/>
-          </a:ln>
-          <a:extLst>
-            <a:ext uri="{909E8E84-426E-40DD-AFC4-6F175D3DCCD1}">
-              <a14:hiddenFill xmlns:a14="http://schemas.microsoft.com/office/drawing/2010/main">
-                <a:solidFill>
-                  <a:schemeClr val="accent1"/>
-                </a:solidFill>
-              </a14:hiddenFill>
-            </a:ext>
-            <a:ext uri="{91240B29-F687-4F45-9708-019B960494DF}">
-              <a14:hiddenLine xmlns:a14="http://schemas.microsoft.com/office/drawing/2010/main" w="9525">
-                <a:solidFill>
-                  <a:schemeClr val="tx1"/>
-                </a:solidFill>
-                <a:miter lim="800000"/>
-                <a:headEnd/>
-                <a:tailEnd/>
-              </a14:hiddenLine>
-            </a:ext>
-          </a:extLst>
-        </p:spPr>
-      </p:pic>
-    </p:spTree>
-    <p:extLst>
-      <p:ext uri="{BB962C8B-B14F-4D97-AF65-F5344CB8AC3E}">
-        <p14:creationId xmlns:p14="http://schemas.microsoft.com/office/powerpoint/2010/main" val="1137518282"/>
-      </p:ext>
-    </p:extLst>
-  </p:cSld>
-  <p:clrMapOvr>
-    <a:masterClrMapping/>
-  </p:clrMapOvr>
-  <mc:AlternateContent xmlns:mc="http://schemas.openxmlformats.org/markup-compatibility/2006" xmlns:p14="http://schemas.microsoft.com/office/powerpoint/2010/main">
-    <mc:Choice Requires="p14">
-      <p:transition spd="med" p14:dur="700">
-        <p:fade/>
-      </p:transition>
-    </mc:Choice>
-    <mc:Fallback xmlns="">
-      <p:transition spd="med">
-        <p:fade/>
-      </p:transition>
-    </mc:Fallback>
-  </mc:AlternateContent>
-  <p:timing>
-    <p:tnLst>
-      <p:par>
-        <p:cTn id="1" dur="indefinite" restart="never" nodeType="tmRoot">
-          <p:childTnLst>
-            <p:seq concurrent="1" nextAc="seek">
-              <p:cTn id="2" dur="indefinite" nodeType="mainSeq">
-                <p:childTnLst>
-                  <p:par>
-                    <p:cTn id="3" fill="hold">
-                      <p:stCondLst>
-                        <p:cond delay="indefinite"/>
-                      </p:stCondLst>
-                      <p:childTnLst>
-                        <p:par>
-                          <p:cTn id="4" fill="hold">
-                            <p:stCondLst>
-                              <p:cond delay="0"/>
-                            </p:stCondLst>
-                            <p:childTnLst>
-                              <p:par>
-                                <p:cTn id="5" presetID="1" presetClass="entr" presetSubtype="0" fill="hold" grpId="0" nodeType="clickEffect">
-                                  <p:stCondLst>
-                                    <p:cond delay="0"/>
-                                  </p:stCondLst>
-                                  <p:childTnLst>
-                                    <p:set>
-                                      <p:cBhvr>
-                                        <p:cTn id="6" dur="1" fill="hold">
-                                          <p:stCondLst>
-                                            <p:cond delay="0"/>
-                                          </p:stCondLst>
-                                        </p:cTn>
-                                        <p:tgtEl>
-                                          <p:spTgt spid="6">
-                                            <p:txEl>
-                                              <p:pRg st="0" end="0"/>
-                                            </p:txEl>
-                                          </p:spTgt>
-                                        </p:tgtEl>
-                                        <p:attrNameLst>
-                                          <p:attrName>style.visibility</p:attrName>
-                                        </p:attrNameLst>
-                                      </p:cBhvr>
-                                      <p:to>
-                                        <p:strVal val="visible"/>
-                                      </p:to>
-                                    </p:set>
-                                  </p:childTnLst>
-                                </p:cTn>
-                              </p:par>
-                            </p:childTnLst>
-                          </p:cTn>
-                        </p:par>
-                      </p:childTnLst>
-                    </p:cTn>
-                  </p:par>
-                  <p:par>
-                    <p:cTn id="7" fill="hold">
-                      <p:stCondLst>
-                        <p:cond delay="indefinite"/>
-                      </p:stCondLst>
-                      <p:childTnLst>
-                        <p:par>
-                          <p:cTn id="8" fill="hold">
-                            <p:stCondLst>
-                              <p:cond delay="0"/>
-                            </p:stCondLst>
-                            <p:childTnLst>
-                              <p:par>
-                                <p:cTn id="9" presetID="1" presetClass="exit" presetSubtype="0" fill="hold" grpId="1" nodeType="clickEffect">
-                                  <p:stCondLst>
-                                    <p:cond delay="0"/>
-                                  </p:stCondLst>
-                                  <p:childTnLst>
-                                    <p:set>
-                                      <p:cBhvr>
-                                        <p:cTn id="10" dur="1" fill="hold">
-                                          <p:stCondLst>
-                                            <p:cond delay="0"/>
-                                          </p:stCondLst>
-                                        </p:cTn>
-                                        <p:tgtEl>
-                                          <p:spTgt spid="6">
-                                            <p:txEl>
-                                              <p:pRg st="0" end="0"/>
-                                            </p:txEl>
-                                          </p:spTgt>
-                                        </p:tgtEl>
-                                        <p:attrNameLst>
-                                          <p:attrName>style.visibility</p:attrName>
-                                        </p:attrNameLst>
-                                      </p:cBhvr>
-                                      <p:to>
-                                        <p:strVal val="hidden"/>
-                                      </p:to>
-                                    </p:set>
-                                  </p:childTnLst>
-                                </p:cTn>
-                              </p:par>
-                              <p:par>
-                                <p:cTn id="11" presetID="1" presetClass="entr" presetSubtype="0" fill="hold" nodeType="withEffect">
-                                  <p:stCondLst>
-                                    <p:cond delay="0"/>
-                                  </p:stCondLst>
-                                  <p:childTnLst>
-                                    <p:set>
-                                      <p:cBhvr>
-                                        <p:cTn id="12" dur="1" fill="hold">
-                                          <p:stCondLst>
-                                            <p:cond delay="0"/>
-                                          </p:stCondLst>
-                                        </p:cTn>
-                                        <p:tgtEl>
-                                          <p:spTgt spid="2052"/>
-                                        </p:tgtEl>
-                                        <p:attrNameLst>
-                                          <p:attrName>style.visibility</p:attrName>
-                                        </p:attrNameLst>
-                                      </p:cBhvr>
-                                      <p:to>
-                                        <p:strVal val="visible"/>
-                                      </p:to>
-                                    </p:set>
-                                  </p:childTnLst>
-                                </p:cTn>
-                              </p:par>
-                            </p:childTnLst>
-                          </p:cTn>
-                        </p:par>
-                      </p:childTnLst>
-                    </p:cTn>
-                  </p:par>
-                  <p:par>
-                    <p:cTn id="13" fill="hold">
-                      <p:stCondLst>
-                        <p:cond delay="indefinite"/>
-                      </p:stCondLst>
-                      <p:childTnLst>
-                        <p:par>
-                          <p:cTn id="14" fill="hold">
-                            <p:stCondLst>
-                              <p:cond delay="0"/>
-                            </p:stCondLst>
-                            <p:childTnLst>
-                              <p:par>
-                                <p:cTn id="15" presetID="1" presetClass="exit" presetSubtype="0" fill="hold" nodeType="clickEffect">
-                                  <p:stCondLst>
-                                    <p:cond delay="0"/>
-                                  </p:stCondLst>
-                                  <p:childTnLst>
-                                    <p:set>
-                                      <p:cBhvr>
-                                        <p:cTn id="16" dur="1" fill="hold">
-                                          <p:stCondLst>
-                                            <p:cond delay="0"/>
-                                          </p:stCondLst>
-                                        </p:cTn>
-                                        <p:tgtEl>
-                                          <p:spTgt spid="2052"/>
-                                        </p:tgtEl>
-                                        <p:attrNameLst>
-                                          <p:attrName>style.visibility</p:attrName>
-                                        </p:attrNameLst>
-                                      </p:cBhvr>
-                                      <p:to>
-                                        <p:strVal val="hidden"/>
-                                      </p:to>
-                                    </p:set>
-                                  </p:childTnLst>
-                                </p:cTn>
-                              </p:par>
-                              <p:par>
-                                <p:cTn id="17" presetID="1" presetClass="entr" presetSubtype="0" fill="hold" nodeType="withEffect">
-                                  <p:stCondLst>
-                                    <p:cond delay="0"/>
-                                  </p:stCondLst>
-                                  <p:childTnLst>
-                                    <p:set>
-                                      <p:cBhvr>
-                                        <p:cTn id="18" dur="1" fill="hold">
-                                          <p:stCondLst>
-                                            <p:cond delay="0"/>
-                                          </p:stCondLst>
-                                        </p:cTn>
-                                        <p:tgtEl>
-                                          <p:spTgt spid="2053"/>
-                                        </p:tgtEl>
-                                        <p:attrNameLst>
-                                          <p:attrName>style.visibility</p:attrName>
-                                        </p:attrNameLst>
-                                      </p:cBhvr>
-                                      <p:to>
-                                        <p:strVal val="visible"/>
-                                      </p:to>
-                                    </p:set>
-                                  </p:childTnLst>
-                                </p:cTn>
-                              </p:par>
-                            </p:childTnLst>
-                          </p:cTn>
-                        </p:par>
-                      </p:childTnLst>
-                    </p:cTn>
-                  </p:par>
-                  <p:par>
-                    <p:cTn id="19" fill="hold">
-                      <p:stCondLst>
-                        <p:cond delay="indefinite"/>
-                      </p:stCondLst>
-                      <p:childTnLst>
-                        <p:par>
-                          <p:cTn id="20" fill="hold">
-                            <p:stCondLst>
-                              <p:cond delay="0"/>
-                            </p:stCondLst>
-                            <p:childTnLst>
-                              <p:par>
-                                <p:cTn id="21" presetID="1" presetClass="exit" presetSubtype="0" fill="hold" nodeType="clickEffect">
-                                  <p:stCondLst>
-                                    <p:cond delay="0"/>
-                                  </p:stCondLst>
-                                  <p:childTnLst>
-                                    <p:set>
-                                      <p:cBhvr>
-                                        <p:cTn id="22" dur="1" fill="hold">
-                                          <p:stCondLst>
-                                            <p:cond delay="0"/>
-                                          </p:stCondLst>
-                                        </p:cTn>
-                                        <p:tgtEl>
-                                          <p:spTgt spid="2053"/>
-                                        </p:tgtEl>
-                                        <p:attrNameLst>
-                                          <p:attrName>style.visibility</p:attrName>
-                                        </p:attrNameLst>
-                                      </p:cBhvr>
-                                      <p:to>
-                                        <p:strVal val="hidden"/>
-                                      </p:to>
-                                    </p:set>
-                                  </p:childTnLst>
-                                </p:cTn>
-                              </p:par>
-                              <p:par>
-                                <p:cTn id="23" presetID="1" presetClass="entr" presetSubtype="0" fill="hold" grpId="0" nodeType="withEffect">
-                                  <p:stCondLst>
-                                    <p:cond delay="0"/>
-                                  </p:stCondLst>
-                                  <p:childTnLst>
-                                    <p:set>
-                                      <p:cBhvr>
-                                        <p:cTn id="24" dur="1" fill="hold">
-                                          <p:stCondLst>
-                                            <p:cond delay="0"/>
-                                          </p:stCondLst>
-                                        </p:cTn>
-                                        <p:tgtEl>
-                                          <p:spTgt spid="7"/>
-                                        </p:tgtEl>
-                                        <p:attrNameLst>
-                                          <p:attrName>style.visibility</p:attrName>
-                                        </p:attrNameLst>
-                                      </p:cBhvr>
-                                      <p:to>
-                                        <p:strVal val="visible"/>
-                                      </p:to>
-                                    </p:set>
-                                  </p:childTnLst>
-                                </p:cTn>
-                              </p:par>
-                            </p:childTnLst>
-                          </p:cTn>
-                        </p:par>
-                      </p:childTnLst>
-                    </p:cTn>
-                  </p:par>
-                  <p:par>
-                    <p:cTn id="25" fill="hold">
-                      <p:stCondLst>
-                        <p:cond delay="indefinite"/>
-                      </p:stCondLst>
-                      <p:childTnLst>
-                        <p:par>
-                          <p:cTn id="26" fill="hold">
-                            <p:stCondLst>
-                              <p:cond delay="0"/>
-                            </p:stCondLst>
-                            <p:childTnLst>
-                              <p:par>
-                                <p:cTn id="27" presetID="1" presetClass="exit" presetSubtype="0" fill="hold" grpId="1" nodeType="clickEffect">
-                                  <p:stCondLst>
-                                    <p:cond delay="0"/>
-                                  </p:stCondLst>
-                                  <p:childTnLst>
-                                    <p:set>
-                                      <p:cBhvr>
-                                        <p:cTn id="28" dur="1" fill="hold">
-                                          <p:stCondLst>
-                                            <p:cond delay="0"/>
-                                          </p:stCondLst>
-                                        </p:cTn>
-                                        <p:tgtEl>
-                                          <p:spTgt spid="7"/>
-                                        </p:tgtEl>
-                                        <p:attrNameLst>
-                                          <p:attrName>style.visibility</p:attrName>
-                                        </p:attrNameLst>
-                                      </p:cBhvr>
-                                      <p:to>
-                                        <p:strVal val="hidden"/>
-                                      </p:to>
-                                    </p:set>
-                                  </p:childTnLst>
-                                </p:cTn>
-                              </p:par>
-                              <p:par>
-                                <p:cTn id="29" presetID="1" presetClass="entr" presetSubtype="0" fill="hold" nodeType="withEffect">
-                                  <p:stCondLst>
-                                    <p:cond delay="0"/>
-                                  </p:stCondLst>
-                                  <p:childTnLst>
-                                    <p:set>
-                                      <p:cBhvr>
-                                        <p:cTn id="30" dur="1" fill="hold">
-                                          <p:stCondLst>
-                                            <p:cond delay="0"/>
-                                          </p:stCondLst>
-                                        </p:cTn>
-                                        <p:tgtEl>
-                                          <p:spTgt spid="2057"/>
-                                        </p:tgtEl>
-                                        <p:attrNameLst>
-                                          <p:attrName>style.visibility</p:attrName>
-                                        </p:attrNameLst>
-                                      </p:cBhvr>
-                                      <p:to>
-                                        <p:strVal val="visible"/>
-                                      </p:to>
-                                    </p:set>
-                                  </p:childTnLst>
-                                </p:cTn>
-                              </p:par>
-                            </p:childTnLst>
-                          </p:cTn>
-                        </p:par>
-                      </p:childTnLst>
-                    </p:cTn>
-                  </p:par>
-                  <p:par>
-                    <p:cTn id="31" fill="hold">
-                      <p:stCondLst>
-                        <p:cond delay="indefinite"/>
-                      </p:stCondLst>
-                      <p:childTnLst>
-                        <p:par>
-                          <p:cTn id="32" fill="hold">
-                            <p:stCondLst>
-                              <p:cond delay="0"/>
-                            </p:stCondLst>
-                            <p:childTnLst>
-                              <p:par>
-                                <p:cTn id="33" presetID="1" presetClass="exit" presetSubtype="0" fill="hold" nodeType="clickEffect">
-                                  <p:stCondLst>
-                                    <p:cond delay="0"/>
-                                  </p:stCondLst>
-                                  <p:childTnLst>
-                                    <p:set>
-                                      <p:cBhvr>
-                                        <p:cTn id="34" dur="1" fill="hold">
-                                          <p:stCondLst>
-                                            <p:cond delay="0"/>
-                                          </p:stCondLst>
-                                        </p:cTn>
-                                        <p:tgtEl>
-                                          <p:spTgt spid="2057"/>
-                                        </p:tgtEl>
-                                        <p:attrNameLst>
-                                          <p:attrName>style.visibility</p:attrName>
-                                        </p:attrNameLst>
-                                      </p:cBhvr>
-                                      <p:to>
-                                        <p:strVal val="hidden"/>
-                                      </p:to>
-                                    </p:set>
-                                  </p:childTnLst>
-                                </p:cTn>
-                              </p:par>
-                              <p:par>
-                                <p:cTn id="35" presetID="1" presetClass="entr" presetSubtype="0" fill="hold" grpId="0" nodeType="withEffect">
-                                  <p:stCondLst>
-                                    <p:cond delay="0"/>
-                                  </p:stCondLst>
-                                  <p:childTnLst>
-                                    <p:set>
-                                      <p:cBhvr>
-                                        <p:cTn id="36" dur="1" fill="hold">
-                                          <p:stCondLst>
-                                            <p:cond delay="0"/>
-                                          </p:stCondLst>
-                                        </p:cTn>
-                                        <p:tgtEl>
-                                          <p:spTgt spid="8"/>
-                                        </p:tgtEl>
-                                        <p:attrNameLst>
-                                          <p:attrName>style.visibility</p:attrName>
-                                        </p:attrNameLst>
-                                      </p:cBhvr>
-                                      <p:to>
-                                        <p:strVal val="visible"/>
-                                      </p:to>
-                                    </p:set>
-                                  </p:childTnLst>
-                                </p:cTn>
-                              </p:par>
-                            </p:childTnLst>
-                          </p:cTn>
-                        </p:par>
-                      </p:childTnLst>
-                    </p:cTn>
-                  </p:par>
-                  <p:par>
-                    <p:cTn id="37" fill="hold">
-                      <p:stCondLst>
-                        <p:cond delay="indefinite"/>
-                      </p:stCondLst>
-                      <p:childTnLst>
-                        <p:par>
-                          <p:cTn id="38" fill="hold">
-                            <p:stCondLst>
-                              <p:cond delay="0"/>
-                            </p:stCondLst>
-                            <p:childTnLst>
-                              <p:par>
-                                <p:cTn id="39" presetID="1" presetClass="entr" presetSubtype="0" fill="hold" nodeType="clickEffect">
-                                  <p:stCondLst>
-                                    <p:cond delay="0"/>
-                                  </p:stCondLst>
-                                  <p:childTnLst>
-                                    <p:set>
-                                      <p:cBhvr>
-                                        <p:cTn id="40" dur="1" fill="hold">
-                                          <p:stCondLst>
-                                            <p:cond delay="0"/>
-                                          </p:stCondLst>
-                                        </p:cTn>
-                                        <p:tgtEl>
-                                          <p:spTgt spid="2055"/>
-                                        </p:tgtEl>
-                                        <p:attrNameLst>
-                                          <p:attrName>style.visibility</p:attrName>
-                                        </p:attrNameLst>
-                                      </p:cBhvr>
-                                      <p:to>
-                                        <p:strVal val="visible"/>
-                                      </p:to>
-                                    </p:set>
-                                  </p:childTnLst>
-                                </p:cTn>
-                              </p:par>
-                            </p:childTnLst>
-                          </p:cTn>
-                        </p:par>
-                      </p:childTnLst>
-                    </p:cTn>
-                  </p:par>
-                </p:childTnLst>
-              </p:cTn>
-              <p:prevCondLst>
-                <p:cond evt="onPrev" delay="0">
-                  <p:tgtEl>
-                    <p:sldTgt/>
-                  </p:tgtEl>
-                </p:cond>
-              </p:prevCondLst>
-              <p:nextCondLst>
-                <p:cond evt="onNext" delay="0">
-                  <p:tgtEl>
-                    <p:sldTgt/>
-                  </p:tgtEl>
-                </p:cond>
-              </p:nextCondLst>
-            </p:seq>
-          </p:childTnLst>
-        </p:cTn>
-      </p:par>
-    </p:tnLst>
-    <p:bldLst>
-      <p:bldP spid="6" grpId="0" build="p"/>
-      <p:bldP spid="6" grpId="1" build="p"/>
-      <p:bldP spid="7" grpId="0"/>
-      <p:bldP spid="7" grpId="1"/>
-      <p:bldP spid="8" grpId="0"/>
-    </p:bldLst>
   </p:timing>
 </p:sld>
 </file>
@@ -19075,87 +19825,154 @@
           </a:lstStyle>
           <a:p>
             <a:r>
-              <a:rPr lang="hu-HU" b="1" dirty="0" smtClean="0"/>
-              <a:t>CLI </a:t>
-            </a:r>
-            <a:r>
-              <a:rPr lang="hu-HU" b="1" dirty="0" err="1" smtClean="0"/>
-              <a:t>Calculator</a:t>
-            </a:r>
-            <a:r>
-              <a:rPr lang="hu-HU" b="1" dirty="0" smtClean="0"/>
+              <a:rPr lang="hu-HU" b="1" dirty="0"/>
+              <a:t>C++ </a:t>
+            </a:r>
+            <a:r>
+              <a:rPr lang="hu-HU" b="1" dirty="0" err="1"/>
+              <a:t>Virtual</a:t>
+            </a:r>
+            <a:r>
+              <a:rPr lang="hu-HU" b="1" dirty="0"/>
+              <a:t> </a:t>
+            </a:r>
+            <a:r>
+              <a:rPr lang="hu-HU" b="1" dirty="0" err="1"/>
+              <a:t>Functions</a:t>
+            </a:r>
+            <a:r>
+              <a:rPr lang="hu-HU" b="1" dirty="0"/>
               <a:t/>
             </a:r>
             <a:br>
-              <a:rPr lang="hu-HU" b="1" dirty="0" smtClean="0"/>
+              <a:rPr lang="hu-HU" b="1" dirty="0"/>
             </a:br>
             <a:r>
-              <a:rPr lang="hu-HU" i="1" dirty="0" err="1" smtClean="0"/>
-              <a:t>Future</a:t>
-            </a:r>
-            <a:r>
-              <a:rPr lang="hu-HU" i="1" dirty="0" smtClean="0"/>
+              <a:rPr lang="hu-HU" i="1" dirty="0"/>
+              <a:t>Program w/o </a:t>
+            </a:r>
+            <a:r>
+              <a:rPr lang="hu-HU" i="1" dirty="0" err="1"/>
+              <a:t>virtual</a:t>
+            </a:r>
+            <a:r>
+              <a:rPr lang="hu-HU" i="1" dirty="0"/>
               <a:t> </a:t>
             </a:r>
             <a:r>
-              <a:rPr lang="hu-HU" i="1" dirty="0" err="1" smtClean="0"/>
-              <a:t>plans</a:t>
+              <a:rPr lang="hu-HU" i="1" dirty="0" err="1"/>
+              <a:t>function</a:t>
             </a:r>
             <a:endParaRPr lang="hu-HU" i="1" dirty="0"/>
           </a:p>
         </p:txBody>
       </p:sp>
+      <p:pic>
+        <p:nvPicPr>
+          <p:cNvPr id="3075" name="Picture 3"/>
+          <p:cNvPicPr>
+            <a:picLocks noChangeAspect="1" noChangeArrowheads="1"/>
+          </p:cNvPicPr>
+          <p:nvPr/>
+        </p:nvPicPr>
+        <p:blipFill>
+          <a:blip r:embed="rId3">
+            <a:extLst>
+              <a:ext uri="{28A0092B-C50C-407E-A947-70E740481C1C}">
+                <a14:useLocalDpi xmlns:a14="http://schemas.microsoft.com/office/drawing/2010/main" val="0"/>
+              </a:ext>
+            </a:extLst>
+          </a:blip>
+          <a:srcRect/>
+          <a:stretch>
+            <a:fillRect/>
+          </a:stretch>
+        </p:blipFill>
+        <p:spPr bwMode="auto">
+          <a:xfrm>
+            <a:off x="670515" y="3429000"/>
+            <a:ext cx="8107769" cy="1718866"/>
+          </a:xfrm>
+          <a:prstGeom prst="rect">
+            <a:avLst/>
+          </a:prstGeom>
+          <a:noFill/>
+          <a:ln>
+            <a:noFill/>
+          </a:ln>
+          <a:extLst>
+            <a:ext uri="{909E8E84-426E-40DD-AFC4-6F175D3DCCD1}">
+              <a14:hiddenFill xmlns:a14="http://schemas.microsoft.com/office/drawing/2010/main">
+                <a:solidFill>
+                  <a:schemeClr val="accent1"/>
+                </a:solidFill>
+              </a14:hiddenFill>
+            </a:ext>
+            <a:ext uri="{91240B29-F687-4F45-9708-019B960494DF}">
+              <a14:hiddenLine xmlns:a14="http://schemas.microsoft.com/office/drawing/2010/main" w="9525">
+                <a:solidFill>
+                  <a:schemeClr val="tx1"/>
+                </a:solidFill>
+                <a:miter lim="800000"/>
+                <a:headEnd/>
+                <a:tailEnd/>
+              </a14:hiddenLine>
+            </a:ext>
+          </a:extLst>
+        </p:spPr>
+      </p:pic>
+    </p:spTree>
+    <p:extLst>
+      <p:ext uri="{BB962C8B-B14F-4D97-AF65-F5344CB8AC3E}">
+        <p14:creationId xmlns:p14="http://schemas.microsoft.com/office/powerpoint/2010/main" val="4042070619"/>
+      </p:ext>
+    </p:extLst>
+  </p:cSld>
+  <p:clrMapOvr>
+    <a:masterClrMapping/>
+  </p:clrMapOvr>
+  <mc:AlternateContent xmlns:mc="http://schemas.openxmlformats.org/markup-compatibility/2006" xmlns:p14="http://schemas.microsoft.com/office/powerpoint/2010/main">
+    <mc:Choice Requires="p14">
+      <p:transition spd="med" p14:dur="700">
+        <p:fade/>
+      </p:transition>
+    </mc:Choice>
+    <mc:Fallback xmlns="">
+      <p:transition spd="med">
+        <p:fade/>
+      </p:transition>
+    </mc:Fallback>
+  </mc:AlternateContent>
+  <p:timing>
+    <p:tnLst>
+      <p:par>
+        <p:cTn id="1" dur="indefinite" restart="never" nodeType="tmRoot"/>
+      </p:par>
+    </p:tnLst>
+  </p:timing>
+</p:sld>
+</file>
+
+<file path=ppt/slides/slide6.xml><?xml version="1.0" encoding="utf-8"?>
+<p:sld xmlns:a="http://schemas.openxmlformats.org/drawingml/2006/main" xmlns:r="http://schemas.openxmlformats.org/officeDocument/2006/relationships" xmlns:p="http://schemas.openxmlformats.org/presentationml/2006/main">
+  <p:cSld>
+    <p:spTree>
+      <p:nvGrpSpPr>
+        <p:cNvPr id="1" name=""/>
+        <p:cNvGrpSpPr/>
+        <p:nvPr/>
+      </p:nvGrpSpPr>
+      <p:grpSpPr>
+        <a:xfrm>
+          <a:off x="0" y="0"/>
+          <a:ext cx="0" cy="0"/>
+          <a:chOff x="0" y="0"/>
+          <a:chExt cx="0" cy="0"/>
+        </a:xfrm>
+      </p:grpSpPr>
       <p:sp>
         <p:nvSpPr>
-          <p:cNvPr id="8" name="Tartalom helye 2"/>
-          <p:cNvSpPr>
-            <a:spLocks noGrp="1"/>
-          </p:cNvSpPr>
-          <p:nvPr>
-            <p:ph sz="quarter" idx="13"/>
-          </p:nvPr>
-        </p:nvSpPr>
-        <p:spPr>
-          <a:xfrm>
-            <a:off x="1475656" y="2700829"/>
-            <a:ext cx="4294273" cy="893824"/>
-          </a:xfrm>
-        </p:spPr>
-        <p:txBody>
-          <a:bodyPr>
-            <a:normAutofit/>
-          </a:bodyPr>
-          <a:lstStyle/>
-          <a:p>
-            <a:pPr marL="0" indent="0">
-              <a:buNone/>
-            </a:pPr>
-            <a:r>
-              <a:rPr lang="hu-HU" sz="2800" dirty="0" err="1" smtClean="0"/>
-              <a:t>Currency</a:t>
-            </a:r>
-            <a:r>
-              <a:rPr lang="hu-HU" sz="2800" dirty="0" smtClean="0"/>
-              <a:t> </a:t>
-            </a:r>
-            <a:r>
-              <a:rPr lang="hu-HU" sz="2800" dirty="0" err="1" smtClean="0"/>
-              <a:t>converter</a:t>
-            </a:r>
-            <a:endParaRPr lang="hu-HU" sz="2800" dirty="0" smtClean="0"/>
-          </a:p>
-          <a:p>
-            <a:pPr lvl="2"/>
-            <a:endParaRPr lang="hu-HU" dirty="0"/>
-          </a:p>
-          <a:p>
-            <a:endParaRPr lang="hu-HU" dirty="0"/>
-          </a:p>
-        </p:txBody>
-      </p:sp>
-      <p:sp>
-        <p:nvSpPr>
-          <p:cNvPr id="9" name="Tartalom helye 2"/>
+          <p:cNvPr id="7" name="Cím 1"/>
           <p:cNvSpPr txBox="1">
             <a:spLocks/>
           </p:cNvSpPr>
@@ -19163,228 +19980,239 @@
         </p:nvSpPr>
         <p:spPr>
           <a:xfrm>
-            <a:off x="1475656" y="3996973"/>
-            <a:ext cx="4287360" cy="722806"/>
+            <a:off x="609600" y="490728"/>
+            <a:ext cx="8229600" cy="1252728"/>
           </a:xfrm>
           <a:prstGeom prst="rect">
             <a:avLst/>
           </a:prstGeom>
         </p:spPr>
         <p:txBody>
-          <a:bodyPr vert="horz" lIns="91440" tIns="45720" rIns="91440" bIns="45720" rtlCol="0">
-            <a:normAutofit/>
+          <a:bodyPr vert="horz" lIns="91440" tIns="45720" rIns="91440" bIns="45720" rtlCol="0" anchor="ctr">
+            <a:normAutofit fontScale="90000" lnSpcReduction="10000"/>
           </a:bodyPr>
           <a:lstStyle>
-            <a:lvl1pPr marL="274320" indent="-274320" algn="l" defTabSz="914400" rtl="0" eaLnBrk="1" latinLnBrk="0" hangingPunct="1">
+            <a:lvl1pPr algn="ctr" defTabSz="914400" rtl="0" eaLnBrk="1" latinLnBrk="0" hangingPunct="1">
               <a:spcBef>
-                <a:spcPct val="20000"/>
+                <a:spcPct val="0"/>
               </a:spcBef>
-              <a:buClr>
-                <a:schemeClr val="accent1"/>
-              </a:buClr>
-              <a:buSzPct val="100000"/>
-              <a:buFont typeface="Symbol" pitchFamily="18" charset="2"/>
-              <a:buChar char=""/>
-              <a:defRPr sz="2400" kern="1200">
+              <a:buNone/>
+              <a:defRPr sz="4400" kern="1200">
+                <a:solidFill>
+                  <a:srgbClr val="FFFFFF"/>
+                </a:solidFill>
+                <a:latin typeface="+mj-lt"/>
+                <a:ea typeface="+mj-ea"/>
+                <a:cs typeface="+mj-cs"/>
+              </a:defRPr>
+            </a:lvl1pPr>
+            <a:lvl2pPr eaLnBrk="1" hangingPunct="1">
+              <a:defRPr>
                 <a:solidFill>
                   <a:schemeClr val="tx2"/>
                 </a:solidFill>
-                <a:latin typeface="+mn-lt"/>
-                <a:ea typeface="+mn-ea"/>
-                <a:cs typeface="+mn-cs"/>
               </a:defRPr>
-            </a:lvl1pPr>
-            <a:lvl2pPr marL="576263" indent="-274320" algn="l" defTabSz="914400" rtl="0" eaLnBrk="1" latinLnBrk="0" hangingPunct="1">
-              <a:spcBef>
-                <a:spcPct val="20000"/>
-              </a:spcBef>
-              <a:buClr>
-                <a:schemeClr val="accent1"/>
-              </a:buClr>
-              <a:buSzPct val="100000"/>
-              <a:buFont typeface="Symbol" pitchFamily="18" charset="2"/>
-              <a:buChar char=""/>
-              <a:defRPr sz="2200" kern="1200">
+            </a:lvl2pPr>
+            <a:lvl3pPr eaLnBrk="1" hangingPunct="1">
+              <a:defRPr>
                 <a:solidFill>
                   <a:schemeClr val="tx2"/>
                 </a:solidFill>
-                <a:latin typeface="+mn-lt"/>
-                <a:ea typeface="+mn-ea"/>
-                <a:cs typeface="+mn-cs"/>
               </a:defRPr>
-            </a:lvl2pPr>
-            <a:lvl3pPr marL="855663" indent="-228600" algn="l" defTabSz="914400" rtl="0" eaLnBrk="1" latinLnBrk="0" hangingPunct="1">
-              <a:spcBef>
-                <a:spcPct val="20000"/>
-              </a:spcBef>
-              <a:buClr>
-                <a:schemeClr val="accent1"/>
-              </a:buClr>
-              <a:buSzPct val="100000"/>
-              <a:buFont typeface="Symbol" pitchFamily="18" charset="2"/>
-              <a:buChar char=""/>
-              <a:defRPr sz="2000" kern="1200">
+            </a:lvl3pPr>
+            <a:lvl4pPr eaLnBrk="1" hangingPunct="1">
+              <a:defRPr>
                 <a:solidFill>
                   <a:schemeClr val="tx2"/>
                 </a:solidFill>
-                <a:latin typeface="+mn-lt"/>
-                <a:ea typeface="+mn-ea"/>
-                <a:cs typeface="+mn-cs"/>
               </a:defRPr>
-            </a:lvl3pPr>
-            <a:lvl4pPr marL="1143000" indent="-228600" algn="l" defTabSz="914400" rtl="0" eaLnBrk="1" latinLnBrk="0" hangingPunct="1">
-              <a:spcBef>
-                <a:spcPct val="20000"/>
-              </a:spcBef>
-              <a:buClr>
-                <a:schemeClr val="accent1"/>
-              </a:buClr>
-              <a:buSzPct val="100000"/>
-              <a:buFont typeface="Symbol" pitchFamily="18" charset="2"/>
-              <a:buChar char=""/>
-              <a:defRPr sz="1800" kern="1200">
+            </a:lvl4pPr>
+            <a:lvl5pPr eaLnBrk="1" hangingPunct="1">
+              <a:defRPr>
                 <a:solidFill>
                   <a:schemeClr val="tx2"/>
                 </a:solidFill>
-                <a:latin typeface="+mn-lt"/>
-                <a:ea typeface="+mn-ea"/>
-                <a:cs typeface="+mn-cs"/>
               </a:defRPr>
-            </a:lvl4pPr>
-            <a:lvl5pPr marL="1463040" indent="-228600" algn="l" defTabSz="914400" rtl="0" eaLnBrk="1" latinLnBrk="0" hangingPunct="1">
-              <a:spcBef>
-                <a:spcPct val="20000"/>
-              </a:spcBef>
-              <a:buClr>
-                <a:schemeClr val="accent1"/>
-              </a:buClr>
-              <a:buSzPct val="100000"/>
-              <a:buFont typeface="Symbol" pitchFamily="18" charset="2"/>
-              <a:buChar char=""/>
-              <a:defRPr sz="1600" kern="1200">
+            </a:lvl5pPr>
+            <a:lvl6pPr eaLnBrk="1" hangingPunct="1">
+              <a:defRPr>
                 <a:solidFill>
                   <a:schemeClr val="tx2"/>
                 </a:solidFill>
-                <a:latin typeface="+mn-lt"/>
-                <a:ea typeface="+mn-ea"/>
-                <a:cs typeface="+mn-cs"/>
               </a:defRPr>
-            </a:lvl5pPr>
-            <a:lvl6pPr marL="1783080" indent="-228600" algn="l" defTabSz="914400" rtl="0" eaLnBrk="1" latinLnBrk="0" hangingPunct="1">
-              <a:spcBef>
-                <a:spcPts val="384"/>
-              </a:spcBef>
-              <a:buClr>
-                <a:schemeClr val="accent1"/>
-              </a:buClr>
-              <a:buFont typeface="Symbol" pitchFamily="18" charset="2"/>
-              <a:buChar char="*"/>
-              <a:defRPr sz="1400" kern="1200">
+            </a:lvl6pPr>
+            <a:lvl7pPr eaLnBrk="1" hangingPunct="1">
+              <a:defRPr>
                 <a:solidFill>
                   <a:schemeClr val="tx2"/>
                 </a:solidFill>
-                <a:latin typeface="+mn-lt"/>
-                <a:ea typeface="+mn-ea"/>
-                <a:cs typeface="+mn-cs"/>
               </a:defRPr>
-            </a:lvl6pPr>
-            <a:lvl7pPr marL="2103120" indent="-228600" algn="l" defTabSz="914400" rtl="0" eaLnBrk="1" latinLnBrk="0" hangingPunct="1">
-              <a:spcBef>
-                <a:spcPts val="384"/>
-              </a:spcBef>
-              <a:buClr>
-                <a:schemeClr val="accent1"/>
-              </a:buClr>
-              <a:buFont typeface="Symbol" pitchFamily="18" charset="2"/>
-              <a:buChar char="*"/>
-              <a:defRPr sz="1400" kern="1200">
+            </a:lvl7pPr>
+            <a:lvl8pPr eaLnBrk="1" hangingPunct="1">
+              <a:defRPr>
                 <a:solidFill>
                   <a:schemeClr val="tx2"/>
                 </a:solidFill>
-                <a:latin typeface="+mn-lt"/>
-                <a:ea typeface="+mn-ea"/>
-                <a:cs typeface="+mn-cs"/>
               </a:defRPr>
-            </a:lvl7pPr>
-            <a:lvl8pPr marL="2423160" indent="-228600" algn="l" defTabSz="914400" rtl="0" eaLnBrk="1" latinLnBrk="0" hangingPunct="1">
-              <a:spcBef>
-                <a:spcPts val="384"/>
-              </a:spcBef>
-              <a:buClr>
-                <a:schemeClr val="accent1"/>
-              </a:buClr>
-              <a:buFont typeface="Symbol" pitchFamily="18" charset="2"/>
-              <a:buChar char="*"/>
-              <a:defRPr sz="1400" kern="1200">
+            </a:lvl8pPr>
+            <a:lvl9pPr eaLnBrk="1" hangingPunct="1">
+              <a:defRPr>
                 <a:solidFill>
                   <a:schemeClr val="tx2"/>
                 </a:solidFill>
-                <a:latin typeface="+mn-lt"/>
-                <a:ea typeface="+mn-ea"/>
-                <a:cs typeface="+mn-cs"/>
-              </a:defRPr>
-            </a:lvl8pPr>
-            <a:lvl9pPr marL="2743200" indent="-228600" algn="l" defTabSz="914400" rtl="0" eaLnBrk="1" latinLnBrk="0" hangingPunct="1">
-              <a:spcBef>
-                <a:spcPts val="384"/>
-              </a:spcBef>
-              <a:buClr>
-                <a:schemeClr val="accent1"/>
-              </a:buClr>
-              <a:buFont typeface="Symbol" pitchFamily="18" charset="2"/>
-              <a:buChar char="*"/>
-              <a:defRPr sz="1400" kern="1200">
-                <a:solidFill>
-                  <a:schemeClr val="tx2"/>
-                </a:solidFill>
-                <a:latin typeface="+mn-lt"/>
-                <a:ea typeface="+mn-ea"/>
-                <a:cs typeface="+mn-cs"/>
               </a:defRPr>
             </a:lvl9pPr>
           </a:lstStyle>
           <a:p>
-            <a:pPr marL="0" indent="0">
-              <a:buNone/>
-            </a:pPr>
-            <a:r>
-              <a:rPr lang="hu-HU" sz="2800" dirty="0" smtClean="0"/>
-              <a:t>Data </a:t>
-            </a:r>
-            <a:r>
-              <a:rPr lang="hu-HU" sz="2800" dirty="0" err="1" smtClean="0"/>
-              <a:t>from</a:t>
-            </a:r>
-            <a:r>
-              <a:rPr lang="hu-HU" sz="2800" dirty="0" smtClean="0"/>
+            <a:r>
+              <a:rPr lang="hu-HU" b="1" dirty="0"/>
+              <a:t>C++ </a:t>
+            </a:r>
+            <a:r>
+              <a:rPr lang="hu-HU" b="1" dirty="0" err="1"/>
+              <a:t>Virtual</a:t>
+            </a:r>
+            <a:r>
+              <a:rPr lang="hu-HU" b="1" dirty="0"/>
               <a:t> </a:t>
             </a:r>
             <a:r>
-              <a:rPr lang="hu-HU" sz="2800" dirty="0" err="1" smtClean="0"/>
-              <a:t>external</a:t>
-            </a:r>
-            <a:r>
-              <a:rPr lang="hu-HU" sz="2800" dirty="0" smtClean="0"/>
+              <a:rPr lang="hu-HU" b="1" dirty="0" err="1"/>
+              <a:t>Functions</a:t>
+            </a:r>
+            <a:r>
+              <a:rPr lang="hu-HU" b="1" dirty="0"/>
+              <a:t/>
+            </a:r>
+            <a:br>
+              <a:rPr lang="hu-HU" b="1" dirty="0"/>
+            </a:br>
+            <a:r>
+              <a:rPr lang="hu-HU" i="1" dirty="0"/>
+              <a:t>Program w/o </a:t>
+            </a:r>
+            <a:r>
+              <a:rPr lang="hu-HU" i="1" dirty="0" err="1"/>
+              <a:t>virtual</a:t>
+            </a:r>
+            <a:r>
+              <a:rPr lang="hu-HU" i="1" dirty="0"/>
               <a:t> </a:t>
             </a:r>
             <a:r>
-              <a:rPr lang="hu-HU" sz="2800" dirty="0" err="1" smtClean="0"/>
-              <a:t>source</a:t>
-            </a:r>
-            <a:r>
-              <a:rPr lang="hu-HU" sz="2800" dirty="0" smtClean="0"/>
-              <a:t> </a:t>
-            </a:r>
-            <a:endParaRPr lang="hu-HU" sz="2800" dirty="0" smtClean="0"/>
-          </a:p>
-          <a:p>
-            <a:endParaRPr lang="hu-HU" dirty="0"/>
+              <a:rPr lang="hu-HU" i="1" dirty="0" err="1"/>
+              <a:t>function</a:t>
+            </a:r>
+            <a:endParaRPr lang="hu-HU" i="1" dirty="0"/>
           </a:p>
         </p:txBody>
       </p:sp>
+      <p:pic>
+        <p:nvPicPr>
+          <p:cNvPr id="4098" name="Picture 2"/>
+          <p:cNvPicPr>
+            <a:picLocks noChangeAspect="1" noChangeArrowheads="1"/>
+          </p:cNvPicPr>
+          <p:nvPr/>
+        </p:nvPicPr>
+        <p:blipFill>
+          <a:blip r:embed="rId3">
+            <a:extLst>
+              <a:ext uri="{28A0092B-C50C-407E-A947-70E740481C1C}">
+                <a14:useLocalDpi xmlns:a14="http://schemas.microsoft.com/office/drawing/2010/main" val="0"/>
+              </a:ext>
+            </a:extLst>
+          </a:blip>
+          <a:srcRect/>
+          <a:stretch>
+            <a:fillRect/>
+          </a:stretch>
+        </p:blipFill>
+        <p:spPr bwMode="auto">
+          <a:xfrm>
+            <a:off x="583405" y="3140968"/>
+            <a:ext cx="8249608" cy="2355130"/>
+          </a:xfrm>
+          <a:prstGeom prst="rect">
+            <a:avLst/>
+          </a:prstGeom>
+          <a:noFill/>
+          <a:ln>
+            <a:noFill/>
+          </a:ln>
+          <a:extLst>
+            <a:ext uri="{909E8E84-426E-40DD-AFC4-6F175D3DCCD1}">
+              <a14:hiddenFill xmlns:a14="http://schemas.microsoft.com/office/drawing/2010/main">
+                <a:solidFill>
+                  <a:schemeClr val="accent1"/>
+                </a:solidFill>
+              </a14:hiddenFill>
+            </a:ext>
+            <a:ext uri="{91240B29-F687-4F45-9708-019B960494DF}">
+              <a14:hiddenLine xmlns:a14="http://schemas.microsoft.com/office/drawing/2010/main" w="9525">
+                <a:solidFill>
+                  <a:schemeClr val="tx1"/>
+                </a:solidFill>
+                <a:miter lim="800000"/>
+                <a:headEnd/>
+                <a:tailEnd/>
+              </a14:hiddenLine>
+            </a:ext>
+          </a:extLst>
+        </p:spPr>
+      </p:pic>
+    </p:spTree>
+    <p:extLst>
+      <p:ext uri="{BB962C8B-B14F-4D97-AF65-F5344CB8AC3E}">
+        <p14:creationId xmlns:p14="http://schemas.microsoft.com/office/powerpoint/2010/main" val="2009821160"/>
+      </p:ext>
+    </p:extLst>
+  </p:cSld>
+  <p:clrMapOvr>
+    <a:masterClrMapping/>
+  </p:clrMapOvr>
+  <mc:AlternateContent xmlns:mc="http://schemas.openxmlformats.org/markup-compatibility/2006" xmlns:p14="http://schemas.microsoft.com/office/powerpoint/2010/main">
+    <mc:Choice Requires="p14">
+      <p:transition spd="med" p14:dur="700">
+        <p:fade/>
+      </p:transition>
+    </mc:Choice>
+    <mc:Fallback xmlns="">
+      <p:transition spd="med">
+        <p:fade/>
+      </p:transition>
+    </mc:Fallback>
+  </mc:AlternateContent>
+  <p:timing>
+    <p:tnLst>
+      <p:par>
+        <p:cTn id="1" dur="indefinite" restart="never" nodeType="tmRoot"/>
+      </p:par>
+    </p:tnLst>
+  </p:timing>
+</p:sld>
+</file>
+
+<file path=ppt/slides/slide7.xml><?xml version="1.0" encoding="utf-8"?>
+<p:sld xmlns:a="http://schemas.openxmlformats.org/drawingml/2006/main" xmlns:r="http://schemas.openxmlformats.org/officeDocument/2006/relationships" xmlns:p="http://schemas.openxmlformats.org/presentationml/2006/main">
+  <p:cSld>
+    <p:spTree>
+      <p:nvGrpSpPr>
+        <p:cNvPr id="1" name=""/>
+        <p:cNvGrpSpPr/>
+        <p:nvPr/>
+      </p:nvGrpSpPr>
+      <p:grpSpPr>
+        <a:xfrm>
+          <a:off x="0" y="0"/>
+          <a:ext cx="0" cy="0"/>
+          <a:chOff x="0" y="0"/>
+          <a:chExt cx="0" cy="0"/>
+        </a:xfrm>
+      </p:grpSpPr>
       <p:sp>
         <p:nvSpPr>
-          <p:cNvPr id="10" name="Tartalom helye 2"/>
+          <p:cNvPr id="7" name="Cím 1"/>
           <p:cNvSpPr txBox="1">
             <a:spLocks/>
           </p:cNvSpPr>
@@ -19392,217 +20220,435 @@
         </p:nvSpPr>
         <p:spPr>
           <a:xfrm>
-            <a:off x="1475656" y="5293117"/>
-            <a:ext cx="4464496" cy="864096"/>
+            <a:off x="609600" y="490728"/>
+            <a:ext cx="8229600" cy="1252728"/>
           </a:xfrm>
           <a:prstGeom prst="rect">
             <a:avLst/>
           </a:prstGeom>
         </p:spPr>
         <p:txBody>
-          <a:bodyPr vert="horz" lIns="91440" tIns="45720" rIns="91440" bIns="45720" rtlCol="0">
-            <a:normAutofit/>
+          <a:bodyPr vert="horz" lIns="91440" tIns="45720" rIns="91440" bIns="45720" rtlCol="0" anchor="ctr">
+            <a:normAutofit fontScale="90000" lnSpcReduction="10000"/>
           </a:bodyPr>
           <a:lstStyle>
-            <a:lvl1pPr marL="274320" indent="-274320" algn="l" defTabSz="914400" rtl="0" eaLnBrk="1" latinLnBrk="0" hangingPunct="1">
+            <a:lvl1pPr algn="ctr" defTabSz="914400" rtl="0" eaLnBrk="1" latinLnBrk="0" hangingPunct="1">
               <a:spcBef>
-                <a:spcPct val="20000"/>
+                <a:spcPct val="0"/>
               </a:spcBef>
-              <a:buClr>
-                <a:schemeClr val="accent1"/>
-              </a:buClr>
-              <a:buSzPct val="100000"/>
-              <a:buFont typeface="Symbol" pitchFamily="18" charset="2"/>
-              <a:buChar char=""/>
-              <a:defRPr sz="2400" kern="1200">
+              <a:buNone/>
+              <a:defRPr sz="4400" kern="1200">
+                <a:solidFill>
+                  <a:srgbClr val="FFFFFF"/>
+                </a:solidFill>
+                <a:latin typeface="+mj-lt"/>
+                <a:ea typeface="+mj-ea"/>
+                <a:cs typeface="+mj-cs"/>
+              </a:defRPr>
+            </a:lvl1pPr>
+            <a:lvl2pPr eaLnBrk="1" hangingPunct="1">
+              <a:defRPr>
                 <a:solidFill>
                   <a:schemeClr val="tx2"/>
                 </a:solidFill>
-                <a:latin typeface="+mn-lt"/>
-                <a:ea typeface="+mn-ea"/>
-                <a:cs typeface="+mn-cs"/>
               </a:defRPr>
-            </a:lvl1pPr>
-            <a:lvl2pPr marL="576263" indent="-274320" algn="l" defTabSz="914400" rtl="0" eaLnBrk="1" latinLnBrk="0" hangingPunct="1">
-              <a:spcBef>
-                <a:spcPct val="20000"/>
-              </a:spcBef>
-              <a:buClr>
-                <a:schemeClr val="accent1"/>
-              </a:buClr>
-              <a:buSzPct val="100000"/>
-              <a:buFont typeface="Symbol" pitchFamily="18" charset="2"/>
-              <a:buChar char=""/>
-              <a:defRPr sz="2200" kern="1200">
+            </a:lvl2pPr>
+            <a:lvl3pPr eaLnBrk="1" hangingPunct="1">
+              <a:defRPr>
                 <a:solidFill>
                   <a:schemeClr val="tx2"/>
                 </a:solidFill>
-                <a:latin typeface="+mn-lt"/>
-                <a:ea typeface="+mn-ea"/>
-                <a:cs typeface="+mn-cs"/>
               </a:defRPr>
-            </a:lvl2pPr>
-            <a:lvl3pPr marL="855663" indent="-228600" algn="l" defTabSz="914400" rtl="0" eaLnBrk="1" latinLnBrk="0" hangingPunct="1">
-              <a:spcBef>
-                <a:spcPct val="20000"/>
-              </a:spcBef>
-              <a:buClr>
-                <a:schemeClr val="accent1"/>
-              </a:buClr>
-              <a:buSzPct val="100000"/>
-              <a:buFont typeface="Symbol" pitchFamily="18" charset="2"/>
-              <a:buChar char=""/>
-              <a:defRPr sz="2000" kern="1200">
+            </a:lvl3pPr>
+            <a:lvl4pPr eaLnBrk="1" hangingPunct="1">
+              <a:defRPr>
                 <a:solidFill>
                   <a:schemeClr val="tx2"/>
                 </a:solidFill>
-                <a:latin typeface="+mn-lt"/>
-                <a:ea typeface="+mn-ea"/>
-                <a:cs typeface="+mn-cs"/>
               </a:defRPr>
-            </a:lvl3pPr>
-            <a:lvl4pPr marL="1143000" indent="-228600" algn="l" defTabSz="914400" rtl="0" eaLnBrk="1" latinLnBrk="0" hangingPunct="1">
-              <a:spcBef>
-                <a:spcPct val="20000"/>
-              </a:spcBef>
-              <a:buClr>
-                <a:schemeClr val="accent1"/>
-              </a:buClr>
-              <a:buSzPct val="100000"/>
-              <a:buFont typeface="Symbol" pitchFamily="18" charset="2"/>
-              <a:buChar char=""/>
-              <a:defRPr sz="1800" kern="1200">
+            </a:lvl4pPr>
+            <a:lvl5pPr eaLnBrk="1" hangingPunct="1">
+              <a:defRPr>
                 <a:solidFill>
                   <a:schemeClr val="tx2"/>
                 </a:solidFill>
-                <a:latin typeface="+mn-lt"/>
-                <a:ea typeface="+mn-ea"/>
-                <a:cs typeface="+mn-cs"/>
               </a:defRPr>
-            </a:lvl4pPr>
-            <a:lvl5pPr marL="1463040" indent="-228600" algn="l" defTabSz="914400" rtl="0" eaLnBrk="1" latinLnBrk="0" hangingPunct="1">
-              <a:spcBef>
-                <a:spcPct val="20000"/>
-              </a:spcBef>
-              <a:buClr>
-                <a:schemeClr val="accent1"/>
-              </a:buClr>
-              <a:buSzPct val="100000"/>
-              <a:buFont typeface="Symbol" pitchFamily="18" charset="2"/>
-              <a:buChar char=""/>
-              <a:defRPr sz="1600" kern="1200">
+            </a:lvl5pPr>
+            <a:lvl6pPr eaLnBrk="1" hangingPunct="1">
+              <a:defRPr>
                 <a:solidFill>
                   <a:schemeClr val="tx2"/>
                 </a:solidFill>
-                <a:latin typeface="+mn-lt"/>
-                <a:ea typeface="+mn-ea"/>
-                <a:cs typeface="+mn-cs"/>
               </a:defRPr>
-            </a:lvl5pPr>
-            <a:lvl6pPr marL="1783080" indent="-228600" algn="l" defTabSz="914400" rtl="0" eaLnBrk="1" latinLnBrk="0" hangingPunct="1">
-              <a:spcBef>
-                <a:spcPts val="384"/>
-              </a:spcBef>
-              <a:buClr>
-                <a:schemeClr val="accent1"/>
-              </a:buClr>
-              <a:buFont typeface="Symbol" pitchFamily="18" charset="2"/>
-              <a:buChar char="*"/>
-              <a:defRPr sz="1400" kern="1200">
+            </a:lvl6pPr>
+            <a:lvl7pPr eaLnBrk="1" hangingPunct="1">
+              <a:defRPr>
                 <a:solidFill>
                   <a:schemeClr val="tx2"/>
                 </a:solidFill>
-                <a:latin typeface="+mn-lt"/>
-                <a:ea typeface="+mn-ea"/>
-                <a:cs typeface="+mn-cs"/>
               </a:defRPr>
-            </a:lvl6pPr>
-            <a:lvl7pPr marL="2103120" indent="-228600" algn="l" defTabSz="914400" rtl="0" eaLnBrk="1" latinLnBrk="0" hangingPunct="1">
-              <a:spcBef>
-                <a:spcPts val="384"/>
-              </a:spcBef>
-              <a:buClr>
-                <a:schemeClr val="accent1"/>
-              </a:buClr>
-              <a:buFont typeface="Symbol" pitchFamily="18" charset="2"/>
-              <a:buChar char="*"/>
-              <a:defRPr sz="1400" kern="1200">
+            </a:lvl7pPr>
+            <a:lvl8pPr eaLnBrk="1" hangingPunct="1">
+              <a:defRPr>
                 <a:solidFill>
                   <a:schemeClr val="tx2"/>
                 </a:solidFill>
-                <a:latin typeface="+mn-lt"/>
-                <a:ea typeface="+mn-ea"/>
-                <a:cs typeface="+mn-cs"/>
               </a:defRPr>
-            </a:lvl7pPr>
-            <a:lvl8pPr marL="2423160" indent="-228600" algn="l" defTabSz="914400" rtl="0" eaLnBrk="1" latinLnBrk="0" hangingPunct="1">
-              <a:spcBef>
-                <a:spcPts val="384"/>
-              </a:spcBef>
-              <a:buClr>
-                <a:schemeClr val="accent1"/>
-              </a:buClr>
-              <a:buFont typeface="Symbol" pitchFamily="18" charset="2"/>
-              <a:buChar char="*"/>
-              <a:defRPr sz="1400" kern="1200">
+            </a:lvl8pPr>
+            <a:lvl9pPr eaLnBrk="1" hangingPunct="1">
+              <a:defRPr>
                 <a:solidFill>
                   <a:schemeClr val="tx2"/>
                 </a:solidFill>
-                <a:latin typeface="+mn-lt"/>
-                <a:ea typeface="+mn-ea"/>
-                <a:cs typeface="+mn-cs"/>
-              </a:defRPr>
-            </a:lvl8pPr>
-            <a:lvl9pPr marL="2743200" indent="-228600" algn="l" defTabSz="914400" rtl="0" eaLnBrk="1" latinLnBrk="0" hangingPunct="1">
-              <a:spcBef>
-                <a:spcPts val="384"/>
-              </a:spcBef>
-              <a:buClr>
-                <a:schemeClr val="accent1"/>
-              </a:buClr>
-              <a:buFont typeface="Symbol" pitchFamily="18" charset="2"/>
-              <a:buChar char="*"/>
-              <a:defRPr sz="1400" kern="1200">
-                <a:solidFill>
-                  <a:schemeClr val="tx2"/>
-                </a:solidFill>
-                <a:latin typeface="+mn-lt"/>
-                <a:ea typeface="+mn-ea"/>
-                <a:cs typeface="+mn-cs"/>
               </a:defRPr>
             </a:lvl9pPr>
           </a:lstStyle>
           <a:p>
-            <a:pPr marL="0" indent="0">
-              <a:buNone/>
-            </a:pPr>
-            <a:r>
-              <a:rPr lang="hu-HU" sz="2800" dirty="0" err="1" smtClean="0"/>
-              <a:t>Automatized</a:t>
-            </a:r>
-            <a:r>
-              <a:rPr lang="hu-HU" sz="2800" dirty="0" smtClean="0"/>
+            <a:r>
+              <a:rPr lang="hu-HU" b="1" dirty="0"/>
+              <a:t>C++ </a:t>
+            </a:r>
+            <a:r>
+              <a:rPr lang="hu-HU" b="1" dirty="0" err="1"/>
+              <a:t>Virtual</a:t>
+            </a:r>
+            <a:r>
+              <a:rPr lang="hu-HU" b="1" dirty="0"/>
               <a:t> </a:t>
             </a:r>
             <a:r>
-              <a:rPr lang="hu-HU" sz="2800" dirty="0" err="1" smtClean="0"/>
-              <a:t>data</a:t>
-            </a:r>
-            <a:r>
-              <a:rPr lang="hu-HU" sz="2800" dirty="0" smtClean="0"/>
-              <a:t> update </a:t>
-            </a:r>
-            <a:endParaRPr lang="hu-HU" sz="2800" dirty="0" smtClean="0"/>
-          </a:p>
-          <a:p>
-            <a:endParaRPr lang="hu-HU" dirty="0"/>
+              <a:rPr lang="hu-HU" b="1" dirty="0" err="1"/>
+              <a:t>Functions</a:t>
+            </a:r>
+            <a:r>
+              <a:rPr lang="hu-HU" b="1" dirty="0"/>
+              <a:t/>
+            </a:r>
+            <a:br>
+              <a:rPr lang="hu-HU" b="1" dirty="0"/>
+            </a:br>
+            <a:r>
+              <a:rPr lang="hu-HU" i="1" dirty="0"/>
+              <a:t>Program w/o </a:t>
+            </a:r>
+            <a:r>
+              <a:rPr lang="hu-HU" i="1" dirty="0" err="1"/>
+              <a:t>virtual</a:t>
+            </a:r>
+            <a:r>
+              <a:rPr lang="hu-HU" i="1" dirty="0"/>
+              <a:t> </a:t>
+            </a:r>
+            <a:r>
+              <a:rPr lang="hu-HU" i="1" dirty="0" err="1"/>
+              <a:t>function</a:t>
+            </a:r>
+            <a:endParaRPr lang="hu-HU" i="1" dirty="0"/>
           </a:p>
         </p:txBody>
       </p:sp>
+      <p:pic>
+        <p:nvPicPr>
+          <p:cNvPr id="5122" name="Picture 2"/>
+          <p:cNvPicPr>
+            <a:picLocks noChangeAspect="1" noChangeArrowheads="1"/>
+          </p:cNvPicPr>
+          <p:nvPr/>
+        </p:nvPicPr>
+        <p:blipFill>
+          <a:blip r:embed="rId3">
+            <a:extLst>
+              <a:ext uri="{28A0092B-C50C-407E-A947-70E740481C1C}">
+                <a14:useLocalDpi xmlns:a14="http://schemas.microsoft.com/office/drawing/2010/main" val="0"/>
+              </a:ext>
+            </a:extLst>
+          </a:blip>
+          <a:srcRect/>
+          <a:stretch>
+            <a:fillRect/>
+          </a:stretch>
+        </p:blipFill>
+        <p:spPr bwMode="auto">
+          <a:xfrm>
+            <a:off x="248364" y="3212976"/>
+            <a:ext cx="8619538" cy="1554790"/>
+          </a:xfrm>
+          <a:prstGeom prst="rect">
+            <a:avLst/>
+          </a:prstGeom>
+          <a:noFill/>
+          <a:ln>
+            <a:noFill/>
+          </a:ln>
+          <a:extLst>
+            <a:ext uri="{909E8E84-426E-40DD-AFC4-6F175D3DCCD1}">
+              <a14:hiddenFill xmlns:a14="http://schemas.microsoft.com/office/drawing/2010/main">
+                <a:solidFill>
+                  <a:schemeClr val="accent1"/>
+                </a:solidFill>
+              </a14:hiddenFill>
+            </a:ext>
+            <a:ext uri="{91240B29-F687-4F45-9708-019B960494DF}">
+              <a14:hiddenLine xmlns:a14="http://schemas.microsoft.com/office/drawing/2010/main" w="9525">
+                <a:solidFill>
+                  <a:schemeClr val="tx1"/>
+                </a:solidFill>
+                <a:miter lim="800000"/>
+                <a:headEnd/>
+                <a:tailEnd/>
+              </a14:hiddenLine>
+            </a:ext>
+          </a:extLst>
+        </p:spPr>
+      </p:pic>
     </p:spTree>
     <p:extLst>
       <p:ext uri="{BB962C8B-B14F-4D97-AF65-F5344CB8AC3E}">
-        <p14:creationId xmlns:p14="http://schemas.microsoft.com/office/powerpoint/2010/main" val="638025720"/>
+        <p14:creationId xmlns:p14="http://schemas.microsoft.com/office/powerpoint/2010/main" val="4262073278"/>
+      </p:ext>
+    </p:extLst>
+  </p:cSld>
+  <p:clrMapOvr>
+    <a:masterClrMapping/>
+  </p:clrMapOvr>
+  <mc:AlternateContent xmlns:mc="http://schemas.openxmlformats.org/markup-compatibility/2006" xmlns:p14="http://schemas.microsoft.com/office/powerpoint/2010/main">
+    <mc:Choice Requires="p14">
+      <p:transition spd="med" p14:dur="700">
+        <p:fade/>
+      </p:transition>
+    </mc:Choice>
+    <mc:Fallback xmlns="">
+      <p:transition spd="med">
+        <p:fade/>
+      </p:transition>
+    </mc:Fallback>
+  </mc:AlternateContent>
+  <p:timing>
+    <p:tnLst>
+      <p:par>
+        <p:cTn id="1" dur="indefinite" restart="never" nodeType="tmRoot"/>
+      </p:par>
+    </p:tnLst>
+  </p:timing>
+</p:sld>
+</file>
+
+<file path=ppt/slides/slide8.xml><?xml version="1.0" encoding="utf-8"?>
+<p:sld xmlns:a="http://schemas.openxmlformats.org/drawingml/2006/main" xmlns:r="http://schemas.openxmlformats.org/officeDocument/2006/relationships" xmlns:p="http://schemas.openxmlformats.org/presentationml/2006/main">
+  <p:cSld>
+    <p:spTree>
+      <p:nvGrpSpPr>
+        <p:cNvPr id="1" name=""/>
+        <p:cNvGrpSpPr/>
+        <p:nvPr/>
+      </p:nvGrpSpPr>
+      <p:grpSpPr>
+        <a:xfrm>
+          <a:off x="0" y="0"/>
+          <a:ext cx="0" cy="0"/>
+          <a:chOff x="0" y="0"/>
+          <a:chExt cx="0" cy="0"/>
+        </a:xfrm>
+      </p:grpSpPr>
+      <p:sp>
+        <p:nvSpPr>
+          <p:cNvPr id="7" name="Cím 1"/>
+          <p:cNvSpPr txBox="1">
+            <a:spLocks/>
+          </p:cNvSpPr>
+          <p:nvPr/>
+        </p:nvSpPr>
+        <p:spPr>
+          <a:xfrm>
+            <a:off x="609600" y="490728"/>
+            <a:ext cx="8229600" cy="1252728"/>
+          </a:xfrm>
+          <a:prstGeom prst="rect">
+            <a:avLst/>
+          </a:prstGeom>
+        </p:spPr>
+        <p:txBody>
+          <a:bodyPr vert="horz" lIns="91440" tIns="45720" rIns="91440" bIns="45720" rtlCol="0" anchor="ctr">
+            <a:normAutofit fontScale="90000" lnSpcReduction="10000"/>
+          </a:bodyPr>
+          <a:lstStyle>
+            <a:lvl1pPr algn="ctr" defTabSz="914400" rtl="0" eaLnBrk="1" latinLnBrk="0" hangingPunct="1">
+              <a:spcBef>
+                <a:spcPct val="0"/>
+              </a:spcBef>
+              <a:buNone/>
+              <a:defRPr sz="4400" kern="1200">
+                <a:solidFill>
+                  <a:srgbClr val="FFFFFF"/>
+                </a:solidFill>
+                <a:latin typeface="+mj-lt"/>
+                <a:ea typeface="+mj-ea"/>
+                <a:cs typeface="+mj-cs"/>
+              </a:defRPr>
+            </a:lvl1pPr>
+            <a:lvl2pPr eaLnBrk="1" hangingPunct="1">
+              <a:defRPr>
+                <a:solidFill>
+                  <a:schemeClr val="tx2"/>
+                </a:solidFill>
+              </a:defRPr>
+            </a:lvl2pPr>
+            <a:lvl3pPr eaLnBrk="1" hangingPunct="1">
+              <a:defRPr>
+                <a:solidFill>
+                  <a:schemeClr val="tx2"/>
+                </a:solidFill>
+              </a:defRPr>
+            </a:lvl3pPr>
+            <a:lvl4pPr eaLnBrk="1" hangingPunct="1">
+              <a:defRPr>
+                <a:solidFill>
+                  <a:schemeClr val="tx2"/>
+                </a:solidFill>
+              </a:defRPr>
+            </a:lvl4pPr>
+            <a:lvl5pPr eaLnBrk="1" hangingPunct="1">
+              <a:defRPr>
+                <a:solidFill>
+                  <a:schemeClr val="tx2"/>
+                </a:solidFill>
+              </a:defRPr>
+            </a:lvl5pPr>
+            <a:lvl6pPr eaLnBrk="1" hangingPunct="1">
+              <a:defRPr>
+                <a:solidFill>
+                  <a:schemeClr val="tx2"/>
+                </a:solidFill>
+              </a:defRPr>
+            </a:lvl6pPr>
+            <a:lvl7pPr eaLnBrk="1" hangingPunct="1">
+              <a:defRPr>
+                <a:solidFill>
+                  <a:schemeClr val="tx2"/>
+                </a:solidFill>
+              </a:defRPr>
+            </a:lvl7pPr>
+            <a:lvl8pPr eaLnBrk="1" hangingPunct="1">
+              <a:defRPr>
+                <a:solidFill>
+                  <a:schemeClr val="tx2"/>
+                </a:solidFill>
+              </a:defRPr>
+            </a:lvl8pPr>
+            <a:lvl9pPr eaLnBrk="1" hangingPunct="1">
+              <a:defRPr>
+                <a:solidFill>
+                  <a:schemeClr val="tx2"/>
+                </a:solidFill>
+              </a:defRPr>
+            </a:lvl9pPr>
+          </a:lstStyle>
+          <a:p>
+            <a:r>
+              <a:rPr lang="hu-HU" b="1" dirty="0"/>
+              <a:t>C++ </a:t>
+            </a:r>
+            <a:r>
+              <a:rPr lang="hu-HU" b="1" dirty="0" err="1"/>
+              <a:t>Virtual</a:t>
+            </a:r>
+            <a:r>
+              <a:rPr lang="hu-HU" b="1" dirty="0"/>
+              <a:t> </a:t>
+            </a:r>
+            <a:r>
+              <a:rPr lang="hu-HU" b="1" dirty="0" err="1"/>
+              <a:t>Functions</a:t>
+            </a:r>
+            <a:r>
+              <a:rPr lang="hu-HU" b="1" dirty="0"/>
+              <a:t/>
+            </a:r>
+            <a:br>
+              <a:rPr lang="hu-HU" b="1" dirty="0"/>
+            </a:br>
+            <a:r>
+              <a:rPr lang="hu-HU" i="1" dirty="0"/>
+              <a:t>Program w</a:t>
+            </a:r>
+            <a:r>
+              <a:rPr lang="hu-HU" i="1" dirty="0" smtClean="0"/>
+              <a:t>/ </a:t>
+            </a:r>
+            <a:r>
+              <a:rPr lang="hu-HU" i="1" dirty="0" err="1"/>
+              <a:t>virtual</a:t>
+            </a:r>
+            <a:r>
+              <a:rPr lang="hu-HU" i="1" dirty="0"/>
+              <a:t> </a:t>
+            </a:r>
+            <a:r>
+              <a:rPr lang="hu-HU" i="1" dirty="0" err="1"/>
+              <a:t>function</a:t>
+            </a:r>
+            <a:endParaRPr lang="hu-HU" i="1" dirty="0"/>
+          </a:p>
+        </p:txBody>
+      </p:sp>
+      <p:pic>
+        <p:nvPicPr>
+          <p:cNvPr id="6147" name="Picture 3"/>
+          <p:cNvPicPr>
+            <a:picLocks noChangeAspect="1" noChangeArrowheads="1"/>
+          </p:cNvPicPr>
+          <p:nvPr/>
+        </p:nvPicPr>
+        <p:blipFill>
+          <a:blip r:embed="rId3">
+            <a:extLst>
+              <a:ext uri="{28A0092B-C50C-407E-A947-70E740481C1C}">
+                <a14:useLocalDpi xmlns:a14="http://schemas.microsoft.com/office/drawing/2010/main" val="0"/>
+              </a:ext>
+            </a:extLst>
+          </a:blip>
+          <a:srcRect/>
+          <a:stretch>
+            <a:fillRect/>
+          </a:stretch>
+        </p:blipFill>
+        <p:spPr bwMode="auto">
+          <a:xfrm>
+            <a:off x="345779" y="3140968"/>
+            <a:ext cx="8757241" cy="2303445"/>
+          </a:xfrm>
+          <a:prstGeom prst="rect">
+            <a:avLst/>
+          </a:prstGeom>
+          <a:noFill/>
+          <a:ln>
+            <a:noFill/>
+          </a:ln>
+          <a:extLst>
+            <a:ext uri="{909E8E84-426E-40DD-AFC4-6F175D3DCCD1}">
+              <a14:hiddenFill xmlns:a14="http://schemas.microsoft.com/office/drawing/2010/main">
+                <a:solidFill>
+                  <a:schemeClr val="accent1"/>
+                </a:solidFill>
+              </a14:hiddenFill>
+            </a:ext>
+            <a:ext uri="{91240B29-F687-4F45-9708-019B960494DF}">
+              <a14:hiddenLine xmlns:a14="http://schemas.microsoft.com/office/drawing/2010/main" w="9525">
+                <a:solidFill>
+                  <a:schemeClr val="tx1"/>
+                </a:solidFill>
+                <a:miter lim="800000"/>
+                <a:headEnd/>
+                <a:tailEnd/>
+              </a14:hiddenLine>
+            </a:ext>
+          </a:extLst>
+        </p:spPr>
+      </p:pic>
+    </p:spTree>
+    <p:extLst>
+      <p:ext uri="{BB962C8B-B14F-4D97-AF65-F5344CB8AC3E}">
+        <p14:creationId xmlns:p14="http://schemas.microsoft.com/office/powerpoint/2010/main" val="3669614109"/>
       </p:ext>
     </p:extLst>
   </p:cSld>
@@ -19642,7 +20688,7 @@
                             </p:stCondLst>
                             <p:childTnLst>
                               <p:par>
-                                <p:cTn id="5" presetID="1" presetClass="entr" presetSubtype="0" fill="hold" grpId="0" nodeType="clickEffect">
+                                <p:cTn id="5" presetID="1" presetClass="entr" presetSubtype="0" fill="hold" nodeType="clickEffect">
                                   <p:stCondLst>
                                     <p:cond delay="0"/>
                                   </p:stCondLst>
@@ -19655,101 +20701,7 @@
                                           </p:stCondLst>
                                         </p:cTn>
                                         <p:tgtEl>
-                                          <p:spTgt spid="8">
-                                            <p:txEl>
-                                              <p:pRg st="0" end="0"/>
-                                            </p:txEl>
-                                          </p:spTgt>
-                                        </p:tgtEl>
-                                        <p:attrNameLst>
-                                          <p:attrName>style.visibility</p:attrName>
-                                        </p:attrNameLst>
-                                      </p:cBhvr>
-                                      <p:to>
-                                        <p:strVal val="visible"/>
-                                      </p:to>
-                                    </p:set>
-                                  </p:childTnLst>
-                                </p:cTn>
-                              </p:par>
-                            </p:childTnLst>
-                          </p:cTn>
-                        </p:par>
-                      </p:childTnLst>
-                    </p:cTn>
-                  </p:par>
-                  <p:par>
-                    <p:cTn id="7" fill="hold">
-                      <p:stCondLst>
-                        <p:cond delay="indefinite"/>
-                      </p:stCondLst>
-                      <p:childTnLst>
-                        <p:par>
-                          <p:cTn id="8" fill="hold">
-                            <p:stCondLst>
-                              <p:cond delay="0"/>
-                            </p:stCondLst>
-                            <p:childTnLst>
-                              <p:par>
-                                <p:cTn id="9" presetID="1" presetClass="entr" presetSubtype="0" fill="hold" grpId="0" nodeType="clickEffect">
-                                  <p:stCondLst>
-                                    <p:cond delay="0"/>
-                                  </p:stCondLst>
-                                  <p:childTnLst>
-                                    <p:set>
-                                      <p:cBhvr>
-                                        <p:cTn id="10" dur="1" fill="hold">
-                                          <p:stCondLst>
-                                            <p:cond delay="0"/>
-                                          </p:stCondLst>
-                                        </p:cTn>
-                                        <p:tgtEl>
-                                          <p:spTgt spid="9"/>
-                                        </p:tgtEl>
-                                        <p:attrNameLst>
-                                          <p:attrName>style.visibility</p:attrName>
-                                        </p:attrNameLst>
-                                      </p:cBhvr>
-                                      <p:to>
-                                        <p:strVal val="visible"/>
-                                      </p:to>
-                                    </p:set>
-                                  </p:childTnLst>
-                                </p:cTn>
-                              </p:par>
-                            </p:childTnLst>
-                          </p:cTn>
-                        </p:par>
-                      </p:childTnLst>
-                    </p:cTn>
-                  </p:par>
-                  <p:par>
-                    <p:cTn id="11" fill="hold">
-                      <p:stCondLst>
-                        <p:cond delay="indefinite"/>
-                      </p:stCondLst>
-                      <p:childTnLst>
-                        <p:par>
-                          <p:cTn id="12" fill="hold">
-                            <p:stCondLst>
-                              <p:cond delay="0"/>
-                            </p:stCondLst>
-                            <p:childTnLst>
-                              <p:par>
-                                <p:cTn id="13" presetID="1" presetClass="entr" presetSubtype="0" fill="hold" grpId="0" nodeType="clickEffect">
-                                  <p:stCondLst>
-                                    <p:cond delay="0"/>
-                                  </p:stCondLst>
-                                  <p:childTnLst>
-                                    <p:set>
-                                      <p:cBhvr>
-                                        <p:cTn id="14" dur="1" fill="hold">
-                                          <p:stCondLst>
-                                            <p:cond delay="0"/>
-                                          </p:stCondLst>
-                                        </p:cTn>
-                                        <p:tgtEl>
-                                          <p:spTgt spid="10"/>
+                                          <p:spTgt spid="6147"/>
                                         </p:tgtEl>
                                         <p:attrNameLst>
                                           <p:attrName>style.visibility</p:attrName>
@@ -19789,16 +20741,11 @@
         </p:cTn>
       </p:par>
     </p:tnLst>
-    <p:bldLst>
-      <p:bldP spid="8" grpId="0" build="p"/>
-      <p:bldP spid="9" grpId="0"/>
-      <p:bldP spid="10" grpId="0"/>
-    </p:bldLst>
   </p:timing>
 </p:sld>
 </file>
 
-<file path=ppt/slides/slide6.xml><?xml version="1.0" encoding="utf-8"?>
+<file path=ppt/slides/slide9.xml><?xml version="1.0" encoding="utf-8"?>
 <p:sld xmlns:a="http://schemas.openxmlformats.org/drawingml/2006/main" xmlns:r="http://schemas.openxmlformats.org/officeDocument/2006/relationships" xmlns:p="http://schemas.openxmlformats.org/presentationml/2006/main">
   <p:cSld>
     <p:spTree>
@@ -19817,81 +20764,203 @@
       </p:grpSpPr>
       <p:sp>
         <p:nvSpPr>
-          <p:cNvPr id="9" name="Tartalom helye 8"/>
-          <p:cNvSpPr>
-            <a:spLocks noGrp="1"/>
+          <p:cNvPr id="7" name="Cím 1"/>
+          <p:cNvSpPr txBox="1">
+            <a:spLocks/>
           </p:cNvSpPr>
-          <p:nvPr>
-            <p:ph sz="quarter" idx="13"/>
-          </p:nvPr>
+          <p:nvPr/>
         </p:nvSpPr>
         <p:spPr>
           <a:xfrm>
-            <a:off x="179512" y="3068960"/>
-            <a:ext cx="8424936" cy="2160240"/>
+            <a:off x="609600" y="490728"/>
+            <a:ext cx="8229600" cy="1252728"/>
           </a:xfrm>
+          <a:prstGeom prst="rect">
+            <a:avLst/>
+          </a:prstGeom>
         </p:spPr>
         <p:txBody>
-          <a:bodyPr>
-            <a:normAutofit/>
+          <a:bodyPr vert="horz" lIns="91440" tIns="45720" rIns="91440" bIns="45720" rtlCol="0" anchor="ctr">
+            <a:normAutofit fontScale="90000" lnSpcReduction="10000"/>
           </a:bodyPr>
-          <a:lstStyle/>
+          <a:lstStyle>
+            <a:lvl1pPr algn="ctr" defTabSz="914400" rtl="0" eaLnBrk="1" latinLnBrk="0" hangingPunct="1">
+              <a:spcBef>
+                <a:spcPct val="0"/>
+              </a:spcBef>
+              <a:buNone/>
+              <a:defRPr sz="4400" kern="1200">
+                <a:solidFill>
+                  <a:srgbClr val="FFFFFF"/>
+                </a:solidFill>
+                <a:latin typeface="+mj-lt"/>
+                <a:ea typeface="+mj-ea"/>
+                <a:cs typeface="+mj-cs"/>
+              </a:defRPr>
+            </a:lvl1pPr>
+            <a:lvl2pPr eaLnBrk="1" hangingPunct="1">
+              <a:defRPr>
+                <a:solidFill>
+                  <a:schemeClr val="tx2"/>
+                </a:solidFill>
+              </a:defRPr>
+            </a:lvl2pPr>
+            <a:lvl3pPr eaLnBrk="1" hangingPunct="1">
+              <a:defRPr>
+                <a:solidFill>
+                  <a:schemeClr val="tx2"/>
+                </a:solidFill>
+              </a:defRPr>
+            </a:lvl3pPr>
+            <a:lvl4pPr eaLnBrk="1" hangingPunct="1">
+              <a:defRPr>
+                <a:solidFill>
+                  <a:schemeClr val="tx2"/>
+                </a:solidFill>
+              </a:defRPr>
+            </a:lvl4pPr>
+            <a:lvl5pPr eaLnBrk="1" hangingPunct="1">
+              <a:defRPr>
+                <a:solidFill>
+                  <a:schemeClr val="tx2"/>
+                </a:solidFill>
+              </a:defRPr>
+            </a:lvl5pPr>
+            <a:lvl6pPr eaLnBrk="1" hangingPunct="1">
+              <a:defRPr>
+                <a:solidFill>
+                  <a:schemeClr val="tx2"/>
+                </a:solidFill>
+              </a:defRPr>
+            </a:lvl6pPr>
+            <a:lvl7pPr eaLnBrk="1" hangingPunct="1">
+              <a:defRPr>
+                <a:solidFill>
+                  <a:schemeClr val="tx2"/>
+                </a:solidFill>
+              </a:defRPr>
+            </a:lvl7pPr>
+            <a:lvl8pPr eaLnBrk="1" hangingPunct="1">
+              <a:defRPr>
+                <a:solidFill>
+                  <a:schemeClr val="tx2"/>
+                </a:solidFill>
+              </a:defRPr>
+            </a:lvl8pPr>
+            <a:lvl9pPr eaLnBrk="1" hangingPunct="1">
+              <a:defRPr>
+                <a:solidFill>
+                  <a:schemeClr val="tx2"/>
+                </a:solidFill>
+              </a:defRPr>
+            </a:lvl9pPr>
+          </a:lstStyle>
           <a:p>
-            <a:pPr marL="0" indent="0">
-              <a:buNone/>
-            </a:pPr>
-            <a:r>
-              <a:rPr lang="hu-HU" sz="5400" dirty="0" smtClean="0"/>
-              <a:t>		</a:t>
-            </a:r>
-            <a:r>
-              <a:rPr lang="hu-HU" sz="5400" dirty="0" err="1" smtClean="0"/>
-              <a:t>Thank</a:t>
-            </a:r>
-            <a:r>
-              <a:rPr lang="hu-HU" sz="5400" dirty="0" smtClean="0"/>
+            <a:r>
+              <a:rPr lang="hu-HU" b="1" dirty="0"/>
+              <a:t>C++ </a:t>
+            </a:r>
+            <a:r>
+              <a:rPr lang="hu-HU" b="1" dirty="0" err="1"/>
+              <a:t>Virtual</a:t>
+            </a:r>
+            <a:r>
+              <a:rPr lang="hu-HU" b="1" dirty="0"/>
               <a:t> </a:t>
             </a:r>
             <a:r>
-              <a:rPr lang="hu-HU" sz="5400" dirty="0" err="1" smtClean="0"/>
-              <a:t>you</a:t>
-            </a:r>
-            <a:r>
-              <a:rPr lang="hu-HU" sz="5400" dirty="0" smtClean="0"/>
+              <a:rPr lang="hu-HU" b="1" dirty="0" err="1"/>
+              <a:t>Functions</a:t>
+            </a:r>
+            <a:r>
+              <a:rPr lang="hu-HU" b="1" dirty="0"/>
+              <a:t/>
+            </a:r>
+            <a:br>
+              <a:rPr lang="hu-HU" b="1" dirty="0"/>
+            </a:br>
+            <a:r>
+              <a:rPr lang="hu-HU" i="1" dirty="0"/>
+              <a:t>Program w</a:t>
+            </a:r>
+            <a:r>
+              <a:rPr lang="hu-HU" i="1" dirty="0" smtClean="0"/>
+              <a:t>/ </a:t>
+            </a:r>
+            <a:r>
+              <a:rPr lang="hu-HU" i="1" dirty="0" err="1"/>
+              <a:t>virtual</a:t>
+            </a:r>
+            <a:r>
+              <a:rPr lang="hu-HU" i="1" dirty="0"/>
               <a:t> </a:t>
             </a:r>
             <a:r>
-              <a:rPr lang="hu-HU" sz="5400" dirty="0" err="1" smtClean="0"/>
-              <a:t>for</a:t>
-            </a:r>
-            <a:r>
-              <a:rPr lang="hu-HU" sz="5400" dirty="0" smtClean="0"/>
-              <a:t> </a:t>
-            </a:r>
-            <a:r>
-              <a:rPr lang="hu-HU" sz="5400" dirty="0" err="1" smtClean="0"/>
-              <a:t>your</a:t>
-            </a:r>
-            <a:r>
-              <a:rPr lang="hu-HU" sz="5400" dirty="0" smtClean="0"/>
-              <a:t> 				</a:t>
-            </a:r>
-            <a:r>
-              <a:rPr lang="hu-HU" sz="5400" dirty="0" err="1" smtClean="0"/>
-              <a:t>attention</a:t>
-            </a:r>
-            <a:r>
-              <a:rPr lang="hu-HU" sz="5400" dirty="0" smtClean="0"/>
-              <a:t>!</a:t>
-            </a:r>
-            <a:endParaRPr lang="hu-HU" sz="5400" dirty="0"/>
+              <a:rPr lang="hu-HU" i="1" dirty="0" err="1"/>
+              <a:t>function</a:t>
+            </a:r>
+            <a:endParaRPr lang="hu-HU" i="1" dirty="0"/>
           </a:p>
         </p:txBody>
       </p:sp>
+      <p:pic>
+        <p:nvPicPr>
+          <p:cNvPr id="7170" name="Picture 2"/>
+          <p:cNvPicPr>
+            <a:picLocks noChangeAspect="1" noChangeArrowheads="1"/>
+          </p:cNvPicPr>
+          <p:nvPr/>
+        </p:nvPicPr>
+        <p:blipFill>
+          <a:blip r:embed="rId3">
+            <a:extLst>
+              <a:ext uri="{28A0092B-C50C-407E-A947-70E740481C1C}">
+                <a14:useLocalDpi xmlns:a14="http://schemas.microsoft.com/office/drawing/2010/main" val="0"/>
+              </a:ext>
+            </a:extLst>
+          </a:blip>
+          <a:srcRect/>
+          <a:stretch>
+            <a:fillRect/>
+          </a:stretch>
+        </p:blipFill>
+        <p:spPr bwMode="auto">
+          <a:xfrm>
+            <a:off x="1763688" y="2647982"/>
+            <a:ext cx="4896544" cy="4210018"/>
+          </a:xfrm>
+          <a:prstGeom prst="rect">
+            <a:avLst/>
+          </a:prstGeom>
+          <a:noFill/>
+          <a:ln>
+            <a:noFill/>
+          </a:ln>
+          <a:extLst>
+            <a:ext uri="{909E8E84-426E-40DD-AFC4-6F175D3DCCD1}">
+              <a14:hiddenFill xmlns:a14="http://schemas.microsoft.com/office/drawing/2010/main">
+                <a:solidFill>
+                  <a:schemeClr val="accent1"/>
+                </a:solidFill>
+              </a14:hiddenFill>
+            </a:ext>
+            <a:ext uri="{91240B29-F687-4F45-9708-019B960494DF}">
+              <a14:hiddenLine xmlns:a14="http://schemas.microsoft.com/office/drawing/2010/main" w="9525">
+                <a:solidFill>
+                  <a:schemeClr val="tx1"/>
+                </a:solidFill>
+                <a:miter lim="800000"/>
+                <a:headEnd/>
+                <a:tailEnd/>
+              </a14:hiddenLine>
+            </a:ext>
+          </a:extLst>
+        </p:spPr>
+      </p:pic>
     </p:spTree>
     <p:extLst>
       <p:ext uri="{BB962C8B-B14F-4D97-AF65-F5344CB8AC3E}">
-        <p14:creationId xmlns:p14="http://schemas.microsoft.com/office/powerpoint/2010/main" val="1576712890"/>
+        <p14:creationId xmlns:p14="http://schemas.microsoft.com/office/powerpoint/2010/main" val="1780705334"/>
       </p:ext>
     </p:extLst>
   </p:cSld>
@@ -19913,7 +20982,75 @@
   <p:timing>
     <p:tnLst>
       <p:par>
-        <p:cTn id="1" dur="indefinite" restart="never" nodeType="tmRoot"/>
+        <p:cTn id="1" dur="indefinite" restart="never" nodeType="tmRoot">
+          <p:childTnLst>
+            <p:seq concurrent="1" nextAc="seek">
+              <p:cTn id="2" dur="indefinite" nodeType="mainSeq">
+                <p:childTnLst>
+                  <p:par>
+                    <p:cTn id="3" fill="hold">
+                      <p:stCondLst>
+                        <p:cond delay="indefinite"/>
+                      </p:stCondLst>
+                      <p:childTnLst>
+                        <p:par>
+                          <p:cTn id="4" fill="hold">
+                            <p:stCondLst>
+                              <p:cond delay="0"/>
+                            </p:stCondLst>
+                            <p:childTnLst>
+                              <p:par>
+                                <p:cTn id="5" presetID="1" presetClass="entr" presetSubtype="0" fill="hold" nodeType="clickEffect">
+                                  <p:stCondLst>
+                                    <p:cond delay="0"/>
+                                  </p:stCondLst>
+                                  <p:childTnLst>
+                                    <p:set>
+                                      <p:cBhvr>
+                                        <p:cTn id="6" dur="1" fill="hold">
+                                          <p:stCondLst>
+                                            <p:cond delay="0"/>
+                                          </p:stCondLst>
+                                        </p:cTn>
+                                        <p:tgtEl>
+                                          <p:spTgt spid="7170"/>
+                                        </p:tgtEl>
+                                        <p:attrNameLst>
+                                          <p:attrName>style.visibility</p:attrName>
+                                        </p:attrNameLst>
+                                      </p:cBhvr>
+                                      <p:to>
+                                        <p:strVal val="visible"/>
+                                      </p:to>
+                                    </p:set>
+                                  </p:childTnLst>
+                                </p:cTn>
+                              </p:par>
+                            </p:childTnLst>
+                          </p:cTn>
+                        </p:par>
+                      </p:childTnLst>
+                    </p:cTn>
+                  </p:par>
+                </p:childTnLst>
+              </p:cTn>
+              <p:prevCondLst>
+                <p:cond evt="onPrev" delay="0">
+                  <p:tgtEl>
+                    <p:sldTgt/>
+                  </p:tgtEl>
+                </p:cond>
+              </p:prevCondLst>
+              <p:nextCondLst>
+                <p:cond evt="onNext" delay="0">
+                  <p:tgtEl>
+                    <p:sldTgt/>
+                  </p:tgtEl>
+                </p:cond>
+              </p:nextCondLst>
+            </p:seq>
+          </p:childTnLst>
+        </p:cTn>
       </p:par>
     </p:tnLst>
   </p:timing>
